--- a/Class08_sliders/EditingForClicks.pptx
+++ b/Class08_sliders/EditingForClicks.pptx
@@ -2,7 +2,7 @@
 <file path=ppt/presentation.xml><?xml version="1.0" encoding="utf-8"?>
 <p:presentation xmlns:a="http://schemas.openxmlformats.org/drawingml/2006/main" xmlns:r="http://schemas.openxmlformats.org/officeDocument/2006/relationships" xmlns:p="http://schemas.openxmlformats.org/presentationml/2006/main" saveSubsetFonts="1" autoCompressPictures="0">
   <p:sldMasterIdLst>
-    <p:sldMasterId id="2147483688" r:id="rId1"/>
+    <p:sldMasterId id="2147483721" r:id="rId1"/>
   </p:sldMasterIdLst>
   <p:notesMasterIdLst>
     <p:notesMasterId r:id="rId27"/>
@@ -131,6 +131,22 @@
       </a:defRPr>
     </a:lvl9pPr>
   </p:defaultTextStyle>
+  <p:extLst>
+    <p:ext uri="{EFAFB233-063F-42B5-8137-9DF3F51BA10A}">
+      <p15:sldGuideLst xmlns:p15="http://schemas.microsoft.com/office/powerpoint/2012/main">
+        <p15:guide id="1" orient="horz" pos="2160">
+          <p15:clr>
+            <a:srgbClr val="A4A3A4"/>
+          </p15:clr>
+        </p15:guide>
+        <p15:guide id="2" pos="2880">
+          <p15:clr>
+            <a:srgbClr val="A4A3A4"/>
+          </p15:clr>
+        </p15:guide>
+      </p15:sldGuideLst>
+    </p:ext>
+  </p:extLst>
 </p:presentation>
 </file>
 
@@ -1015,6 +1031,13 @@
         </dgm:presLayoutVars>
       </dgm:prSet>
       <dgm:spPr/>
+      <dgm:t>
+        <a:bodyPr/>
+        <a:lstStyle/>
+        <a:p>
+          <a:endParaRPr lang="en-US"/>
+        </a:p>
+      </dgm:t>
     </dgm:pt>
     <dgm:pt modelId="{3BE308F6-D20C-9342-84DA-52C2724E8C65}" type="pres">
       <dgm:prSet presAssocID="{7347EF63-B4AB-304A-98B7-64EBE1FE6EBD}" presName="Name1" presStyleCnt="0"/>
@@ -1031,6 +1054,13 @@
     <dgm:pt modelId="{2E010F2F-7457-4044-A042-3ED168C0AE4E}" type="pres">
       <dgm:prSet presAssocID="{7347EF63-B4AB-304A-98B7-64EBE1FE6EBD}" presName="conn" presStyleLbl="parChTrans1D2" presStyleIdx="0" presStyleCnt="1"/>
       <dgm:spPr/>
+      <dgm:t>
+        <a:bodyPr/>
+        <a:lstStyle/>
+        <a:p>
+          <a:endParaRPr lang="en-US"/>
+        </a:p>
+      </dgm:t>
     </dgm:pt>
     <dgm:pt modelId="{4611389B-0D0E-E843-95EA-51BCCC633740}" type="pres">
       <dgm:prSet presAssocID="{7347EF63-B4AB-304A-98B7-64EBE1FE6EBD}" presName="extraNode" presStyleLbl="node1" presStyleIdx="0" presStyleCnt="3"/>
@@ -1047,6 +1077,13 @@
         </dgm:presLayoutVars>
       </dgm:prSet>
       <dgm:spPr/>
+      <dgm:t>
+        <a:bodyPr/>
+        <a:lstStyle/>
+        <a:p>
+          <a:endParaRPr lang="en-US"/>
+        </a:p>
+      </dgm:t>
     </dgm:pt>
     <dgm:pt modelId="{B23E23AA-18FC-4F47-A5ED-EC00A8736BE4}" type="pres">
       <dgm:prSet presAssocID="{33C61C5E-FD35-6846-A528-2F99A55B1779}" presName="accent_1" presStyleCnt="0"/>
@@ -1063,6 +1100,13 @@
         </dgm:presLayoutVars>
       </dgm:prSet>
       <dgm:spPr/>
+      <dgm:t>
+        <a:bodyPr/>
+        <a:lstStyle/>
+        <a:p>
+          <a:endParaRPr lang="en-US"/>
+        </a:p>
+      </dgm:t>
     </dgm:pt>
     <dgm:pt modelId="{ABF65241-844B-6143-84A5-809108787EA5}" type="pres">
       <dgm:prSet presAssocID="{B24B63CA-F649-2A44-9AC4-E644E5950EC5}" presName="accent_2" presStyleCnt="0"/>
@@ -1079,6 +1123,13 @@
         </dgm:presLayoutVars>
       </dgm:prSet>
       <dgm:spPr/>
+      <dgm:t>
+        <a:bodyPr/>
+        <a:lstStyle/>
+        <a:p>
+          <a:endParaRPr lang="en-US"/>
+        </a:p>
+      </dgm:t>
     </dgm:pt>
     <dgm:pt modelId="{3C14AA8B-AABE-DF42-8CBF-C582F42EA856}" type="pres">
       <dgm:prSet presAssocID="{FB1E55DA-BFAA-8648-822E-390B45092677}" presName="accent_3" presStyleCnt="0"/>
@@ -1090,14 +1141,14 @@
     </dgm:pt>
   </dgm:ptLst>
   <dgm:cxnLst>
+    <dgm:cxn modelId="{3F8552E0-C903-7345-B30E-884765BAF5DE}" srcId="{7347EF63-B4AB-304A-98B7-64EBE1FE6EBD}" destId="{B24B63CA-F649-2A44-9AC4-E644E5950EC5}" srcOrd="1" destOrd="0" parTransId="{CA595272-4A1E-9945-8B9D-ADFAAE821895}" sibTransId="{F6D9E5BF-8A84-B44D-B101-A5340C8324BA}"/>
+    <dgm:cxn modelId="{3038CC13-4A55-4D47-8AB7-5735B73B4B54}" type="presOf" srcId="{33C61C5E-FD35-6846-A528-2F99A55B1779}" destId="{C16BE14A-5B8D-6445-8999-13D0C4A7E799}" srcOrd="0" destOrd="0" presId="urn:microsoft.com/office/officeart/2008/layout/VerticalCurvedList"/>
+    <dgm:cxn modelId="{FC5BB90F-F823-B641-A143-A034E992B6A8}" type="presOf" srcId="{64BBE22C-7EE3-C440-8BC5-9A11CC5DFF5C}" destId="{2E010F2F-7457-4044-A042-3ED168C0AE4E}" srcOrd="0" destOrd="0" presId="urn:microsoft.com/office/officeart/2008/layout/VerticalCurvedList"/>
+    <dgm:cxn modelId="{62637F67-C1CA-F24F-B7E3-2F1578977DA7}" srcId="{7347EF63-B4AB-304A-98B7-64EBE1FE6EBD}" destId="{FB1E55DA-BFAA-8648-822E-390B45092677}" srcOrd="2" destOrd="0" parTransId="{95545BBC-1502-4144-9FEF-B3A88BD0AC66}" sibTransId="{5D489EF8-1268-A24B-B0A8-89BF54F94E16}"/>
+    <dgm:cxn modelId="{9BAD57B8-F750-CA49-93B4-E0B9AE48E6DC}" type="presOf" srcId="{FB1E55DA-BFAA-8648-822E-390B45092677}" destId="{CE27D8DD-AB3C-E04E-862A-5E22602DF083}" srcOrd="0" destOrd="0" presId="urn:microsoft.com/office/officeart/2008/layout/VerticalCurvedList"/>
+    <dgm:cxn modelId="{6A2FE39B-C02F-764C-A700-CC282816A7CD}" srcId="{7347EF63-B4AB-304A-98B7-64EBE1FE6EBD}" destId="{33C61C5E-FD35-6846-A528-2F99A55B1779}" srcOrd="0" destOrd="0" parTransId="{B64B115B-B0C4-704E-90A3-F7631B1FC2EC}" sibTransId="{64BBE22C-7EE3-C440-8BC5-9A11CC5DFF5C}"/>
     <dgm:cxn modelId="{1323EAD4-1A51-C54A-B310-2CE8DFF5CAC1}" type="presOf" srcId="{7347EF63-B4AB-304A-98B7-64EBE1FE6EBD}" destId="{B4F520C6-E4CC-A84E-A5D3-B0BB97B0DCEC}" srcOrd="0" destOrd="0" presId="urn:microsoft.com/office/officeart/2008/layout/VerticalCurvedList"/>
     <dgm:cxn modelId="{65A1D292-D195-0743-BCC0-C10133B2B9C2}" type="presOf" srcId="{B24B63CA-F649-2A44-9AC4-E644E5950EC5}" destId="{1B2B3616-B075-D540-8458-EBDEF9E04B77}" srcOrd="0" destOrd="0" presId="urn:microsoft.com/office/officeart/2008/layout/VerticalCurvedList"/>
-    <dgm:cxn modelId="{9BAD57B8-F750-CA49-93B4-E0B9AE48E6DC}" type="presOf" srcId="{FB1E55DA-BFAA-8648-822E-390B45092677}" destId="{CE27D8DD-AB3C-E04E-862A-5E22602DF083}" srcOrd="0" destOrd="0" presId="urn:microsoft.com/office/officeart/2008/layout/VerticalCurvedList"/>
-    <dgm:cxn modelId="{62637F67-C1CA-F24F-B7E3-2F1578977DA7}" srcId="{7347EF63-B4AB-304A-98B7-64EBE1FE6EBD}" destId="{FB1E55DA-BFAA-8648-822E-390B45092677}" srcOrd="2" destOrd="0" parTransId="{95545BBC-1502-4144-9FEF-B3A88BD0AC66}" sibTransId="{5D489EF8-1268-A24B-B0A8-89BF54F94E16}"/>
-    <dgm:cxn modelId="{3F8552E0-C903-7345-B30E-884765BAF5DE}" srcId="{7347EF63-B4AB-304A-98B7-64EBE1FE6EBD}" destId="{B24B63CA-F649-2A44-9AC4-E644E5950EC5}" srcOrd="1" destOrd="0" parTransId="{CA595272-4A1E-9945-8B9D-ADFAAE821895}" sibTransId="{F6D9E5BF-8A84-B44D-B101-A5340C8324BA}"/>
-    <dgm:cxn modelId="{6A2FE39B-C02F-764C-A700-CC282816A7CD}" srcId="{7347EF63-B4AB-304A-98B7-64EBE1FE6EBD}" destId="{33C61C5E-FD35-6846-A528-2F99A55B1779}" srcOrd="0" destOrd="0" parTransId="{B64B115B-B0C4-704E-90A3-F7631B1FC2EC}" sibTransId="{64BBE22C-7EE3-C440-8BC5-9A11CC5DFF5C}"/>
-    <dgm:cxn modelId="{3038CC13-4A55-4D47-8AB7-5735B73B4B54}" type="presOf" srcId="{33C61C5E-FD35-6846-A528-2F99A55B1779}" destId="{C16BE14A-5B8D-6445-8999-13D0C4A7E799}" srcOrd="0" destOrd="0" presId="urn:microsoft.com/office/officeart/2008/layout/VerticalCurvedList"/>
-    <dgm:cxn modelId="{FC5BB90F-F823-B641-A143-A034E992B6A8}" type="presOf" srcId="{64BBE22C-7EE3-C440-8BC5-9A11CC5DFF5C}" destId="{2E010F2F-7457-4044-A042-3ED168C0AE4E}" srcOrd="0" destOrd="0" presId="urn:microsoft.com/office/officeart/2008/layout/VerticalCurvedList"/>
     <dgm:cxn modelId="{DFF676D3-54DE-074D-9D18-41AB8A41A6D9}" type="presParOf" srcId="{B4F520C6-E4CC-A84E-A5D3-B0BB97B0DCEC}" destId="{3BE308F6-D20C-9342-84DA-52C2724E8C65}" srcOrd="0" destOrd="0" presId="urn:microsoft.com/office/officeart/2008/layout/VerticalCurvedList"/>
     <dgm:cxn modelId="{41A9D2DC-5B00-A64D-9701-D665555BA784}" type="presParOf" srcId="{3BE308F6-D20C-9342-84DA-52C2724E8C65}" destId="{390FC35B-1E00-E744-8E75-7BCEE4A82BA7}" srcOrd="0" destOrd="0" presId="urn:microsoft.com/office/officeart/2008/layout/VerticalCurvedList"/>
     <dgm:cxn modelId="{CD0D4579-64E9-3448-85C3-C7E3F1FAF670}" type="presParOf" srcId="{390FC35B-1E00-E744-8E75-7BCEE4A82BA7}" destId="{9FDAFF0F-0051-DE48-A50D-7EDC8A10969F}" srcOrd="0" destOrd="0" presId="urn:microsoft.com/office/officeart/2008/layout/VerticalCurvedList"/>
@@ -1139,18 +1190,18 @@
       </dsp:nvSpPr>
       <dsp:spPr>
         <a:xfrm>
-          <a:off x="-4148910" y="-636691"/>
-          <a:ext cx="4943683" cy="4943683"/>
+          <a:off x="-4387787" y="-673007"/>
+          <a:ext cx="5227451" cy="5227451"/>
         </a:xfrm>
         <a:prstGeom prst="blockArc">
           <a:avLst>
             <a:gd name="adj1" fmla="val 18900000"/>
             <a:gd name="adj2" fmla="val 2700000"/>
-            <a:gd name="adj3" fmla="val 437"/>
+            <a:gd name="adj3" fmla="val 413"/>
           </a:avLst>
         </a:prstGeom>
         <a:noFill/>
-        <a:ln w="12700" cap="flat" cmpd="sng" algn="ctr">
+        <a:ln w="12700" cap="rnd" cmpd="sng" algn="ctr">
           <a:solidFill>
             <a:schemeClr val="accent1">
               <a:shade val="60000"/>
@@ -1184,31 +1235,47 @@
       </dsp:nvSpPr>
       <dsp:spPr>
         <a:xfrm>
-          <a:off x="511119" y="367030"/>
-          <a:ext cx="7050387" cy="734060"/>
+          <a:off x="540004" y="388143"/>
+          <a:ext cx="5756105" cy="776287"/>
         </a:xfrm>
         <a:prstGeom prst="rect">
           <a:avLst/>
         </a:prstGeom>
-        <a:solidFill>
-          <a:schemeClr val="accent1">
-            <a:hueOff val="0"/>
-            <a:satOff val="0"/>
-            <a:lumOff val="0"/>
-            <a:alphaOff val="0"/>
-          </a:schemeClr>
-        </a:solidFill>
+        <a:gradFill rotWithShape="0">
+          <a:gsLst>
+            <a:gs pos="0">
+              <a:schemeClr val="accent1">
+                <a:hueOff val="0"/>
+                <a:satOff val="0"/>
+                <a:lumOff val="0"/>
+                <a:alphaOff val="0"/>
+                <a:tint val="96000"/>
+                <a:lumMod val="100000"/>
+              </a:schemeClr>
+            </a:gs>
+            <a:gs pos="78000">
+              <a:schemeClr val="accent1">
+                <a:hueOff val="0"/>
+                <a:satOff val="0"/>
+                <a:lumOff val="0"/>
+                <a:alphaOff val="0"/>
+                <a:shade val="94000"/>
+                <a:lumMod val="94000"/>
+              </a:schemeClr>
+            </a:gs>
+          </a:gsLst>
+          <a:lin ang="5400000" scaled="0"/>
+        </a:gradFill>
         <a:ln>
           <a:noFill/>
         </a:ln>
-        <a:effectLst/>
-        <a:scene3d>
-          <a:camera prst="obliqueTopRight"/>
-          <a:lightRig rig="threePt" dir="tl"/>
-        </a:scene3d>
-        <a:sp3d>
-          <a:bevelT w="25400" h="25400"/>
-        </a:sp3d>
+        <a:effectLst>
+          <a:outerShdw blurRad="38100" dist="25400" dir="5400000" rotWithShape="0">
+            <a:srgbClr val="000000">
+              <a:alpha val="35000"/>
+            </a:srgbClr>
+          </a:outerShdw>
+        </a:effectLst>
       </dsp:spPr>
       <dsp:style>
         <a:lnRef idx="0">
@@ -1225,7 +1292,7 @@
         </a:fontRef>
       </dsp:style>
       <dsp:txBody>
-        <a:bodyPr spcFirstLastPara="0" vert="horz" wrap="square" lIns="582660" tIns="96520" rIns="96520" bIns="96520" numCol="1" spcCol="1270" anchor="ctr" anchorCtr="0">
+        <a:bodyPr spcFirstLastPara="0" vert="horz" wrap="square" lIns="616178" tIns="96520" rIns="96520" bIns="96520" numCol="1" spcCol="1270" anchor="ctr" anchorCtr="0">
           <a:noAutofit/>
         </a:bodyPr>
         <a:lstStyle/>
@@ -1249,8 +1316,8 @@
         </a:p>
       </dsp:txBody>
       <dsp:txXfrm>
-        <a:off x="511119" y="367030"/>
-        <a:ext cx="7050387" cy="734060"/>
+        <a:off x="540004" y="388143"/>
+        <a:ext cx="5756105" cy="776287"/>
       </dsp:txXfrm>
     </dsp:sp>
     <dsp:sp modelId="{EB01997B-523E-E940-ADFC-B130D6AA449F}">
@@ -1260,8 +1327,8 @@
       </dsp:nvSpPr>
       <dsp:spPr>
         <a:xfrm>
-          <a:off x="52331" y="275272"/>
-          <a:ext cx="917575" cy="917575"/>
+          <a:off x="54824" y="291107"/>
+          <a:ext cx="970359" cy="970359"/>
         </a:xfrm>
         <a:prstGeom prst="ellipse">
           <a:avLst/>
@@ -1274,7 +1341,7 @@
             <a:alphaOff val="0"/>
           </a:schemeClr>
         </a:solidFill>
-        <a:ln w="12700" cap="flat" cmpd="sng" algn="ctr">
+        <a:ln w="12700" cap="rnd" cmpd="sng" algn="ctr">
           <a:solidFill>
             <a:schemeClr val="accent1">
               <a:hueOff val="0"/>
@@ -1307,31 +1374,47 @@
       </dsp:nvSpPr>
       <dsp:spPr>
         <a:xfrm>
-          <a:off x="777950" y="1468120"/>
-          <a:ext cx="6783556" cy="734060"/>
+          <a:off x="822184" y="1552574"/>
+          <a:ext cx="5473925" cy="776287"/>
         </a:xfrm>
         <a:prstGeom prst="rect">
           <a:avLst/>
         </a:prstGeom>
-        <a:solidFill>
-          <a:schemeClr val="accent1">
-            <a:hueOff val="0"/>
-            <a:satOff val="0"/>
-            <a:lumOff val="0"/>
-            <a:alphaOff val="0"/>
-          </a:schemeClr>
-        </a:solidFill>
+        <a:gradFill rotWithShape="0">
+          <a:gsLst>
+            <a:gs pos="0">
+              <a:schemeClr val="accent1">
+                <a:hueOff val="0"/>
+                <a:satOff val="0"/>
+                <a:lumOff val="0"/>
+                <a:alphaOff val="0"/>
+                <a:tint val="96000"/>
+                <a:lumMod val="100000"/>
+              </a:schemeClr>
+            </a:gs>
+            <a:gs pos="78000">
+              <a:schemeClr val="accent1">
+                <a:hueOff val="0"/>
+                <a:satOff val="0"/>
+                <a:lumOff val="0"/>
+                <a:alphaOff val="0"/>
+                <a:shade val="94000"/>
+                <a:lumMod val="94000"/>
+              </a:schemeClr>
+            </a:gs>
+          </a:gsLst>
+          <a:lin ang="5400000" scaled="0"/>
+        </a:gradFill>
         <a:ln>
           <a:noFill/>
         </a:ln>
-        <a:effectLst/>
-        <a:scene3d>
-          <a:camera prst="obliqueTopRight"/>
-          <a:lightRig rig="threePt" dir="tl"/>
-        </a:scene3d>
-        <a:sp3d>
-          <a:bevelT w="25400" h="25400"/>
-        </a:sp3d>
+        <a:effectLst>
+          <a:outerShdw blurRad="38100" dist="25400" dir="5400000" rotWithShape="0">
+            <a:srgbClr val="000000">
+              <a:alpha val="35000"/>
+            </a:srgbClr>
+          </a:outerShdw>
+        </a:effectLst>
       </dsp:spPr>
       <dsp:style>
         <a:lnRef idx="0">
@@ -1348,7 +1431,7 @@
         </a:fontRef>
       </dsp:style>
       <dsp:txBody>
-        <a:bodyPr spcFirstLastPara="0" vert="horz" wrap="square" lIns="582660" tIns="96520" rIns="96520" bIns="96520" numCol="1" spcCol="1270" anchor="ctr" anchorCtr="0">
+        <a:bodyPr spcFirstLastPara="0" vert="horz" wrap="square" lIns="616178" tIns="96520" rIns="96520" bIns="96520" numCol="1" spcCol="1270" anchor="ctr" anchorCtr="0">
           <a:noAutofit/>
         </a:bodyPr>
         <a:lstStyle/>
@@ -1372,8 +1455,8 @@
         </a:p>
       </dsp:txBody>
       <dsp:txXfrm>
-        <a:off x="777950" y="1468120"/>
-        <a:ext cx="6783556" cy="734060"/>
+        <a:off x="822184" y="1552574"/>
+        <a:ext cx="5473925" cy="776287"/>
       </dsp:txXfrm>
     </dsp:sp>
     <dsp:sp modelId="{83262194-DBF9-0F43-B1E1-AC1C77663A80}">
@@ -1383,8 +1466,8 @@
       </dsp:nvSpPr>
       <dsp:spPr>
         <a:xfrm>
-          <a:off x="319162" y="1376362"/>
-          <a:ext cx="917575" cy="917575"/>
+          <a:off x="337004" y="1455538"/>
+          <a:ext cx="970359" cy="970359"/>
         </a:xfrm>
         <a:prstGeom prst="ellipse">
           <a:avLst/>
@@ -1397,7 +1480,7 @@
             <a:alphaOff val="0"/>
           </a:schemeClr>
         </a:solidFill>
-        <a:ln w="12700" cap="flat" cmpd="sng" algn="ctr">
+        <a:ln w="12700" cap="rnd" cmpd="sng" algn="ctr">
           <a:solidFill>
             <a:schemeClr val="accent1">
               <a:hueOff val="0"/>
@@ -1430,31 +1513,47 @@
       </dsp:nvSpPr>
       <dsp:spPr>
         <a:xfrm>
-          <a:off x="511119" y="2569210"/>
-          <a:ext cx="7050387" cy="734060"/>
+          <a:off x="540004" y="2717005"/>
+          <a:ext cx="5756105" cy="776287"/>
         </a:xfrm>
         <a:prstGeom prst="rect">
           <a:avLst/>
         </a:prstGeom>
-        <a:solidFill>
-          <a:schemeClr val="accent1">
-            <a:hueOff val="0"/>
-            <a:satOff val="0"/>
-            <a:lumOff val="0"/>
-            <a:alphaOff val="0"/>
-          </a:schemeClr>
-        </a:solidFill>
+        <a:gradFill rotWithShape="0">
+          <a:gsLst>
+            <a:gs pos="0">
+              <a:schemeClr val="accent1">
+                <a:hueOff val="0"/>
+                <a:satOff val="0"/>
+                <a:lumOff val="0"/>
+                <a:alphaOff val="0"/>
+                <a:tint val="96000"/>
+                <a:lumMod val="100000"/>
+              </a:schemeClr>
+            </a:gs>
+            <a:gs pos="78000">
+              <a:schemeClr val="accent1">
+                <a:hueOff val="0"/>
+                <a:satOff val="0"/>
+                <a:lumOff val="0"/>
+                <a:alphaOff val="0"/>
+                <a:shade val="94000"/>
+                <a:lumMod val="94000"/>
+              </a:schemeClr>
+            </a:gs>
+          </a:gsLst>
+          <a:lin ang="5400000" scaled="0"/>
+        </a:gradFill>
         <a:ln>
           <a:noFill/>
         </a:ln>
-        <a:effectLst/>
-        <a:scene3d>
-          <a:camera prst="obliqueTopRight"/>
-          <a:lightRig rig="threePt" dir="tl"/>
-        </a:scene3d>
-        <a:sp3d>
-          <a:bevelT w="25400" h="25400"/>
-        </a:sp3d>
+        <a:effectLst>
+          <a:outerShdw blurRad="38100" dist="25400" dir="5400000" rotWithShape="0">
+            <a:srgbClr val="000000">
+              <a:alpha val="35000"/>
+            </a:srgbClr>
+          </a:outerShdw>
+        </a:effectLst>
       </dsp:spPr>
       <dsp:style>
         <a:lnRef idx="0">
@@ -1471,7 +1570,7 @@
         </a:fontRef>
       </dsp:style>
       <dsp:txBody>
-        <a:bodyPr spcFirstLastPara="0" vert="horz" wrap="square" lIns="582660" tIns="96520" rIns="96520" bIns="96520" numCol="1" spcCol="1270" anchor="ctr" anchorCtr="0">
+        <a:bodyPr spcFirstLastPara="0" vert="horz" wrap="square" lIns="616178" tIns="96520" rIns="96520" bIns="96520" numCol="1" spcCol="1270" anchor="ctr" anchorCtr="0">
           <a:noAutofit/>
         </a:bodyPr>
         <a:lstStyle/>
@@ -1495,8 +1594,8 @@
         </a:p>
       </dsp:txBody>
       <dsp:txXfrm>
-        <a:off x="511119" y="2569210"/>
-        <a:ext cx="7050387" cy="734060"/>
+        <a:off x="540004" y="2717005"/>
+        <a:ext cx="5756105" cy="776287"/>
       </dsp:txXfrm>
     </dsp:sp>
     <dsp:sp modelId="{85072DE8-103C-ED48-A996-D72125A5D5BF}">
@@ -1506,8 +1605,8 @@
       </dsp:nvSpPr>
       <dsp:spPr>
         <a:xfrm>
-          <a:off x="52331" y="2477452"/>
-          <a:ext cx="917575" cy="917575"/>
+          <a:off x="54824" y="2619969"/>
+          <a:ext cx="970359" cy="970359"/>
         </a:xfrm>
         <a:prstGeom prst="ellipse">
           <a:avLst/>
@@ -1520,7 +1619,7 @@
             <a:alphaOff val="0"/>
           </a:schemeClr>
         </a:solidFill>
-        <a:ln w="12700" cap="flat" cmpd="sng" algn="ctr">
+        <a:ln w="12700" cap="rnd" cmpd="sng" algn="ctr">
           <a:solidFill>
             <a:schemeClr val="accent1">
               <a:hueOff val="0"/>
@@ -3944,7 +4043,7 @@
           <a:p>
             <a:fld id="{800DB3DA-194F-B54E-9C98-013B089F6997}" type="datetimeFigureOut">
               <a:rPr lang="en-US" smtClean="0"/>
-              <a:t>2/5/13</a:t>
+              <a:t>9/18/17</a:t>
             </a:fld>
             <a:endParaRPr lang="en-US"/>
           </a:p>
@@ -4297,7 +4396,7 @@
 </file>
 
 <file path=ppt/slideLayouts/slideLayout1.xml><?xml version="1.0" encoding="utf-8"?>
-<p:sldLayout xmlns:a="http://schemas.openxmlformats.org/drawingml/2006/main" xmlns:r="http://schemas.openxmlformats.org/officeDocument/2006/relationships" xmlns:p="http://schemas.openxmlformats.org/presentationml/2006/main" type="title" preserve="1">
+<p:sldLayout xmlns:a="http://schemas.openxmlformats.org/drawingml/2006/main" xmlns:r="http://schemas.openxmlformats.org/officeDocument/2006/relationships" xmlns:p="http://schemas.openxmlformats.org/presentationml/2006/main" showMasterSp="0" type="title" preserve="1">
   <p:cSld name="Title Slide">
     <p:spTree>
       <p:nvGrpSpPr>
@@ -4313,6 +4412,609 @@
           <a:chExt cx="0" cy="0"/>
         </a:xfrm>
       </p:grpSpPr>
+      <p:grpSp>
+        <p:nvGrpSpPr>
+          <p:cNvPr id="7" name="Group 6"/>
+          <p:cNvGrpSpPr/>
+          <p:nvPr/>
+        </p:nvGrpSpPr>
+        <p:grpSpPr>
+          <a:xfrm>
+            <a:off x="-8466" y="-8468"/>
+            <a:ext cx="9171316" cy="6874935"/>
+            <a:chOff x="-8466" y="-8468"/>
+            <a:chExt cx="9171316" cy="6874935"/>
+          </a:xfrm>
+        </p:grpSpPr>
+        <p:cxnSp>
+          <p:nvCxnSpPr>
+            <p:cNvPr id="28" name="Straight Connector 27"/>
+            <p:cNvCxnSpPr/>
+            <p:nvPr/>
+          </p:nvCxnSpPr>
+          <p:spPr>
+            <a:xfrm flipV="1">
+              <a:off x="5130830" y="4175605"/>
+              <a:ext cx="4022475" cy="2682396"/>
+            </a:xfrm>
+            <a:prstGeom prst="line">
+              <a:avLst/>
+            </a:prstGeom>
+            <a:ln w="9525">
+              <a:solidFill>
+                <a:schemeClr val="accent1">
+                  <a:alpha val="70000"/>
+                </a:schemeClr>
+              </a:solidFill>
+            </a:ln>
+          </p:spPr>
+          <p:style>
+            <a:lnRef idx="2">
+              <a:schemeClr val="accent1"/>
+            </a:lnRef>
+            <a:fillRef idx="0">
+              <a:schemeClr val="accent1"/>
+            </a:fillRef>
+            <a:effectRef idx="1">
+              <a:schemeClr val="accent1"/>
+            </a:effectRef>
+            <a:fontRef idx="minor">
+              <a:schemeClr val="tx1"/>
+            </a:fontRef>
+          </p:style>
+        </p:cxnSp>
+        <p:cxnSp>
+          <p:nvCxnSpPr>
+            <p:cNvPr id="29" name="Straight Connector 28"/>
+            <p:cNvCxnSpPr/>
+            <p:nvPr/>
+          </p:nvCxnSpPr>
+          <p:spPr>
+            <a:xfrm>
+              <a:off x="7042707" y="0"/>
+              <a:ext cx="1219200" cy="6858000"/>
+            </a:xfrm>
+            <a:prstGeom prst="line">
+              <a:avLst/>
+            </a:prstGeom>
+            <a:ln w="9525">
+              <a:solidFill>
+                <a:schemeClr val="accent1">
+                  <a:alpha val="70000"/>
+                </a:schemeClr>
+              </a:solidFill>
+            </a:ln>
+          </p:spPr>
+          <p:style>
+            <a:lnRef idx="2">
+              <a:schemeClr val="accent1"/>
+            </a:lnRef>
+            <a:fillRef idx="0">
+              <a:schemeClr val="accent1"/>
+            </a:fillRef>
+            <a:effectRef idx="1">
+              <a:schemeClr val="accent1"/>
+            </a:effectRef>
+            <a:fontRef idx="minor">
+              <a:schemeClr val="tx1"/>
+            </a:fontRef>
+          </p:style>
+        </p:cxnSp>
+        <p:sp>
+          <p:nvSpPr>
+            <p:cNvPr id="30" name="Freeform 29"/>
+            <p:cNvSpPr/>
+            <p:nvPr/>
+          </p:nvSpPr>
+          <p:spPr>
+            <a:xfrm>
+              <a:off x="6891896" y="1"/>
+              <a:ext cx="2269442" cy="6866466"/>
+            </a:xfrm>
+            <a:custGeom>
+              <a:avLst/>
+              <a:gdLst/>
+              <a:ahLst/>
+              <a:cxnLst/>
+              <a:rect l="l" t="t" r="r" b="b"/>
+              <a:pathLst>
+                <a:path w="2269442" h="6866466">
+                  <a:moveTo>
+                    <a:pt x="2023534" y="0"/>
+                  </a:moveTo>
+                  <a:lnTo>
+                    <a:pt x="0" y="6858000"/>
+                  </a:lnTo>
+                  <a:lnTo>
+                    <a:pt x="2269067" y="6866466"/>
+                  </a:lnTo>
+                  <a:cubicBezTo>
+                    <a:pt x="2271889" y="4580466"/>
+                    <a:pt x="2257778" y="2294466"/>
+                    <a:pt x="2260600" y="8466"/>
+                  </a:cubicBezTo>
+                  <a:lnTo>
+                    <a:pt x="2023534" y="0"/>
+                  </a:lnTo>
+                  <a:close/>
+                </a:path>
+              </a:pathLst>
+            </a:custGeom>
+            <a:solidFill>
+              <a:schemeClr val="accent1">
+                <a:alpha val="36000"/>
+              </a:schemeClr>
+            </a:solidFill>
+            <a:ln>
+              <a:noFill/>
+            </a:ln>
+            <a:effectLst/>
+          </p:spPr>
+          <p:style>
+            <a:lnRef idx="1">
+              <a:schemeClr val="accent1"/>
+            </a:lnRef>
+            <a:fillRef idx="3">
+              <a:schemeClr val="accent1"/>
+            </a:fillRef>
+            <a:effectRef idx="2">
+              <a:schemeClr val="accent1"/>
+            </a:effectRef>
+            <a:fontRef idx="minor">
+              <a:schemeClr val="lt1"/>
+            </a:fontRef>
+          </p:style>
+        </p:sp>
+        <p:sp>
+          <p:nvSpPr>
+            <p:cNvPr id="31" name="Freeform 30"/>
+            <p:cNvSpPr/>
+            <p:nvPr/>
+          </p:nvSpPr>
+          <p:spPr>
+            <a:xfrm>
+              <a:off x="7205158" y="-8467"/>
+              <a:ext cx="1948147" cy="6866467"/>
+            </a:xfrm>
+            <a:custGeom>
+              <a:avLst/>
+              <a:gdLst/>
+              <a:ahLst/>
+              <a:cxnLst/>
+              <a:rect l="l" t="t" r="r" b="b"/>
+              <a:pathLst>
+                <a:path w="1948147" h="6866467">
+                  <a:moveTo>
+                    <a:pt x="0" y="0"/>
+                  </a:moveTo>
+                  <a:lnTo>
+                    <a:pt x="1202267" y="6866467"/>
+                  </a:lnTo>
+                  <a:lnTo>
+                    <a:pt x="1947333" y="6866467"/>
+                  </a:lnTo>
+                  <a:cubicBezTo>
+                    <a:pt x="1944511" y="4577645"/>
+                    <a:pt x="1950155" y="2288822"/>
+                    <a:pt x="1947333" y="0"/>
+                  </a:cubicBezTo>
+                  <a:lnTo>
+                    <a:pt x="0" y="0"/>
+                  </a:lnTo>
+                  <a:close/>
+                </a:path>
+              </a:pathLst>
+            </a:custGeom>
+            <a:solidFill>
+              <a:schemeClr val="accent1">
+                <a:alpha val="20000"/>
+              </a:schemeClr>
+            </a:solidFill>
+            <a:ln>
+              <a:noFill/>
+            </a:ln>
+            <a:effectLst/>
+          </p:spPr>
+          <p:style>
+            <a:lnRef idx="1">
+              <a:schemeClr val="accent1"/>
+            </a:lnRef>
+            <a:fillRef idx="3">
+              <a:schemeClr val="accent1"/>
+            </a:fillRef>
+            <a:effectRef idx="2">
+              <a:schemeClr val="accent1"/>
+            </a:effectRef>
+            <a:fontRef idx="minor">
+              <a:schemeClr val="lt1"/>
+            </a:fontRef>
+          </p:style>
+        </p:sp>
+        <p:sp>
+          <p:nvSpPr>
+            <p:cNvPr id="32" name="Freeform 31"/>
+            <p:cNvSpPr/>
+            <p:nvPr/>
+          </p:nvSpPr>
+          <p:spPr>
+            <a:xfrm>
+              <a:off x="6637896" y="3920066"/>
+              <a:ext cx="2513565" cy="2937933"/>
+            </a:xfrm>
+            <a:custGeom>
+              <a:avLst/>
+              <a:gdLst/>
+              <a:ahLst/>
+              <a:cxnLst/>
+              <a:rect l="l" t="t" r="r" b="b"/>
+              <a:pathLst>
+                <a:path w="3259667" h="3810000">
+                  <a:moveTo>
+                    <a:pt x="0" y="3810000"/>
+                  </a:moveTo>
+                  <a:lnTo>
+                    <a:pt x="3251200" y="0"/>
+                  </a:lnTo>
+                  <a:cubicBezTo>
+                    <a:pt x="3254022" y="1270000"/>
+                    <a:pt x="3256845" y="2540000"/>
+                    <a:pt x="3259667" y="3810000"/>
+                  </a:cubicBezTo>
+                  <a:lnTo>
+                    <a:pt x="0" y="3810000"/>
+                  </a:lnTo>
+                  <a:close/>
+                </a:path>
+              </a:pathLst>
+            </a:custGeom>
+            <a:solidFill>
+              <a:schemeClr val="accent1">
+                <a:lumMod val="75000"/>
+                <a:alpha val="66000"/>
+              </a:schemeClr>
+            </a:solidFill>
+            <a:ln>
+              <a:noFill/>
+            </a:ln>
+            <a:effectLst/>
+          </p:spPr>
+          <p:style>
+            <a:lnRef idx="1">
+              <a:schemeClr val="accent1"/>
+            </a:lnRef>
+            <a:fillRef idx="3">
+              <a:schemeClr val="accent1"/>
+            </a:fillRef>
+            <a:effectRef idx="2">
+              <a:schemeClr val="accent1"/>
+            </a:effectRef>
+            <a:fontRef idx="minor">
+              <a:schemeClr val="lt1"/>
+            </a:fontRef>
+          </p:style>
+        </p:sp>
+        <p:sp>
+          <p:nvSpPr>
+            <p:cNvPr id="33" name="Freeform 32"/>
+            <p:cNvSpPr/>
+            <p:nvPr/>
+          </p:nvSpPr>
+          <p:spPr>
+            <a:xfrm>
+              <a:off x="7010429" y="-8467"/>
+              <a:ext cx="2142876" cy="6866467"/>
+            </a:xfrm>
+            <a:custGeom>
+              <a:avLst/>
+              <a:gdLst/>
+              <a:ahLst/>
+              <a:cxnLst/>
+              <a:rect l="l" t="t" r="r" b="b"/>
+              <a:pathLst>
+                <a:path w="2853267" h="6866467">
+                  <a:moveTo>
+                    <a:pt x="0" y="0"/>
+                  </a:moveTo>
+                  <a:lnTo>
+                    <a:pt x="2472267" y="6866467"/>
+                  </a:lnTo>
+                  <a:lnTo>
+                    <a:pt x="2853267" y="6858000"/>
+                  </a:lnTo>
+                  <a:lnTo>
+                    <a:pt x="2853267" y="0"/>
+                  </a:lnTo>
+                  <a:lnTo>
+                    <a:pt x="0" y="0"/>
+                  </a:lnTo>
+                  <a:close/>
+                </a:path>
+              </a:pathLst>
+            </a:custGeom>
+            <a:solidFill>
+              <a:schemeClr val="accent1">
+                <a:lumMod val="75000"/>
+                <a:alpha val="50000"/>
+              </a:schemeClr>
+            </a:solidFill>
+            <a:ln>
+              <a:noFill/>
+            </a:ln>
+            <a:effectLst/>
+          </p:spPr>
+          <p:style>
+            <a:lnRef idx="1">
+              <a:schemeClr val="accent1"/>
+            </a:lnRef>
+            <a:fillRef idx="3">
+              <a:schemeClr val="accent1"/>
+            </a:fillRef>
+            <a:effectRef idx="2">
+              <a:schemeClr val="accent1"/>
+            </a:effectRef>
+            <a:fontRef idx="minor">
+              <a:schemeClr val="lt1"/>
+            </a:fontRef>
+          </p:style>
+        </p:sp>
+        <p:sp>
+          <p:nvSpPr>
+            <p:cNvPr id="34" name="Freeform 33"/>
+            <p:cNvSpPr/>
+            <p:nvPr/>
+          </p:nvSpPr>
+          <p:spPr>
+            <a:xfrm>
+              <a:off x="8295776" y="-8467"/>
+              <a:ext cx="857530" cy="6866467"/>
+            </a:xfrm>
+            <a:custGeom>
+              <a:avLst/>
+              <a:gdLst/>
+              <a:ahLst/>
+              <a:cxnLst/>
+              <a:rect l="l" t="t" r="r" b="b"/>
+              <a:pathLst>
+                <a:path w="1286933" h="6866467">
+                  <a:moveTo>
+                    <a:pt x="1016000" y="0"/>
+                  </a:moveTo>
+                  <a:lnTo>
+                    <a:pt x="0" y="6866467"/>
+                  </a:lnTo>
+                  <a:lnTo>
+                    <a:pt x="1286933" y="6866467"/>
+                  </a:lnTo>
+                  <a:cubicBezTo>
+                    <a:pt x="1284111" y="4577645"/>
+                    <a:pt x="1281288" y="2288822"/>
+                    <a:pt x="1278466" y="0"/>
+                  </a:cubicBezTo>
+                  <a:lnTo>
+                    <a:pt x="1016000" y="0"/>
+                  </a:lnTo>
+                  <a:close/>
+                </a:path>
+              </a:pathLst>
+            </a:custGeom>
+            <a:solidFill>
+              <a:schemeClr val="accent2">
+                <a:alpha val="70000"/>
+              </a:schemeClr>
+            </a:solidFill>
+            <a:ln>
+              <a:noFill/>
+            </a:ln>
+            <a:effectLst/>
+          </p:spPr>
+          <p:style>
+            <a:lnRef idx="1">
+              <a:schemeClr val="accent1"/>
+            </a:lnRef>
+            <a:fillRef idx="3">
+              <a:schemeClr val="accent1"/>
+            </a:fillRef>
+            <a:effectRef idx="2">
+              <a:schemeClr val="accent1"/>
+            </a:effectRef>
+            <a:fontRef idx="minor">
+              <a:schemeClr val="lt1"/>
+            </a:fontRef>
+          </p:style>
+        </p:sp>
+        <p:sp>
+          <p:nvSpPr>
+            <p:cNvPr id="35" name="Freeform 34"/>
+            <p:cNvSpPr/>
+            <p:nvPr/>
+          </p:nvSpPr>
+          <p:spPr>
+            <a:xfrm>
+              <a:off x="8094165" y="-8468"/>
+              <a:ext cx="1066770" cy="6866467"/>
+            </a:xfrm>
+            <a:custGeom>
+              <a:avLst/>
+              <a:gdLst/>
+              <a:ahLst/>
+              <a:cxnLst/>
+              <a:rect l="l" t="t" r="r" b="b"/>
+              <a:pathLst>
+                <a:path w="1270244" h="6866467">
+                  <a:moveTo>
+                    <a:pt x="0" y="0"/>
+                  </a:moveTo>
+                  <a:lnTo>
+                    <a:pt x="1117600" y="6866467"/>
+                  </a:lnTo>
+                  <a:lnTo>
+                    <a:pt x="1270000" y="6866467"/>
+                  </a:lnTo>
+                  <a:cubicBezTo>
+                    <a:pt x="1272822" y="4574822"/>
+                    <a:pt x="1250245" y="2291645"/>
+                    <a:pt x="1253067" y="0"/>
+                  </a:cubicBezTo>
+                  <a:lnTo>
+                    <a:pt x="0" y="0"/>
+                  </a:lnTo>
+                  <a:close/>
+                </a:path>
+              </a:pathLst>
+            </a:custGeom>
+            <a:solidFill>
+              <a:schemeClr val="accent2">
+                <a:lumMod val="75000"/>
+                <a:alpha val="82000"/>
+              </a:schemeClr>
+            </a:solidFill>
+            <a:ln>
+              <a:noFill/>
+            </a:ln>
+            <a:effectLst/>
+          </p:spPr>
+          <p:style>
+            <a:lnRef idx="1">
+              <a:schemeClr val="accent1"/>
+            </a:lnRef>
+            <a:fillRef idx="3">
+              <a:schemeClr val="accent1"/>
+            </a:fillRef>
+            <a:effectRef idx="2">
+              <a:schemeClr val="accent1"/>
+            </a:effectRef>
+            <a:fontRef idx="minor">
+              <a:schemeClr val="lt1"/>
+            </a:fontRef>
+          </p:style>
+        </p:sp>
+        <p:sp>
+          <p:nvSpPr>
+            <p:cNvPr id="36" name="Freeform 35"/>
+            <p:cNvSpPr/>
+            <p:nvPr/>
+          </p:nvSpPr>
+          <p:spPr>
+            <a:xfrm>
+              <a:off x="8068764" y="4893733"/>
+              <a:ext cx="1094086" cy="1964267"/>
+            </a:xfrm>
+            <a:custGeom>
+              <a:avLst/>
+              <a:gdLst/>
+              <a:ahLst/>
+              <a:cxnLst/>
+              <a:rect l="l" t="t" r="r" b="b"/>
+              <a:pathLst>
+                <a:path w="1820333" h="3268133">
+                  <a:moveTo>
+                    <a:pt x="0" y="3268133"/>
+                  </a:moveTo>
+                  <a:lnTo>
+                    <a:pt x="1811866" y="0"/>
+                  </a:lnTo>
+                  <a:cubicBezTo>
+                    <a:pt x="1814688" y="1086555"/>
+                    <a:pt x="1817511" y="2173111"/>
+                    <a:pt x="1820333" y="3259666"/>
+                  </a:cubicBezTo>
+                  <a:lnTo>
+                    <a:pt x="0" y="3268133"/>
+                  </a:lnTo>
+                  <a:close/>
+                </a:path>
+              </a:pathLst>
+            </a:custGeom>
+            <a:solidFill>
+              <a:schemeClr val="accent1">
+                <a:lumMod val="75000"/>
+                <a:alpha val="66000"/>
+              </a:schemeClr>
+            </a:solidFill>
+            <a:ln>
+              <a:noFill/>
+            </a:ln>
+            <a:effectLst/>
+          </p:spPr>
+          <p:style>
+            <a:lnRef idx="1">
+              <a:schemeClr val="accent1"/>
+            </a:lnRef>
+            <a:fillRef idx="3">
+              <a:schemeClr val="accent1"/>
+            </a:fillRef>
+            <a:effectRef idx="2">
+              <a:schemeClr val="accent1"/>
+            </a:effectRef>
+            <a:fontRef idx="minor">
+              <a:schemeClr val="lt1"/>
+            </a:fontRef>
+          </p:style>
+        </p:sp>
+        <p:sp>
+          <p:nvSpPr>
+            <p:cNvPr id="18" name="Freeform 17"/>
+            <p:cNvSpPr/>
+            <p:nvPr/>
+          </p:nvSpPr>
+          <p:spPr>
+            <a:xfrm>
+              <a:off x="-8466" y="-8468"/>
+              <a:ext cx="863600" cy="5698067"/>
+            </a:xfrm>
+            <a:custGeom>
+              <a:avLst/>
+              <a:gdLst/>
+              <a:ahLst/>
+              <a:cxnLst/>
+              <a:rect l="l" t="t" r="r" b="b"/>
+              <a:pathLst>
+                <a:path w="863600" h="5698067">
+                  <a:moveTo>
+                    <a:pt x="0" y="8467"/>
+                  </a:moveTo>
+                  <a:lnTo>
+                    <a:pt x="863600" y="0"/>
+                  </a:lnTo>
+                  <a:lnTo>
+                    <a:pt x="863600" y="16934"/>
+                  </a:lnTo>
+                  <a:lnTo>
+                    <a:pt x="0" y="5698067"/>
+                  </a:lnTo>
+                  <a:lnTo>
+                    <a:pt x="0" y="8467"/>
+                  </a:lnTo>
+                  <a:close/>
+                </a:path>
+              </a:pathLst>
+            </a:custGeom>
+            <a:solidFill>
+              <a:schemeClr val="accent1">
+                <a:alpha val="85000"/>
+              </a:schemeClr>
+            </a:solidFill>
+            <a:ln>
+              <a:noFill/>
+            </a:ln>
+            <a:effectLst/>
+          </p:spPr>
+          <p:style>
+            <a:lnRef idx="1">
+              <a:schemeClr val="accent1"/>
+            </a:lnRef>
+            <a:fillRef idx="3">
+              <a:schemeClr val="accent1"/>
+            </a:fillRef>
+            <a:effectRef idx="2">
+              <a:schemeClr val="accent1"/>
+            </a:effectRef>
+            <a:fontRef idx="minor">
+              <a:schemeClr val="lt1"/>
+            </a:fontRef>
+          </p:style>
+        </p:sp>
+      </p:grpSp>
       <p:sp>
         <p:nvSpPr>
           <p:cNvPr id="2" name="Title 1"/>
@@ -4325,19 +5027,29 @@
         </p:nvSpPr>
         <p:spPr>
           <a:xfrm>
-            <a:off x="0" y="2157319"/>
-            <a:ext cx="8915400" cy="877824"/>
+            <a:off x="1130595" y="2404534"/>
+            <a:ext cx="5826719" cy="1646302"/>
           </a:xfrm>
         </p:spPr>
         <p:txBody>
-          <a:bodyPr/>
-          <a:lstStyle/>
+          <a:bodyPr anchor="b">
+            <a:noAutofit/>
+          </a:bodyPr>
+          <a:lstStyle>
+            <a:lvl1pPr algn="r">
+              <a:defRPr sz="5400">
+                <a:solidFill>
+                  <a:schemeClr val="accent1"/>
+                </a:solidFill>
+              </a:defRPr>
+            </a:lvl1pPr>
+          </a:lstStyle>
           <a:p>
             <a:r>
               <a:rPr lang="en-US" smtClean="0"/>
               <a:t>Click to edit Master title style</a:t>
             </a:r>
-            <a:endParaRPr/>
+            <a:endParaRPr lang="en-US" dirty="0"/>
           </a:p>
         </p:txBody>
       </p:sp>
@@ -4353,59 +5065,22 @@
         </p:nvSpPr>
         <p:spPr>
           <a:xfrm>
-            <a:off x="914400" y="3034553"/>
-            <a:ext cx="8001000" cy="3823447"/>
+            <a:off x="1130595" y="4050834"/>
+            <a:ext cx="5826719" cy="1096899"/>
           </a:xfrm>
-          <a:solidFill>
-            <a:schemeClr val="bg2">
-              <a:lumMod val="40000"/>
-              <a:lumOff val="60000"/>
-            </a:schemeClr>
-          </a:solidFill>
-          <a:ln>
-            <a:noFill/>
-          </a:ln>
         </p:spPr>
-        <p:style>
-          <a:lnRef idx="2">
-            <a:schemeClr val="accent1">
-              <a:shade val="50000"/>
-            </a:schemeClr>
-          </a:lnRef>
-          <a:fillRef idx="1">
-            <a:schemeClr val="accent1"/>
-          </a:fillRef>
-          <a:effectRef idx="0">
-            <a:schemeClr val="accent1"/>
-          </a:effectRef>
-          <a:fontRef idx="minor">
-            <a:schemeClr val="lt1"/>
-          </a:fontRef>
-        </p:style>
-        <p:txBody>
-          <a:bodyPr vert="horz" lIns="292608" tIns="91440" rIns="274320" bIns="91440" rtlCol="0" anchor="t" anchorCtr="0">
-            <a:normAutofit/>
-          </a:bodyPr>
+        <p:txBody>
+          <a:bodyPr anchor="t"/>
           <a:lstStyle>
-            <a:lvl1pPr marL="0" indent="0" algn="l" defTabSz="914400" rtl="0" eaLnBrk="1" latinLnBrk="0" hangingPunct="1">
-              <a:spcBef>
-                <a:spcPts val="2000"/>
-              </a:spcBef>
-              <a:buClr>
-                <a:schemeClr val="accent1"/>
-              </a:buClr>
-              <a:buFont typeface="Wingdings 2" pitchFamily="18" charset="2"/>
+            <a:lvl1pPr marL="0" indent="0" algn="r">
               <a:buNone/>
-              <a:defRPr sz="1800" kern="1200">
+              <a:defRPr>
                 <a:solidFill>
                   <a:schemeClr val="tx1">
-                    <a:lumMod val="65000"/>
-                    <a:lumOff val="35000"/>
+                    <a:lumMod val="50000"/>
+                    <a:lumOff val="50000"/>
                   </a:schemeClr>
                 </a:solidFill>
-                <a:latin typeface="+mn-lt"/>
-                <a:ea typeface="+mn-ea"/>
-                <a:cs typeface="+mn-cs"/>
               </a:defRPr>
             </a:lvl1pPr>
             <a:lvl2pPr marL="457200" indent="0" algn="ctr">
@@ -4494,7 +5169,7 @@
               <a:rPr lang="en-US" smtClean="0"/>
               <a:t>Click to edit Master subtitle style</a:t>
             </a:r>
-            <a:endParaRPr dirty="0"/>
+            <a:endParaRPr lang="en-US" dirty="0"/>
           </a:p>
         </p:txBody>
       </p:sp>
@@ -4515,7 +5190,7 @@
           <a:p>
             <a:fld id="{666E228C-94BA-DA41-8B99-18FCF1662A93}" type="datetimeFigureOut">
               <a:rPr lang="en-US" smtClean="0"/>
-              <a:t>2/5/13</a:t>
+              <a:t>9/18/17</a:t>
             </a:fld>
             <a:endParaRPr lang="en-US"/>
           </a:p>
@@ -4572,8 +5247,8 @@
 </file>
 
 <file path=ppt/slideLayouts/slideLayout10.xml><?xml version="1.0" encoding="utf-8"?>
-<p:sldLayout xmlns:a="http://schemas.openxmlformats.org/drawingml/2006/main" xmlns:r="http://schemas.openxmlformats.org/officeDocument/2006/relationships" xmlns:p="http://schemas.openxmlformats.org/presentationml/2006/main" type="picTx" preserve="1">
-  <p:cSld name="Picture with Caption">
+<p:sldLayout xmlns:a="http://schemas.openxmlformats.org/drawingml/2006/main" xmlns:r="http://schemas.openxmlformats.org/officeDocument/2006/relationships" xmlns:p="http://schemas.openxmlformats.org/presentationml/2006/main" preserve="1">
+  <p:cSld name="Title and Caption">
     <p:spTree>
       <p:nvGrpSpPr>
         <p:cNvPr id="1" name=""/>
@@ -4600,31 +5275,17 @@
         </p:nvSpPr>
         <p:spPr>
           <a:xfrm>
-            <a:off x="0" y="1124712"/>
-            <a:ext cx="8915400" cy="914400"/>
+            <a:off x="609600" y="609600"/>
+            <a:ext cx="6347714" cy="3403600"/>
           </a:xfrm>
-          <a:solidFill>
-            <a:schemeClr val="tx2"/>
-          </a:solidFill>
         </p:spPr>
         <p:txBody>
-          <a:bodyPr vert="horz" lIns="1188720" tIns="45720" rIns="274320" bIns="45720" rtlCol="0" anchor="ctr">
+          <a:bodyPr anchor="ctr">
             <a:normAutofit/>
           </a:bodyPr>
           <a:lstStyle>
-            <a:lvl1pPr marL="0" indent="0" algn="l" defTabSz="914400" rtl="0" eaLnBrk="1" latinLnBrk="0" hangingPunct="1">
-              <a:spcBef>
-                <a:spcPct val="0"/>
-              </a:spcBef>
-              <a:buNone/>
-              <a:defRPr sz="3600" kern="1200">
-                <a:solidFill>
-                  <a:schemeClr val="bg1"/>
-                </a:solidFill>
-                <a:latin typeface="+mj-lt"/>
-                <a:ea typeface="+mj-ea"/>
-                <a:cs typeface="+mj-cs"/>
-              </a:defRPr>
+            <a:lvl1pPr algn="l">
+              <a:defRPr sz="4400" b="0" cap="none"/>
             </a:lvl1pPr>
           </a:lstStyle>
           <a:p>
@@ -4632,2108 +5293,7 @@
               <a:rPr lang="en-US" smtClean="0"/>
               <a:t>Click to edit Master title style</a:t>
             </a:r>
-            <a:endParaRPr/>
-          </a:p>
-        </p:txBody>
-      </p:sp>
-      <p:sp>
-        <p:nvSpPr>
-          <p:cNvPr id="3" name="Picture Placeholder 2"/>
-          <p:cNvSpPr>
-            <a:spLocks noGrp="1"/>
-          </p:cNvSpPr>
-          <p:nvPr>
-            <p:ph type="pic" idx="1"/>
-          </p:nvPr>
-        </p:nvSpPr>
-        <p:spPr>
-          <a:xfrm>
-            <a:off x="5487987" y="2048256"/>
-            <a:ext cx="3427413" cy="4206240"/>
-          </a:xfrm>
-        </p:spPr>
-        <p:txBody>
-          <a:bodyPr>
-            <a:normAutofit/>
-          </a:bodyPr>
-          <a:lstStyle>
-            <a:lvl1pPr marL="0" indent="0">
-              <a:buNone/>
-              <a:defRPr sz="2400"/>
-            </a:lvl1pPr>
-            <a:lvl2pPr marL="457200" indent="0">
-              <a:buNone/>
-              <a:defRPr sz="2800"/>
-            </a:lvl2pPr>
-            <a:lvl3pPr marL="914400" indent="0">
-              <a:buNone/>
-              <a:defRPr sz="2400"/>
-            </a:lvl3pPr>
-            <a:lvl4pPr marL="1371600" indent="0">
-              <a:buNone/>
-              <a:defRPr sz="2000"/>
-            </a:lvl4pPr>
-            <a:lvl5pPr marL="1828800" indent="0">
-              <a:buNone/>
-              <a:defRPr sz="2000"/>
-            </a:lvl5pPr>
-            <a:lvl6pPr marL="2286000" indent="0">
-              <a:buNone/>
-              <a:defRPr sz="2000"/>
-            </a:lvl6pPr>
-            <a:lvl7pPr marL="2743200" indent="0">
-              <a:buNone/>
-              <a:defRPr sz="2000"/>
-            </a:lvl7pPr>
-            <a:lvl8pPr marL="3200400" indent="0">
-              <a:buNone/>
-              <a:defRPr sz="2000"/>
-            </a:lvl8pPr>
-            <a:lvl9pPr marL="3657600" indent="0">
-              <a:buNone/>
-              <a:defRPr sz="2000"/>
-            </a:lvl9pPr>
-          </a:lstStyle>
-          <a:p>
-            <a:r>
-              <a:rPr lang="en-US" smtClean="0"/>
-              <a:t>Drag picture to placeholder or click icon to add</a:t>
-            </a:r>
-            <a:endParaRPr/>
-          </a:p>
-        </p:txBody>
-      </p:sp>
-      <p:sp>
-        <p:nvSpPr>
-          <p:cNvPr id="4" name="Text Placeholder 3"/>
-          <p:cNvSpPr>
-            <a:spLocks noGrp="1"/>
-          </p:cNvSpPr>
-          <p:nvPr>
-            <p:ph type="body" sz="half" idx="2"/>
-          </p:nvPr>
-        </p:nvSpPr>
-        <p:spPr>
-          <a:xfrm>
-            <a:off x="914400" y="2039112"/>
-            <a:ext cx="4572000" cy="4224528"/>
-          </a:xfrm>
-          <a:solidFill>
-            <a:schemeClr val="bg2">
-              <a:lumMod val="40000"/>
-              <a:lumOff val="60000"/>
-            </a:schemeClr>
-          </a:solidFill>
-          <a:ln>
-            <a:noFill/>
-          </a:ln>
-        </p:spPr>
-        <p:style>
-          <a:lnRef idx="2">
-            <a:schemeClr val="accent1">
-              <a:shade val="50000"/>
-            </a:schemeClr>
-          </a:lnRef>
-          <a:fillRef idx="1">
-            <a:schemeClr val="accent1"/>
-          </a:fillRef>
-          <a:effectRef idx="0">
-            <a:schemeClr val="accent1"/>
-          </a:effectRef>
-          <a:fontRef idx="minor">
-            <a:schemeClr val="lt1"/>
-          </a:fontRef>
-        </p:style>
-        <p:txBody>
-          <a:bodyPr vert="horz" lIns="292608" tIns="274320" rIns="274320" bIns="274320" rtlCol="0" anchor="t" anchorCtr="0">
-            <a:normAutofit/>
-          </a:bodyPr>
-          <a:lstStyle>
-            <a:lvl1pPr marL="0" indent="0">
-              <a:buNone/>
-              <a:defRPr sz="1800" kern="1200">
-                <a:solidFill>
-                  <a:schemeClr val="tx1">
-                    <a:lumMod val="65000"/>
-                    <a:lumOff val="35000"/>
-                  </a:schemeClr>
-                </a:solidFill>
-                <a:latin typeface="+mn-lt"/>
-                <a:ea typeface="+mn-ea"/>
-                <a:cs typeface="+mn-cs"/>
-              </a:defRPr>
-            </a:lvl1pPr>
-            <a:lvl2pPr marL="457200" indent="0">
-              <a:buNone/>
-              <a:defRPr sz="1200"/>
-            </a:lvl2pPr>
-            <a:lvl3pPr marL="914400" indent="0">
-              <a:buNone/>
-              <a:defRPr sz="1000"/>
-            </a:lvl3pPr>
-            <a:lvl4pPr marL="1371600" indent="0">
-              <a:buNone/>
-              <a:defRPr sz="900"/>
-            </a:lvl4pPr>
-            <a:lvl5pPr marL="1828800" indent="0">
-              <a:buNone/>
-              <a:defRPr sz="900"/>
-            </a:lvl5pPr>
-            <a:lvl6pPr marL="2286000" indent="0">
-              <a:buNone/>
-              <a:defRPr sz="900"/>
-            </a:lvl6pPr>
-            <a:lvl7pPr marL="2743200" indent="0">
-              <a:buNone/>
-              <a:defRPr sz="900"/>
-            </a:lvl7pPr>
-            <a:lvl8pPr marL="3200400" indent="0">
-              <a:buNone/>
-              <a:defRPr sz="900"/>
-            </a:lvl8pPr>
-            <a:lvl9pPr marL="3657600" indent="0">
-              <a:buNone/>
-              <a:defRPr sz="900"/>
-            </a:lvl9pPr>
-          </a:lstStyle>
-          <a:p>
-            <a:pPr marL="0" lvl="0" indent="0" algn="l" defTabSz="914400" rtl="0" eaLnBrk="1" latinLnBrk="0" hangingPunct="1">
-              <a:spcBef>
-                <a:spcPts val="2000"/>
-              </a:spcBef>
-              <a:buClr>
-                <a:schemeClr val="accent1"/>
-              </a:buClr>
-              <a:buFont typeface="Wingdings 2" pitchFamily="18" charset="2"/>
-              <a:buNone/>
-            </a:pPr>
-            <a:r>
-              <a:rPr lang="en-US" smtClean="0"/>
-              <a:t>Click to edit Master text styles</a:t>
-            </a:r>
-          </a:p>
-        </p:txBody>
-      </p:sp>
-      <p:sp>
-        <p:nvSpPr>
-          <p:cNvPr id="5" name="Date Placeholder 4"/>
-          <p:cNvSpPr>
-            <a:spLocks noGrp="1"/>
-          </p:cNvSpPr>
-          <p:nvPr>
-            <p:ph type="dt" sz="half" idx="10"/>
-          </p:nvPr>
-        </p:nvSpPr>
-        <p:spPr>
-          <a:xfrm>
-            <a:off x="6580094" y="188259"/>
-            <a:ext cx="2133600" cy="365125"/>
-          </a:xfrm>
-        </p:spPr>
-        <p:txBody>
-          <a:bodyPr/>
-          <a:lstStyle/>
-          <a:p>
-            <a:fld id="{666E228C-94BA-DA41-8B99-18FCF1662A93}" type="datetimeFigureOut">
-              <a:rPr lang="en-US" smtClean="0"/>
-              <a:t>2/5/13</a:t>
-            </a:fld>
-            <a:endParaRPr lang="en-US"/>
-          </a:p>
-        </p:txBody>
-      </p:sp>
-      <p:sp>
-        <p:nvSpPr>
-          <p:cNvPr id="6" name="Footer Placeholder 5"/>
-          <p:cNvSpPr>
-            <a:spLocks noGrp="1"/>
-          </p:cNvSpPr>
-          <p:nvPr>
-            <p:ph type="ftr" sz="quarter" idx="11"/>
-          </p:nvPr>
-        </p:nvSpPr>
-        <p:spPr/>
-        <p:txBody>
-          <a:bodyPr/>
-          <a:lstStyle/>
-          <a:p>
-            <a:endParaRPr lang="en-US"/>
-          </a:p>
-        </p:txBody>
-      </p:sp>
-      <p:sp>
-        <p:nvSpPr>
-          <p:cNvPr id="7" name="Slide Number Placeholder 6"/>
-          <p:cNvSpPr>
-            <a:spLocks noGrp="1"/>
-          </p:cNvSpPr>
-          <p:nvPr>
-            <p:ph type="sldNum" sz="quarter" idx="12"/>
-          </p:nvPr>
-        </p:nvSpPr>
-        <p:spPr/>
-        <p:txBody>
-          <a:bodyPr/>
-          <a:lstStyle/>
-          <a:p>
-            <a:fld id="{D9B02067-8C2E-D243-9C04-ECAA31D5EA5A}" type="slidenum">
-              <a:rPr lang="en-US" smtClean="0"/>
-              <a:t>‹#›</a:t>
-            </a:fld>
-            <a:endParaRPr lang="en-US"/>
-          </a:p>
-        </p:txBody>
-      </p:sp>
-    </p:spTree>
-  </p:cSld>
-  <p:clrMapOvr>
-    <a:masterClrMapping/>
-  </p:clrMapOvr>
-</p:sldLayout>
-</file>
-
-<file path=ppt/slideLayouts/slideLayout11.xml><?xml version="1.0" encoding="utf-8"?>
-<p:sldLayout xmlns:a="http://schemas.openxmlformats.org/drawingml/2006/main" xmlns:r="http://schemas.openxmlformats.org/officeDocument/2006/relationships" xmlns:p="http://schemas.openxmlformats.org/presentationml/2006/main" preserve="1">
-  <p:cSld name="Picture above Caption">
-    <p:spTree>
-      <p:nvGrpSpPr>
-        <p:cNvPr id="1" name=""/>
-        <p:cNvGrpSpPr/>
-        <p:nvPr/>
-      </p:nvGrpSpPr>
-      <p:grpSpPr>
-        <a:xfrm>
-          <a:off x="0" y="0"/>
-          <a:ext cx="0" cy="0"/>
-          <a:chOff x="0" y="0"/>
-          <a:chExt cx="0" cy="0"/>
-        </a:xfrm>
-      </p:grpSpPr>
-      <p:sp>
-        <p:nvSpPr>
-          <p:cNvPr id="2" name="Title 1"/>
-          <p:cNvSpPr>
-            <a:spLocks noGrp="1"/>
-          </p:cNvSpPr>
-          <p:nvPr>
-            <p:ph type="ctrTitle"/>
-          </p:nvPr>
-        </p:nvSpPr>
-        <p:spPr>
-          <a:xfrm>
-            <a:off x="0" y="4114800"/>
-            <a:ext cx="8915400" cy="877824"/>
-          </a:xfrm>
-        </p:spPr>
-        <p:txBody>
-          <a:bodyPr tIns="137160" bIns="137160" anchor="b" anchorCtr="0">
-            <a:normAutofit/>
-          </a:bodyPr>
-          <a:lstStyle>
-            <a:lvl1pPr>
-              <a:defRPr sz="2400"/>
-            </a:lvl1pPr>
-          </a:lstStyle>
-          <a:p>
-            <a:r>
-              <a:rPr lang="en-US" smtClean="0"/>
-              <a:t>Click to edit Master title style</a:t>
-            </a:r>
-            <a:endParaRPr/>
-          </a:p>
-        </p:txBody>
-      </p:sp>
-      <p:sp>
-        <p:nvSpPr>
-          <p:cNvPr id="3" name="Subtitle 2"/>
-          <p:cNvSpPr>
-            <a:spLocks noGrp="1"/>
-          </p:cNvSpPr>
-          <p:nvPr>
-            <p:ph type="subTitle" idx="1"/>
-          </p:nvPr>
-        </p:nvSpPr>
-        <p:spPr>
-          <a:xfrm>
-            <a:off x="914400" y="5002305"/>
-            <a:ext cx="8001000" cy="1855695"/>
-          </a:xfrm>
-          <a:solidFill>
-            <a:schemeClr val="bg2">
-              <a:lumMod val="40000"/>
-              <a:lumOff val="60000"/>
-            </a:schemeClr>
-          </a:solidFill>
-          <a:ln>
-            <a:noFill/>
-          </a:ln>
-        </p:spPr>
-        <p:style>
-          <a:lnRef idx="2">
-            <a:schemeClr val="accent1">
-              <a:shade val="50000"/>
-            </a:schemeClr>
-          </a:lnRef>
-          <a:fillRef idx="1">
-            <a:schemeClr val="accent1"/>
-          </a:fillRef>
-          <a:effectRef idx="0">
-            <a:schemeClr val="accent1"/>
-          </a:effectRef>
-          <a:fontRef idx="minor">
-            <a:schemeClr val="lt1"/>
-          </a:fontRef>
-        </p:style>
-        <p:txBody>
-          <a:bodyPr lIns="292608" tIns="137160" rIns="274320" bIns="137160" rtlCol="0" anchor="t" anchorCtr="0">
-            <a:normAutofit/>
-          </a:bodyPr>
-          <a:lstStyle>
-            <a:lvl1pPr marL="0" indent="0" algn="l" defTabSz="914400" rtl="0" eaLnBrk="1" latinLnBrk="0" hangingPunct="1">
-              <a:spcBef>
-                <a:spcPts val="300"/>
-              </a:spcBef>
-              <a:buNone/>
-              <a:defRPr sz="1600" kern="1200">
-                <a:solidFill>
-                  <a:schemeClr val="tx1">
-                    <a:lumMod val="65000"/>
-                    <a:lumOff val="35000"/>
-                  </a:schemeClr>
-                </a:solidFill>
-                <a:latin typeface="+mn-lt"/>
-                <a:ea typeface="+mn-ea"/>
-                <a:cs typeface="+mn-cs"/>
-              </a:defRPr>
-            </a:lvl1pPr>
-            <a:lvl2pPr marL="457200" indent="0" algn="ctr">
-              <a:buNone/>
-              <a:defRPr>
-                <a:solidFill>
-                  <a:schemeClr val="tx1">
-                    <a:tint val="75000"/>
-                  </a:schemeClr>
-                </a:solidFill>
-              </a:defRPr>
-            </a:lvl2pPr>
-            <a:lvl3pPr marL="914400" indent="0" algn="ctr">
-              <a:buNone/>
-              <a:defRPr>
-                <a:solidFill>
-                  <a:schemeClr val="tx1">
-                    <a:tint val="75000"/>
-                  </a:schemeClr>
-                </a:solidFill>
-              </a:defRPr>
-            </a:lvl3pPr>
-            <a:lvl4pPr marL="1371600" indent="0" algn="ctr">
-              <a:buNone/>
-              <a:defRPr>
-                <a:solidFill>
-                  <a:schemeClr val="tx1">
-                    <a:tint val="75000"/>
-                  </a:schemeClr>
-                </a:solidFill>
-              </a:defRPr>
-            </a:lvl4pPr>
-            <a:lvl5pPr marL="1828800" indent="0" algn="ctr">
-              <a:buNone/>
-              <a:defRPr>
-                <a:solidFill>
-                  <a:schemeClr val="tx1">
-                    <a:tint val="75000"/>
-                  </a:schemeClr>
-                </a:solidFill>
-              </a:defRPr>
-            </a:lvl5pPr>
-            <a:lvl6pPr marL="2286000" indent="0" algn="ctr">
-              <a:buNone/>
-              <a:defRPr>
-                <a:solidFill>
-                  <a:schemeClr val="tx1">
-                    <a:tint val="75000"/>
-                  </a:schemeClr>
-                </a:solidFill>
-              </a:defRPr>
-            </a:lvl6pPr>
-            <a:lvl7pPr marL="2743200" indent="0" algn="ctr">
-              <a:buNone/>
-              <a:defRPr>
-                <a:solidFill>
-                  <a:schemeClr val="tx1">
-                    <a:tint val="75000"/>
-                  </a:schemeClr>
-                </a:solidFill>
-              </a:defRPr>
-            </a:lvl7pPr>
-            <a:lvl8pPr marL="3200400" indent="0" algn="ctr">
-              <a:buNone/>
-              <a:defRPr>
-                <a:solidFill>
-                  <a:schemeClr val="tx1">
-                    <a:tint val="75000"/>
-                  </a:schemeClr>
-                </a:solidFill>
-              </a:defRPr>
-            </a:lvl8pPr>
-            <a:lvl9pPr marL="3657600" indent="0" algn="ctr">
-              <a:buNone/>
-              <a:defRPr>
-                <a:solidFill>
-                  <a:schemeClr val="tx1">
-                    <a:tint val="75000"/>
-                  </a:schemeClr>
-                </a:solidFill>
-              </a:defRPr>
-            </a:lvl9pPr>
-          </a:lstStyle>
-          <a:p>
-            <a:r>
-              <a:rPr lang="en-US" smtClean="0"/>
-              <a:t>Click to edit Master subtitle style</a:t>
-            </a:r>
-            <a:endParaRPr dirty="0"/>
-          </a:p>
-        </p:txBody>
-      </p:sp>
-      <p:sp>
-        <p:nvSpPr>
-          <p:cNvPr id="4" name="Date Placeholder 3"/>
-          <p:cNvSpPr>
-            <a:spLocks noGrp="1"/>
-          </p:cNvSpPr>
-          <p:nvPr>
-            <p:ph type="dt" sz="half" idx="10"/>
-          </p:nvPr>
-        </p:nvSpPr>
-        <p:spPr/>
-        <p:txBody>
-          <a:bodyPr/>
-          <a:lstStyle/>
-          <a:p>
-            <a:fld id="{666E228C-94BA-DA41-8B99-18FCF1662A93}" type="datetimeFigureOut">
-              <a:rPr lang="en-US" smtClean="0"/>
-              <a:t>2/5/13</a:t>
-            </a:fld>
-            <a:endParaRPr lang="en-US"/>
-          </a:p>
-        </p:txBody>
-      </p:sp>
-      <p:sp>
-        <p:nvSpPr>
-          <p:cNvPr id="5" name="Footer Placeholder 4"/>
-          <p:cNvSpPr>
-            <a:spLocks noGrp="1"/>
-          </p:cNvSpPr>
-          <p:nvPr>
-            <p:ph type="ftr" sz="quarter" idx="11"/>
-          </p:nvPr>
-        </p:nvSpPr>
-        <p:spPr/>
-        <p:txBody>
-          <a:bodyPr/>
-          <a:lstStyle/>
-          <a:p>
-            <a:endParaRPr lang="en-US"/>
-          </a:p>
-        </p:txBody>
-      </p:sp>
-      <p:sp>
-        <p:nvSpPr>
-          <p:cNvPr id="9" name="Picture Placeholder 8"/>
-          <p:cNvSpPr>
-            <a:spLocks noGrp="1"/>
-          </p:cNvSpPr>
-          <p:nvPr>
-            <p:ph type="pic" sz="quarter" idx="13"/>
-          </p:nvPr>
-        </p:nvSpPr>
-        <p:spPr>
-          <a:xfrm>
-            <a:off x="927100" y="1129553"/>
-            <a:ext cx="7988300" cy="2980944"/>
-          </a:xfrm>
-        </p:spPr>
-        <p:txBody>
-          <a:bodyPr>
-            <a:normAutofit/>
-          </a:bodyPr>
-          <a:lstStyle>
-            <a:lvl1pPr marL="0" indent="0">
-              <a:buNone/>
-              <a:defRPr sz="1800"/>
-            </a:lvl1pPr>
-          </a:lstStyle>
-          <a:p>
-            <a:r>
-              <a:rPr lang="en-US" smtClean="0"/>
-              <a:t>Drag picture to placeholder or click icon to add</a:t>
-            </a:r>
-            <a:endParaRPr/>
-          </a:p>
-        </p:txBody>
-      </p:sp>
-    </p:spTree>
-  </p:cSld>
-  <p:clrMapOvr>
-    <a:masterClrMapping/>
-  </p:clrMapOvr>
-</p:sldLayout>
-</file>
-
-<file path=ppt/slideLayouts/slideLayout12.xml><?xml version="1.0" encoding="utf-8"?>
-<p:sldLayout xmlns:a="http://schemas.openxmlformats.org/drawingml/2006/main" xmlns:r="http://schemas.openxmlformats.org/officeDocument/2006/relationships" xmlns:p="http://schemas.openxmlformats.org/presentationml/2006/main" preserve="1">
-  <p:cSld name="2 Pictures with Caption">
-    <p:spTree>
-      <p:nvGrpSpPr>
-        <p:cNvPr id="1" name=""/>
-        <p:cNvGrpSpPr/>
-        <p:nvPr/>
-      </p:nvGrpSpPr>
-      <p:grpSpPr>
-        <a:xfrm>
-          <a:off x="0" y="0"/>
-          <a:ext cx="0" cy="0"/>
-          <a:chOff x="0" y="0"/>
-          <a:chExt cx="0" cy="0"/>
-        </a:xfrm>
-      </p:grpSpPr>
-      <p:sp>
-        <p:nvSpPr>
-          <p:cNvPr id="2" name="Title 1"/>
-          <p:cNvSpPr>
-            <a:spLocks noGrp="1"/>
-          </p:cNvSpPr>
-          <p:nvPr>
-            <p:ph type="ctrTitle"/>
-          </p:nvPr>
-        </p:nvSpPr>
-        <p:spPr>
-          <a:xfrm>
-            <a:off x="0" y="4114800"/>
-            <a:ext cx="8915400" cy="877824"/>
-          </a:xfrm>
-        </p:spPr>
-        <p:txBody>
-          <a:bodyPr tIns="137160" bIns="137160" anchor="b" anchorCtr="0">
-            <a:normAutofit/>
-          </a:bodyPr>
-          <a:lstStyle>
-            <a:lvl1pPr>
-              <a:defRPr sz="2400"/>
-            </a:lvl1pPr>
-          </a:lstStyle>
-          <a:p>
-            <a:r>
-              <a:rPr lang="en-US" smtClean="0"/>
-              <a:t>Click to edit Master title style</a:t>
-            </a:r>
-            <a:endParaRPr/>
-          </a:p>
-        </p:txBody>
-      </p:sp>
-      <p:sp>
-        <p:nvSpPr>
-          <p:cNvPr id="3" name="Subtitle 2"/>
-          <p:cNvSpPr>
-            <a:spLocks noGrp="1"/>
-          </p:cNvSpPr>
-          <p:nvPr>
-            <p:ph type="subTitle" idx="1"/>
-          </p:nvPr>
-        </p:nvSpPr>
-        <p:spPr>
-          <a:xfrm>
-            <a:off x="914400" y="5002305"/>
-            <a:ext cx="8001000" cy="1855695"/>
-          </a:xfrm>
-          <a:solidFill>
-            <a:schemeClr val="bg2">
-              <a:lumMod val="40000"/>
-              <a:lumOff val="60000"/>
-            </a:schemeClr>
-          </a:solidFill>
-          <a:ln>
-            <a:noFill/>
-          </a:ln>
-        </p:spPr>
-        <p:style>
-          <a:lnRef idx="2">
-            <a:schemeClr val="accent1">
-              <a:shade val="50000"/>
-            </a:schemeClr>
-          </a:lnRef>
-          <a:fillRef idx="1">
-            <a:schemeClr val="accent1"/>
-          </a:fillRef>
-          <a:effectRef idx="0">
-            <a:schemeClr val="accent1"/>
-          </a:effectRef>
-          <a:fontRef idx="minor">
-            <a:schemeClr val="lt1"/>
-          </a:fontRef>
-        </p:style>
-        <p:txBody>
-          <a:bodyPr lIns="292608" tIns="137160" rIns="274320" bIns="137160" rtlCol="0" anchor="t" anchorCtr="0">
-            <a:normAutofit/>
-          </a:bodyPr>
-          <a:lstStyle>
-            <a:lvl1pPr marL="0" indent="0" algn="l" defTabSz="914400" rtl="0" eaLnBrk="1" latinLnBrk="0" hangingPunct="1">
-              <a:spcBef>
-                <a:spcPts val="300"/>
-              </a:spcBef>
-              <a:buNone/>
-              <a:defRPr sz="1600" kern="1200">
-                <a:solidFill>
-                  <a:schemeClr val="tx1">
-                    <a:lumMod val="65000"/>
-                    <a:lumOff val="35000"/>
-                  </a:schemeClr>
-                </a:solidFill>
-                <a:latin typeface="+mn-lt"/>
-                <a:ea typeface="+mn-ea"/>
-                <a:cs typeface="+mn-cs"/>
-              </a:defRPr>
-            </a:lvl1pPr>
-            <a:lvl2pPr marL="457200" indent="0" algn="ctr">
-              <a:buNone/>
-              <a:defRPr>
-                <a:solidFill>
-                  <a:schemeClr val="tx1">
-                    <a:tint val="75000"/>
-                  </a:schemeClr>
-                </a:solidFill>
-              </a:defRPr>
-            </a:lvl2pPr>
-            <a:lvl3pPr marL="914400" indent="0" algn="ctr">
-              <a:buNone/>
-              <a:defRPr>
-                <a:solidFill>
-                  <a:schemeClr val="tx1">
-                    <a:tint val="75000"/>
-                  </a:schemeClr>
-                </a:solidFill>
-              </a:defRPr>
-            </a:lvl3pPr>
-            <a:lvl4pPr marL="1371600" indent="0" algn="ctr">
-              <a:buNone/>
-              <a:defRPr>
-                <a:solidFill>
-                  <a:schemeClr val="tx1">
-                    <a:tint val="75000"/>
-                  </a:schemeClr>
-                </a:solidFill>
-              </a:defRPr>
-            </a:lvl4pPr>
-            <a:lvl5pPr marL="1828800" indent="0" algn="ctr">
-              <a:buNone/>
-              <a:defRPr>
-                <a:solidFill>
-                  <a:schemeClr val="tx1">
-                    <a:tint val="75000"/>
-                  </a:schemeClr>
-                </a:solidFill>
-              </a:defRPr>
-            </a:lvl5pPr>
-            <a:lvl6pPr marL="2286000" indent="0" algn="ctr">
-              <a:buNone/>
-              <a:defRPr>
-                <a:solidFill>
-                  <a:schemeClr val="tx1">
-                    <a:tint val="75000"/>
-                  </a:schemeClr>
-                </a:solidFill>
-              </a:defRPr>
-            </a:lvl6pPr>
-            <a:lvl7pPr marL="2743200" indent="0" algn="ctr">
-              <a:buNone/>
-              <a:defRPr>
-                <a:solidFill>
-                  <a:schemeClr val="tx1">
-                    <a:tint val="75000"/>
-                  </a:schemeClr>
-                </a:solidFill>
-              </a:defRPr>
-            </a:lvl7pPr>
-            <a:lvl8pPr marL="3200400" indent="0" algn="ctr">
-              <a:buNone/>
-              <a:defRPr>
-                <a:solidFill>
-                  <a:schemeClr val="tx1">
-                    <a:tint val="75000"/>
-                  </a:schemeClr>
-                </a:solidFill>
-              </a:defRPr>
-            </a:lvl8pPr>
-            <a:lvl9pPr marL="3657600" indent="0" algn="ctr">
-              <a:buNone/>
-              <a:defRPr>
-                <a:solidFill>
-                  <a:schemeClr val="tx1">
-                    <a:tint val="75000"/>
-                  </a:schemeClr>
-                </a:solidFill>
-              </a:defRPr>
-            </a:lvl9pPr>
-          </a:lstStyle>
-          <a:p>
-            <a:r>
-              <a:rPr lang="en-US" smtClean="0"/>
-              <a:t>Click to edit Master subtitle style</a:t>
-            </a:r>
-            <a:endParaRPr dirty="0"/>
-          </a:p>
-        </p:txBody>
-      </p:sp>
-      <p:sp>
-        <p:nvSpPr>
-          <p:cNvPr id="4" name="Date Placeholder 3"/>
-          <p:cNvSpPr>
-            <a:spLocks noGrp="1"/>
-          </p:cNvSpPr>
-          <p:nvPr>
-            <p:ph type="dt" sz="half" idx="10"/>
-          </p:nvPr>
-        </p:nvSpPr>
-        <p:spPr>
-          <a:xfrm>
-            <a:off x="6580094" y="188259"/>
-            <a:ext cx="2133600" cy="365125"/>
-          </a:xfrm>
-        </p:spPr>
-        <p:txBody>
-          <a:bodyPr/>
-          <a:lstStyle/>
-          <a:p>
-            <a:fld id="{666E228C-94BA-DA41-8B99-18FCF1662A93}" type="datetimeFigureOut">
-              <a:rPr lang="en-US" smtClean="0"/>
-              <a:t>2/5/13</a:t>
-            </a:fld>
-            <a:endParaRPr lang="en-US"/>
-          </a:p>
-        </p:txBody>
-      </p:sp>
-      <p:sp>
-        <p:nvSpPr>
-          <p:cNvPr id="5" name="Footer Placeholder 4"/>
-          <p:cNvSpPr>
-            <a:spLocks noGrp="1"/>
-          </p:cNvSpPr>
-          <p:nvPr>
-            <p:ph type="ftr" sz="quarter" idx="11"/>
-          </p:nvPr>
-        </p:nvSpPr>
-        <p:spPr/>
-        <p:txBody>
-          <a:bodyPr/>
-          <a:lstStyle/>
-          <a:p>
-            <a:endParaRPr lang="en-US"/>
-          </a:p>
-        </p:txBody>
-      </p:sp>
-      <p:sp>
-        <p:nvSpPr>
-          <p:cNvPr id="9" name="Picture Placeholder 8"/>
-          <p:cNvSpPr>
-            <a:spLocks noGrp="1"/>
-          </p:cNvSpPr>
-          <p:nvPr>
-            <p:ph type="pic" sz="quarter" idx="13"/>
-          </p:nvPr>
-        </p:nvSpPr>
-        <p:spPr>
-          <a:xfrm>
-            <a:off x="927100" y="1129553"/>
-            <a:ext cx="3986784" cy="2980944"/>
-          </a:xfrm>
-        </p:spPr>
-        <p:txBody>
-          <a:bodyPr>
-            <a:normAutofit/>
-          </a:bodyPr>
-          <a:lstStyle>
-            <a:lvl1pPr marL="0" indent="0">
-              <a:buNone/>
-              <a:defRPr sz="1800"/>
-            </a:lvl1pPr>
-          </a:lstStyle>
-          <a:p>
-            <a:r>
-              <a:rPr lang="en-US" smtClean="0"/>
-              <a:t>Drag picture to placeholder or click icon to add</a:t>
-            </a:r>
-            <a:endParaRPr/>
-          </a:p>
-        </p:txBody>
-      </p:sp>
-      <p:sp>
-        <p:nvSpPr>
-          <p:cNvPr id="7" name="Picture Placeholder 8"/>
-          <p:cNvSpPr>
-            <a:spLocks noGrp="1"/>
-          </p:cNvSpPr>
-          <p:nvPr>
-            <p:ph type="pic" sz="quarter" idx="14"/>
-          </p:nvPr>
-        </p:nvSpPr>
-        <p:spPr>
-          <a:xfrm>
-            <a:off x="4928616" y="1129553"/>
-            <a:ext cx="3986784" cy="2980944"/>
-          </a:xfrm>
-        </p:spPr>
-        <p:txBody>
-          <a:bodyPr>
-            <a:normAutofit/>
-          </a:bodyPr>
-          <a:lstStyle>
-            <a:lvl1pPr marL="0" indent="0">
-              <a:buNone/>
-              <a:defRPr sz="1800"/>
-            </a:lvl1pPr>
-          </a:lstStyle>
-          <a:p>
-            <a:r>
-              <a:rPr lang="en-US" smtClean="0"/>
-              <a:t>Drag picture to placeholder or click icon to add</a:t>
-            </a:r>
-            <a:endParaRPr/>
-          </a:p>
-        </p:txBody>
-      </p:sp>
-    </p:spTree>
-  </p:cSld>
-  <p:clrMapOvr>
-    <a:masterClrMapping/>
-  </p:clrMapOvr>
-</p:sldLayout>
-</file>
-
-<file path=ppt/slideLayouts/slideLayout13.xml><?xml version="1.0" encoding="utf-8"?>
-<p:sldLayout xmlns:a="http://schemas.openxmlformats.org/drawingml/2006/main" xmlns:r="http://schemas.openxmlformats.org/officeDocument/2006/relationships" xmlns:p="http://schemas.openxmlformats.org/presentationml/2006/main" preserve="1">
-  <p:cSld name="3 Pictures with Caption">
-    <p:spTree>
-      <p:nvGrpSpPr>
-        <p:cNvPr id="1" name=""/>
-        <p:cNvGrpSpPr/>
-        <p:nvPr/>
-      </p:nvGrpSpPr>
-      <p:grpSpPr>
-        <a:xfrm>
-          <a:off x="0" y="0"/>
-          <a:ext cx="0" cy="0"/>
-          <a:chOff x="0" y="0"/>
-          <a:chExt cx="0" cy="0"/>
-        </a:xfrm>
-      </p:grpSpPr>
-      <p:sp>
-        <p:nvSpPr>
-          <p:cNvPr id="2" name="Title 1"/>
-          <p:cNvSpPr>
-            <a:spLocks noGrp="1"/>
-          </p:cNvSpPr>
-          <p:nvPr>
-            <p:ph type="ctrTitle"/>
-          </p:nvPr>
-        </p:nvSpPr>
-        <p:spPr>
-          <a:xfrm>
-            <a:off x="0" y="4114800"/>
-            <a:ext cx="8915400" cy="877824"/>
-          </a:xfrm>
-        </p:spPr>
-        <p:txBody>
-          <a:bodyPr tIns="137160" bIns="137160" anchor="b" anchorCtr="0">
-            <a:normAutofit/>
-          </a:bodyPr>
-          <a:lstStyle>
-            <a:lvl1pPr>
-              <a:defRPr sz="2400"/>
-            </a:lvl1pPr>
-          </a:lstStyle>
-          <a:p>
-            <a:r>
-              <a:rPr lang="en-US" smtClean="0"/>
-              <a:t>Click to edit Master title style</a:t>
-            </a:r>
-            <a:endParaRPr/>
-          </a:p>
-        </p:txBody>
-      </p:sp>
-      <p:sp>
-        <p:nvSpPr>
-          <p:cNvPr id="3" name="Subtitle 2"/>
-          <p:cNvSpPr>
-            <a:spLocks noGrp="1"/>
-          </p:cNvSpPr>
-          <p:nvPr>
-            <p:ph type="subTitle" idx="1"/>
-          </p:nvPr>
-        </p:nvSpPr>
-        <p:spPr>
-          <a:xfrm>
-            <a:off x="914400" y="5002305"/>
-            <a:ext cx="8001000" cy="1855695"/>
-          </a:xfrm>
-          <a:solidFill>
-            <a:schemeClr val="bg2">
-              <a:lumMod val="40000"/>
-              <a:lumOff val="60000"/>
-            </a:schemeClr>
-          </a:solidFill>
-          <a:ln>
-            <a:noFill/>
-          </a:ln>
-        </p:spPr>
-        <p:style>
-          <a:lnRef idx="2">
-            <a:schemeClr val="accent1">
-              <a:shade val="50000"/>
-            </a:schemeClr>
-          </a:lnRef>
-          <a:fillRef idx="1">
-            <a:schemeClr val="accent1"/>
-          </a:fillRef>
-          <a:effectRef idx="0">
-            <a:schemeClr val="accent1"/>
-          </a:effectRef>
-          <a:fontRef idx="minor">
-            <a:schemeClr val="lt1"/>
-          </a:fontRef>
-        </p:style>
-        <p:txBody>
-          <a:bodyPr lIns="292608" tIns="137160" rIns="274320" bIns="137160" rtlCol="0" anchor="t" anchorCtr="0">
-            <a:normAutofit/>
-          </a:bodyPr>
-          <a:lstStyle>
-            <a:lvl1pPr marL="0" indent="0" algn="l" defTabSz="914400" rtl="0" eaLnBrk="1" latinLnBrk="0" hangingPunct="1">
-              <a:spcBef>
-                <a:spcPts val="300"/>
-              </a:spcBef>
-              <a:buNone/>
-              <a:defRPr sz="1600" kern="1200">
-                <a:solidFill>
-                  <a:schemeClr val="tx1">
-                    <a:lumMod val="65000"/>
-                    <a:lumOff val="35000"/>
-                  </a:schemeClr>
-                </a:solidFill>
-                <a:latin typeface="+mn-lt"/>
-                <a:ea typeface="+mn-ea"/>
-                <a:cs typeface="+mn-cs"/>
-              </a:defRPr>
-            </a:lvl1pPr>
-            <a:lvl2pPr marL="457200" indent="0" algn="ctr">
-              <a:buNone/>
-              <a:defRPr>
-                <a:solidFill>
-                  <a:schemeClr val="tx1">
-                    <a:tint val="75000"/>
-                  </a:schemeClr>
-                </a:solidFill>
-              </a:defRPr>
-            </a:lvl2pPr>
-            <a:lvl3pPr marL="914400" indent="0" algn="ctr">
-              <a:buNone/>
-              <a:defRPr>
-                <a:solidFill>
-                  <a:schemeClr val="tx1">
-                    <a:tint val="75000"/>
-                  </a:schemeClr>
-                </a:solidFill>
-              </a:defRPr>
-            </a:lvl3pPr>
-            <a:lvl4pPr marL="1371600" indent="0" algn="ctr">
-              <a:buNone/>
-              <a:defRPr>
-                <a:solidFill>
-                  <a:schemeClr val="tx1">
-                    <a:tint val="75000"/>
-                  </a:schemeClr>
-                </a:solidFill>
-              </a:defRPr>
-            </a:lvl4pPr>
-            <a:lvl5pPr marL="1828800" indent="0" algn="ctr">
-              <a:buNone/>
-              <a:defRPr>
-                <a:solidFill>
-                  <a:schemeClr val="tx1">
-                    <a:tint val="75000"/>
-                  </a:schemeClr>
-                </a:solidFill>
-              </a:defRPr>
-            </a:lvl5pPr>
-            <a:lvl6pPr marL="2286000" indent="0" algn="ctr">
-              <a:buNone/>
-              <a:defRPr>
-                <a:solidFill>
-                  <a:schemeClr val="tx1">
-                    <a:tint val="75000"/>
-                  </a:schemeClr>
-                </a:solidFill>
-              </a:defRPr>
-            </a:lvl6pPr>
-            <a:lvl7pPr marL="2743200" indent="0" algn="ctr">
-              <a:buNone/>
-              <a:defRPr>
-                <a:solidFill>
-                  <a:schemeClr val="tx1">
-                    <a:tint val="75000"/>
-                  </a:schemeClr>
-                </a:solidFill>
-              </a:defRPr>
-            </a:lvl7pPr>
-            <a:lvl8pPr marL="3200400" indent="0" algn="ctr">
-              <a:buNone/>
-              <a:defRPr>
-                <a:solidFill>
-                  <a:schemeClr val="tx1">
-                    <a:tint val="75000"/>
-                  </a:schemeClr>
-                </a:solidFill>
-              </a:defRPr>
-            </a:lvl8pPr>
-            <a:lvl9pPr marL="3657600" indent="0" algn="ctr">
-              <a:buNone/>
-              <a:defRPr>
-                <a:solidFill>
-                  <a:schemeClr val="tx1">
-                    <a:tint val="75000"/>
-                  </a:schemeClr>
-                </a:solidFill>
-              </a:defRPr>
-            </a:lvl9pPr>
-          </a:lstStyle>
-          <a:p>
-            <a:r>
-              <a:rPr lang="en-US" smtClean="0"/>
-              <a:t>Click to edit Master subtitle style</a:t>
-            </a:r>
-            <a:endParaRPr/>
-          </a:p>
-        </p:txBody>
-      </p:sp>
-      <p:sp>
-        <p:nvSpPr>
-          <p:cNvPr id="4" name="Date Placeholder 3"/>
-          <p:cNvSpPr>
-            <a:spLocks noGrp="1"/>
-          </p:cNvSpPr>
-          <p:nvPr>
-            <p:ph type="dt" sz="half" idx="10"/>
-          </p:nvPr>
-        </p:nvSpPr>
-        <p:spPr>
-          <a:xfrm>
-            <a:off x="6580094" y="188259"/>
-            <a:ext cx="2133600" cy="365125"/>
-          </a:xfrm>
-        </p:spPr>
-        <p:txBody>
-          <a:bodyPr/>
-          <a:lstStyle/>
-          <a:p>
-            <a:fld id="{666E228C-94BA-DA41-8B99-18FCF1662A93}" type="datetimeFigureOut">
-              <a:rPr lang="en-US" smtClean="0"/>
-              <a:t>2/5/13</a:t>
-            </a:fld>
-            <a:endParaRPr lang="en-US"/>
-          </a:p>
-        </p:txBody>
-      </p:sp>
-      <p:sp>
-        <p:nvSpPr>
-          <p:cNvPr id="5" name="Footer Placeholder 4"/>
-          <p:cNvSpPr>
-            <a:spLocks noGrp="1"/>
-          </p:cNvSpPr>
-          <p:nvPr>
-            <p:ph type="ftr" sz="quarter" idx="11"/>
-          </p:nvPr>
-        </p:nvSpPr>
-        <p:spPr/>
-        <p:txBody>
-          <a:bodyPr/>
-          <a:lstStyle/>
-          <a:p>
-            <a:endParaRPr lang="en-US"/>
-          </a:p>
-        </p:txBody>
-      </p:sp>
-      <p:sp>
-        <p:nvSpPr>
-          <p:cNvPr id="9" name="Picture Placeholder 8"/>
-          <p:cNvSpPr>
-            <a:spLocks noGrp="1"/>
-          </p:cNvSpPr>
-          <p:nvPr>
-            <p:ph type="pic" sz="quarter" idx="13"/>
-          </p:nvPr>
-        </p:nvSpPr>
-        <p:spPr>
-          <a:xfrm>
-            <a:off x="927100" y="1129553"/>
-            <a:ext cx="6601968" cy="2980944"/>
-          </a:xfrm>
-        </p:spPr>
-        <p:txBody>
-          <a:bodyPr>
-            <a:normAutofit/>
-          </a:bodyPr>
-          <a:lstStyle>
-            <a:lvl1pPr marL="0" indent="0">
-              <a:buNone/>
-              <a:defRPr sz="1800"/>
-            </a:lvl1pPr>
-          </a:lstStyle>
-          <a:p>
-            <a:r>
-              <a:rPr lang="en-US" smtClean="0"/>
-              <a:t>Drag picture to placeholder or click icon to add</a:t>
-            </a:r>
-            <a:endParaRPr/>
-          </a:p>
-        </p:txBody>
-      </p:sp>
-      <p:sp>
-        <p:nvSpPr>
-          <p:cNvPr id="7" name="Picture Placeholder 8"/>
-          <p:cNvSpPr>
-            <a:spLocks noGrp="1"/>
-          </p:cNvSpPr>
-          <p:nvPr>
-            <p:ph type="pic" sz="quarter" idx="14"/>
-          </p:nvPr>
-        </p:nvSpPr>
-        <p:spPr>
-          <a:xfrm>
-            <a:off x="7543800" y="1129553"/>
-            <a:ext cx="1371600" cy="1481328"/>
-          </a:xfrm>
-        </p:spPr>
-        <p:txBody>
-          <a:bodyPr>
-            <a:normAutofit/>
-          </a:bodyPr>
-          <a:lstStyle>
-            <a:lvl1pPr marL="0" indent="0">
-              <a:buNone/>
-              <a:defRPr sz="1800"/>
-            </a:lvl1pPr>
-          </a:lstStyle>
-          <a:p>
-            <a:r>
-              <a:rPr lang="en-US" smtClean="0"/>
-              <a:t>Drag picture to placeholder or click icon to add</a:t>
-            </a:r>
-            <a:endParaRPr/>
-          </a:p>
-        </p:txBody>
-      </p:sp>
-      <p:sp>
-        <p:nvSpPr>
-          <p:cNvPr id="8" name="Picture Placeholder 8"/>
-          <p:cNvSpPr>
-            <a:spLocks noGrp="1"/>
-          </p:cNvSpPr>
-          <p:nvPr>
-            <p:ph type="pic" sz="quarter" idx="15"/>
-          </p:nvPr>
-        </p:nvSpPr>
-        <p:spPr>
-          <a:xfrm>
-            <a:off x="7543800" y="2629169"/>
-            <a:ext cx="1371600" cy="1481328"/>
-          </a:xfrm>
-        </p:spPr>
-        <p:txBody>
-          <a:bodyPr>
-            <a:normAutofit/>
-          </a:bodyPr>
-          <a:lstStyle>
-            <a:lvl1pPr marL="0" indent="0">
-              <a:buNone/>
-              <a:defRPr sz="1800"/>
-            </a:lvl1pPr>
-          </a:lstStyle>
-          <a:p>
-            <a:r>
-              <a:rPr lang="en-US" smtClean="0"/>
-              <a:t>Drag picture to placeholder or click icon to add</a:t>
-            </a:r>
-            <a:endParaRPr/>
-          </a:p>
-        </p:txBody>
-      </p:sp>
-    </p:spTree>
-  </p:cSld>
-  <p:clrMapOvr>
-    <a:masterClrMapping/>
-  </p:clrMapOvr>
-</p:sldLayout>
-</file>
-
-<file path=ppt/slideLayouts/slideLayout14.xml><?xml version="1.0" encoding="utf-8"?>
-<p:sldLayout xmlns:a="http://schemas.openxmlformats.org/drawingml/2006/main" xmlns:r="http://schemas.openxmlformats.org/officeDocument/2006/relationships" xmlns:p="http://schemas.openxmlformats.org/presentationml/2006/main" type="vertTx" preserve="1">
-  <p:cSld name="Title and Vertical Text">
-    <p:spTree>
-      <p:nvGrpSpPr>
-        <p:cNvPr id="1" name=""/>
-        <p:cNvGrpSpPr/>
-        <p:nvPr/>
-      </p:nvGrpSpPr>
-      <p:grpSpPr>
-        <a:xfrm>
-          <a:off x="0" y="0"/>
-          <a:ext cx="0" cy="0"/>
-          <a:chOff x="0" y="0"/>
-          <a:chExt cx="0" cy="0"/>
-        </a:xfrm>
-      </p:grpSpPr>
-      <p:sp>
-        <p:nvSpPr>
-          <p:cNvPr id="2" name="Title 1"/>
-          <p:cNvSpPr>
-            <a:spLocks noGrp="1"/>
-          </p:cNvSpPr>
-          <p:nvPr>
-            <p:ph type="title"/>
-          </p:nvPr>
-        </p:nvSpPr>
-        <p:spPr/>
-        <p:txBody>
-          <a:bodyPr/>
-          <a:lstStyle/>
-          <a:p>
-            <a:r>
-              <a:rPr lang="en-US" smtClean="0"/>
-              <a:t>Click to edit Master title style</a:t>
-            </a:r>
-            <a:endParaRPr/>
-          </a:p>
-        </p:txBody>
-      </p:sp>
-      <p:sp>
-        <p:nvSpPr>
-          <p:cNvPr id="3" name="Vertical Text Placeholder 2"/>
-          <p:cNvSpPr>
-            <a:spLocks noGrp="1"/>
-          </p:cNvSpPr>
-          <p:nvPr>
-            <p:ph type="body" orient="vert" idx="1"/>
-          </p:nvPr>
-        </p:nvSpPr>
-        <p:spPr/>
-        <p:txBody>
-          <a:bodyPr vert="eaVert"/>
-          <a:lstStyle>
-            <a:lvl5pPr>
-              <a:defRPr/>
-            </a:lvl5pPr>
-          </a:lstStyle>
-          <a:p>
-            <a:pPr lvl="0"/>
-            <a:r>
-              <a:rPr lang="en-US" smtClean="0"/>
-              <a:t>Click to edit Master text styles</a:t>
-            </a:r>
-          </a:p>
-          <a:p>
-            <a:pPr lvl="1"/>
-            <a:r>
-              <a:rPr lang="en-US" smtClean="0"/>
-              <a:t>Second level</a:t>
-            </a:r>
-          </a:p>
-          <a:p>
-            <a:pPr lvl="2"/>
-            <a:r>
-              <a:rPr lang="en-US" smtClean="0"/>
-              <a:t>Third level</a:t>
-            </a:r>
-          </a:p>
-          <a:p>
-            <a:pPr lvl="3"/>
-            <a:r>
-              <a:rPr lang="en-US" smtClean="0"/>
-              <a:t>Fourth level</a:t>
-            </a:r>
-          </a:p>
-          <a:p>
-            <a:pPr lvl="4"/>
-            <a:r>
-              <a:rPr lang="en-US" smtClean="0"/>
-              <a:t>Fifth level</a:t>
-            </a:r>
-            <a:endParaRPr dirty="0"/>
-          </a:p>
-        </p:txBody>
-      </p:sp>
-      <p:sp>
-        <p:nvSpPr>
-          <p:cNvPr id="4" name="Date Placeholder 3"/>
-          <p:cNvSpPr>
-            <a:spLocks noGrp="1"/>
-          </p:cNvSpPr>
-          <p:nvPr>
-            <p:ph type="dt" sz="half" idx="10"/>
-          </p:nvPr>
-        </p:nvSpPr>
-        <p:spPr/>
-        <p:txBody>
-          <a:bodyPr/>
-          <a:lstStyle/>
-          <a:p>
-            <a:fld id="{666E228C-94BA-DA41-8B99-18FCF1662A93}" type="datetimeFigureOut">
-              <a:rPr lang="en-US" smtClean="0"/>
-              <a:t>2/5/13</a:t>
-            </a:fld>
-            <a:endParaRPr lang="en-US"/>
-          </a:p>
-        </p:txBody>
-      </p:sp>
-      <p:sp>
-        <p:nvSpPr>
-          <p:cNvPr id="5" name="Footer Placeholder 4"/>
-          <p:cNvSpPr>
-            <a:spLocks noGrp="1"/>
-          </p:cNvSpPr>
-          <p:nvPr>
-            <p:ph type="ftr" sz="quarter" idx="11"/>
-          </p:nvPr>
-        </p:nvSpPr>
-        <p:spPr/>
-        <p:txBody>
-          <a:bodyPr/>
-          <a:lstStyle/>
-          <a:p>
-            <a:endParaRPr lang="en-US"/>
-          </a:p>
-        </p:txBody>
-      </p:sp>
-      <p:sp>
-        <p:nvSpPr>
-          <p:cNvPr id="6" name="Slide Number Placeholder 5"/>
-          <p:cNvSpPr>
-            <a:spLocks noGrp="1"/>
-          </p:cNvSpPr>
-          <p:nvPr>
-            <p:ph type="sldNum" sz="quarter" idx="12"/>
-          </p:nvPr>
-        </p:nvSpPr>
-        <p:spPr/>
-        <p:txBody>
-          <a:bodyPr/>
-          <a:lstStyle/>
-          <a:p>
-            <a:fld id="{D9B02067-8C2E-D243-9C04-ECAA31D5EA5A}" type="slidenum">
-              <a:rPr lang="en-US" smtClean="0"/>
-              <a:t>‹#›</a:t>
-            </a:fld>
-            <a:endParaRPr lang="en-US"/>
-          </a:p>
-        </p:txBody>
-      </p:sp>
-    </p:spTree>
-  </p:cSld>
-  <p:clrMapOvr>
-    <a:masterClrMapping/>
-  </p:clrMapOvr>
-</p:sldLayout>
-</file>
-
-<file path=ppt/slideLayouts/slideLayout15.xml><?xml version="1.0" encoding="utf-8"?>
-<p:sldLayout xmlns:a="http://schemas.openxmlformats.org/drawingml/2006/main" xmlns:r="http://schemas.openxmlformats.org/officeDocument/2006/relationships" xmlns:p="http://schemas.openxmlformats.org/presentationml/2006/main" type="vertTitleAndTx" preserve="1">
-  <p:cSld name="Vertical Title and Text">
-    <p:spTree>
-      <p:nvGrpSpPr>
-        <p:cNvPr id="1" name=""/>
-        <p:cNvGrpSpPr/>
-        <p:nvPr/>
-      </p:nvGrpSpPr>
-      <p:grpSpPr>
-        <a:xfrm>
-          <a:off x="0" y="0"/>
-          <a:ext cx="0" cy="0"/>
-          <a:chOff x="0" y="0"/>
-          <a:chExt cx="0" cy="0"/>
-        </a:xfrm>
-      </p:grpSpPr>
-      <p:sp>
-        <p:nvSpPr>
-          <p:cNvPr id="2" name="Vertical Title 1"/>
-          <p:cNvSpPr>
-            <a:spLocks noGrp="1"/>
-          </p:cNvSpPr>
-          <p:nvPr>
-            <p:ph type="title" orient="vert"/>
-          </p:nvPr>
-        </p:nvSpPr>
-        <p:spPr>
-          <a:xfrm>
-            <a:off x="7987553" y="1129554"/>
-            <a:ext cx="914400" cy="5533278"/>
-          </a:xfrm>
-        </p:spPr>
-        <p:txBody>
-          <a:bodyPr vert="eaVert" lIns="274320" tIns="685800" bIns="685800"/>
-          <a:lstStyle/>
-          <a:p>
-            <a:r>
-              <a:rPr lang="en-US" smtClean="0"/>
-              <a:t>Click to edit Master title style</a:t>
-            </a:r>
-            <a:endParaRPr/>
-          </a:p>
-        </p:txBody>
-      </p:sp>
-      <p:sp>
-        <p:nvSpPr>
-          <p:cNvPr id="3" name="Vertical Text Placeholder 2"/>
-          <p:cNvSpPr>
-            <a:spLocks noGrp="1"/>
-          </p:cNvSpPr>
-          <p:nvPr>
-            <p:ph type="body" orient="vert" idx="1"/>
-          </p:nvPr>
-        </p:nvSpPr>
-        <p:spPr>
-          <a:xfrm>
-            <a:off x="1117600" y="1734671"/>
-            <a:ext cx="6426200" cy="4542304"/>
-          </a:xfrm>
-        </p:spPr>
-        <p:txBody>
-          <a:bodyPr vert="eaVert"/>
-          <a:lstStyle>
-            <a:lvl5pPr>
-              <a:defRPr/>
-            </a:lvl5pPr>
-          </a:lstStyle>
-          <a:p>
-            <a:pPr lvl="0"/>
-            <a:r>
-              <a:rPr lang="en-US" smtClean="0"/>
-              <a:t>Click to edit Master text styles</a:t>
-            </a:r>
-          </a:p>
-          <a:p>
-            <a:pPr lvl="1"/>
-            <a:r>
-              <a:rPr lang="en-US" smtClean="0"/>
-              <a:t>Second level</a:t>
-            </a:r>
-          </a:p>
-          <a:p>
-            <a:pPr lvl="2"/>
-            <a:r>
-              <a:rPr lang="en-US" smtClean="0"/>
-              <a:t>Third level</a:t>
-            </a:r>
-          </a:p>
-          <a:p>
-            <a:pPr lvl="3"/>
-            <a:r>
-              <a:rPr lang="en-US" smtClean="0"/>
-              <a:t>Fourth level</a:t>
-            </a:r>
-          </a:p>
-          <a:p>
-            <a:pPr lvl="4"/>
-            <a:r>
-              <a:rPr lang="en-US" smtClean="0"/>
-              <a:t>Fifth level</a:t>
-            </a:r>
-            <a:endParaRPr dirty="0"/>
-          </a:p>
-        </p:txBody>
-      </p:sp>
-      <p:sp>
-        <p:nvSpPr>
-          <p:cNvPr id="4" name="Date Placeholder 3"/>
-          <p:cNvSpPr>
-            <a:spLocks noGrp="1"/>
-          </p:cNvSpPr>
-          <p:nvPr>
-            <p:ph type="dt" sz="half" idx="10"/>
-          </p:nvPr>
-        </p:nvSpPr>
-        <p:spPr/>
-        <p:txBody>
-          <a:bodyPr/>
-          <a:lstStyle/>
-          <a:p>
-            <a:fld id="{666E228C-94BA-DA41-8B99-18FCF1662A93}" type="datetimeFigureOut">
-              <a:rPr lang="en-US" smtClean="0"/>
-              <a:t>2/5/13</a:t>
-            </a:fld>
-            <a:endParaRPr lang="en-US"/>
-          </a:p>
-        </p:txBody>
-      </p:sp>
-      <p:sp>
-        <p:nvSpPr>
-          <p:cNvPr id="5" name="Footer Placeholder 4"/>
-          <p:cNvSpPr>
-            <a:spLocks noGrp="1"/>
-          </p:cNvSpPr>
-          <p:nvPr>
-            <p:ph type="ftr" sz="quarter" idx="11"/>
-          </p:nvPr>
-        </p:nvSpPr>
-        <p:spPr/>
-        <p:txBody>
-          <a:bodyPr/>
-          <a:lstStyle/>
-          <a:p>
-            <a:endParaRPr lang="en-US"/>
-          </a:p>
-        </p:txBody>
-      </p:sp>
-      <p:sp>
-        <p:nvSpPr>
-          <p:cNvPr id="6" name="Slide Number Placeholder 5"/>
-          <p:cNvSpPr>
-            <a:spLocks noGrp="1"/>
-          </p:cNvSpPr>
-          <p:nvPr>
-            <p:ph type="sldNum" sz="quarter" idx="12"/>
-          </p:nvPr>
-        </p:nvSpPr>
-        <p:spPr/>
-        <p:txBody>
-          <a:bodyPr/>
-          <a:lstStyle/>
-          <a:p>
-            <a:fld id="{D9B02067-8C2E-D243-9C04-ECAA31D5EA5A}" type="slidenum">
-              <a:rPr lang="en-US" smtClean="0"/>
-              <a:t>‹#›</a:t>
-            </a:fld>
-            <a:endParaRPr lang="en-US"/>
-          </a:p>
-        </p:txBody>
-      </p:sp>
-    </p:spTree>
-  </p:cSld>
-  <p:clrMapOvr>
-    <a:masterClrMapping/>
-  </p:clrMapOvr>
-</p:sldLayout>
-</file>
-
-<file path=ppt/slideLayouts/slideLayout2.xml><?xml version="1.0" encoding="utf-8"?>
-<p:sldLayout xmlns:a="http://schemas.openxmlformats.org/drawingml/2006/main" xmlns:r="http://schemas.openxmlformats.org/officeDocument/2006/relationships" xmlns:p="http://schemas.openxmlformats.org/presentationml/2006/main" type="obj" preserve="1">
-  <p:cSld name="Title and Content">
-    <p:spTree>
-      <p:nvGrpSpPr>
-        <p:cNvPr id="1" name=""/>
-        <p:cNvGrpSpPr/>
-        <p:nvPr/>
-      </p:nvGrpSpPr>
-      <p:grpSpPr>
-        <a:xfrm>
-          <a:off x="0" y="0"/>
-          <a:ext cx="0" cy="0"/>
-          <a:chOff x="0" y="0"/>
-          <a:chExt cx="0" cy="0"/>
-        </a:xfrm>
-      </p:grpSpPr>
-      <p:sp>
-        <p:nvSpPr>
-          <p:cNvPr id="2" name="Title 1"/>
-          <p:cNvSpPr>
-            <a:spLocks noGrp="1"/>
-          </p:cNvSpPr>
-          <p:nvPr>
-            <p:ph type="title"/>
-          </p:nvPr>
-        </p:nvSpPr>
-        <p:spPr/>
-        <p:txBody>
-          <a:bodyPr/>
-          <a:lstStyle/>
-          <a:p>
-            <a:r>
-              <a:rPr lang="en-US" smtClean="0"/>
-              <a:t>Click to edit Master title style</a:t>
-            </a:r>
-            <a:endParaRPr/>
-          </a:p>
-        </p:txBody>
-      </p:sp>
-      <p:sp>
-        <p:nvSpPr>
-          <p:cNvPr id="3" name="Content Placeholder 2"/>
-          <p:cNvSpPr>
-            <a:spLocks noGrp="1"/>
-          </p:cNvSpPr>
-          <p:nvPr>
-            <p:ph idx="1"/>
-          </p:nvPr>
-        </p:nvSpPr>
-        <p:spPr/>
-        <p:txBody>
-          <a:bodyPr/>
-          <a:lstStyle>
-            <a:lvl5pPr>
-              <a:defRPr/>
-            </a:lvl5pPr>
-          </a:lstStyle>
-          <a:p>
-            <a:pPr lvl="0"/>
-            <a:r>
-              <a:rPr lang="en-US" smtClean="0"/>
-              <a:t>Click to edit Master text styles</a:t>
-            </a:r>
-          </a:p>
-          <a:p>
-            <a:pPr lvl="1"/>
-            <a:r>
-              <a:rPr lang="en-US" smtClean="0"/>
-              <a:t>Second level</a:t>
-            </a:r>
-          </a:p>
-          <a:p>
-            <a:pPr lvl="2"/>
-            <a:r>
-              <a:rPr lang="en-US" smtClean="0"/>
-              <a:t>Third level</a:t>
-            </a:r>
-          </a:p>
-          <a:p>
-            <a:pPr lvl="3"/>
-            <a:r>
-              <a:rPr lang="en-US" smtClean="0"/>
-              <a:t>Fourth level</a:t>
-            </a:r>
-          </a:p>
-          <a:p>
-            <a:pPr lvl="4"/>
-            <a:r>
-              <a:rPr lang="en-US" smtClean="0"/>
-              <a:t>Fifth level</a:t>
-            </a:r>
-            <a:endParaRPr dirty="0"/>
-          </a:p>
-        </p:txBody>
-      </p:sp>
-      <p:sp>
-        <p:nvSpPr>
-          <p:cNvPr id="4" name="Date Placeholder 3"/>
-          <p:cNvSpPr>
-            <a:spLocks noGrp="1"/>
-          </p:cNvSpPr>
-          <p:nvPr>
-            <p:ph type="dt" sz="half" idx="10"/>
-          </p:nvPr>
-        </p:nvSpPr>
-        <p:spPr/>
-        <p:txBody>
-          <a:bodyPr/>
-          <a:lstStyle/>
-          <a:p>
-            <a:fld id="{666E228C-94BA-DA41-8B99-18FCF1662A93}" type="datetimeFigureOut">
-              <a:rPr lang="en-US" smtClean="0"/>
-              <a:t>2/5/13</a:t>
-            </a:fld>
-            <a:endParaRPr lang="en-US"/>
-          </a:p>
-        </p:txBody>
-      </p:sp>
-      <p:sp>
-        <p:nvSpPr>
-          <p:cNvPr id="5" name="Footer Placeholder 4"/>
-          <p:cNvSpPr>
-            <a:spLocks noGrp="1"/>
-          </p:cNvSpPr>
-          <p:nvPr>
-            <p:ph type="ftr" sz="quarter" idx="11"/>
-          </p:nvPr>
-        </p:nvSpPr>
-        <p:spPr/>
-        <p:txBody>
-          <a:bodyPr/>
-          <a:lstStyle/>
-          <a:p>
-            <a:endParaRPr lang="en-US"/>
-          </a:p>
-        </p:txBody>
-      </p:sp>
-      <p:sp>
-        <p:nvSpPr>
-          <p:cNvPr id="6" name="Slide Number Placeholder 5"/>
-          <p:cNvSpPr>
-            <a:spLocks noGrp="1"/>
-          </p:cNvSpPr>
-          <p:nvPr>
-            <p:ph type="sldNum" sz="quarter" idx="12"/>
-          </p:nvPr>
-        </p:nvSpPr>
-        <p:spPr/>
-        <p:txBody>
-          <a:bodyPr/>
-          <a:lstStyle/>
-          <a:p>
-            <a:fld id="{D9B02067-8C2E-D243-9C04-ECAA31D5EA5A}" type="slidenum">
-              <a:rPr lang="en-US" smtClean="0"/>
-              <a:t>‹#›</a:t>
-            </a:fld>
-            <a:endParaRPr lang="en-US"/>
-          </a:p>
-        </p:txBody>
-      </p:sp>
-    </p:spTree>
-  </p:cSld>
-  <p:clrMapOvr>
-    <a:masterClrMapping/>
-  </p:clrMapOvr>
-</p:sldLayout>
-</file>
-
-<file path=ppt/slideLayouts/slideLayout3.xml><?xml version="1.0" encoding="utf-8"?>
-<p:sldLayout xmlns:a="http://schemas.openxmlformats.org/drawingml/2006/main" xmlns:r="http://schemas.openxmlformats.org/officeDocument/2006/relationships" xmlns:p="http://schemas.openxmlformats.org/presentationml/2006/main" preserve="1">
-  <p:cSld name="Title Slide with Picture">
-    <p:spTree>
-      <p:nvGrpSpPr>
-        <p:cNvPr id="1" name=""/>
-        <p:cNvGrpSpPr/>
-        <p:nvPr/>
-      </p:nvGrpSpPr>
-      <p:grpSpPr>
-        <a:xfrm>
-          <a:off x="0" y="0"/>
-          <a:ext cx="0" cy="0"/>
-          <a:chOff x="0" y="0"/>
-          <a:chExt cx="0" cy="0"/>
-        </a:xfrm>
-      </p:grpSpPr>
-      <p:sp>
-        <p:nvSpPr>
-          <p:cNvPr id="2" name="Title 1"/>
-          <p:cNvSpPr>
-            <a:spLocks noGrp="1"/>
-          </p:cNvSpPr>
-          <p:nvPr>
-            <p:ph type="ctrTitle"/>
-          </p:nvPr>
-        </p:nvSpPr>
-        <p:spPr>
-          <a:xfrm>
-            <a:off x="0" y="5025435"/>
-            <a:ext cx="8915400" cy="914400"/>
-          </a:xfrm>
-        </p:spPr>
-        <p:txBody>
-          <a:bodyPr/>
-          <a:lstStyle/>
-          <a:p>
-            <a:r>
-              <a:rPr lang="en-US" smtClean="0"/>
-              <a:t>Click to edit Master title style</a:t>
-            </a:r>
-            <a:endParaRPr/>
-          </a:p>
-        </p:txBody>
-      </p:sp>
-      <p:sp>
-        <p:nvSpPr>
-          <p:cNvPr id="3" name="Subtitle 2"/>
-          <p:cNvSpPr>
-            <a:spLocks noGrp="1"/>
-          </p:cNvSpPr>
-          <p:nvPr>
-            <p:ph type="subTitle" idx="1"/>
-          </p:nvPr>
-        </p:nvSpPr>
-        <p:spPr>
-          <a:xfrm>
-            <a:off x="914400" y="5943600"/>
-            <a:ext cx="8001000" cy="914400"/>
-          </a:xfrm>
-          <a:solidFill>
-            <a:schemeClr val="bg2">
-              <a:lumMod val="40000"/>
-              <a:lumOff val="60000"/>
-            </a:schemeClr>
-          </a:solidFill>
-          <a:ln>
-            <a:noFill/>
-          </a:ln>
-        </p:spPr>
-        <p:style>
-          <a:lnRef idx="2">
-            <a:schemeClr val="accent1">
-              <a:shade val="50000"/>
-            </a:schemeClr>
-          </a:lnRef>
-          <a:fillRef idx="1">
-            <a:schemeClr val="accent1"/>
-          </a:fillRef>
-          <a:effectRef idx="0">
-            <a:schemeClr val="accent1"/>
-          </a:effectRef>
-          <a:fontRef idx="minor">
-            <a:schemeClr val="lt1"/>
-          </a:fontRef>
-        </p:style>
-        <p:txBody>
-          <a:bodyPr lIns="292608" tIns="91440" rIns="274320" bIns="91440" rtlCol="0" anchor="t" anchorCtr="0"/>
-          <a:lstStyle>
-            <a:lvl1pPr marL="0" indent="0" algn="l" defTabSz="914400" rtl="0" eaLnBrk="1" latinLnBrk="0" hangingPunct="1">
-              <a:spcBef>
-                <a:spcPts val="300"/>
-              </a:spcBef>
-              <a:buNone/>
-              <a:defRPr sz="1800" kern="1200">
-                <a:solidFill>
-                  <a:schemeClr val="tx1">
-                    <a:lumMod val="65000"/>
-                    <a:lumOff val="35000"/>
-                  </a:schemeClr>
-                </a:solidFill>
-                <a:latin typeface="+mn-lt"/>
-                <a:ea typeface="+mn-ea"/>
-                <a:cs typeface="+mn-cs"/>
-              </a:defRPr>
-            </a:lvl1pPr>
-            <a:lvl2pPr marL="457200" indent="0" algn="ctr">
-              <a:buNone/>
-              <a:defRPr>
-                <a:solidFill>
-                  <a:schemeClr val="tx1">
-                    <a:tint val="75000"/>
-                  </a:schemeClr>
-                </a:solidFill>
-              </a:defRPr>
-            </a:lvl2pPr>
-            <a:lvl3pPr marL="914400" indent="0" algn="ctr">
-              <a:buNone/>
-              <a:defRPr>
-                <a:solidFill>
-                  <a:schemeClr val="tx1">
-                    <a:tint val="75000"/>
-                  </a:schemeClr>
-                </a:solidFill>
-              </a:defRPr>
-            </a:lvl3pPr>
-            <a:lvl4pPr marL="1371600" indent="0" algn="ctr">
-              <a:buNone/>
-              <a:defRPr>
-                <a:solidFill>
-                  <a:schemeClr val="tx1">
-                    <a:tint val="75000"/>
-                  </a:schemeClr>
-                </a:solidFill>
-              </a:defRPr>
-            </a:lvl4pPr>
-            <a:lvl5pPr marL="1828800" indent="0" algn="ctr">
-              <a:buNone/>
-              <a:defRPr>
-                <a:solidFill>
-                  <a:schemeClr val="tx1">
-                    <a:tint val="75000"/>
-                  </a:schemeClr>
-                </a:solidFill>
-              </a:defRPr>
-            </a:lvl5pPr>
-            <a:lvl6pPr marL="2286000" indent="0" algn="ctr">
-              <a:buNone/>
-              <a:defRPr>
-                <a:solidFill>
-                  <a:schemeClr val="tx1">
-                    <a:tint val="75000"/>
-                  </a:schemeClr>
-                </a:solidFill>
-              </a:defRPr>
-            </a:lvl6pPr>
-            <a:lvl7pPr marL="2743200" indent="0" algn="ctr">
-              <a:buNone/>
-              <a:defRPr>
-                <a:solidFill>
-                  <a:schemeClr val="tx1">
-                    <a:tint val="75000"/>
-                  </a:schemeClr>
-                </a:solidFill>
-              </a:defRPr>
-            </a:lvl7pPr>
-            <a:lvl8pPr marL="3200400" indent="0" algn="ctr">
-              <a:buNone/>
-              <a:defRPr>
-                <a:solidFill>
-                  <a:schemeClr val="tx1">
-                    <a:tint val="75000"/>
-                  </a:schemeClr>
-                </a:solidFill>
-              </a:defRPr>
-            </a:lvl8pPr>
-            <a:lvl9pPr marL="3657600" indent="0" algn="ctr">
-              <a:buNone/>
-              <a:defRPr>
-                <a:solidFill>
-                  <a:schemeClr val="tx1">
-                    <a:tint val="75000"/>
-                  </a:schemeClr>
-                </a:solidFill>
-              </a:defRPr>
-            </a:lvl9pPr>
-          </a:lstStyle>
-          <a:p>
-            <a:r>
-              <a:rPr lang="en-US" smtClean="0"/>
-              <a:t>Click to edit Master subtitle style</a:t>
-            </a:r>
-            <a:endParaRPr dirty="0"/>
-          </a:p>
-        </p:txBody>
-      </p:sp>
-      <p:sp>
-        <p:nvSpPr>
-          <p:cNvPr id="4" name="Date Placeholder 3"/>
-          <p:cNvSpPr>
-            <a:spLocks noGrp="1"/>
-          </p:cNvSpPr>
-          <p:nvPr>
-            <p:ph type="dt" sz="half" idx="10"/>
-          </p:nvPr>
-        </p:nvSpPr>
-        <p:spPr/>
-        <p:txBody>
-          <a:bodyPr/>
-          <a:lstStyle/>
-          <a:p>
-            <a:fld id="{666E228C-94BA-DA41-8B99-18FCF1662A93}" type="datetimeFigureOut">
-              <a:rPr lang="en-US" smtClean="0"/>
-              <a:t>2/5/13</a:t>
-            </a:fld>
-            <a:endParaRPr lang="en-US"/>
-          </a:p>
-        </p:txBody>
-      </p:sp>
-      <p:sp>
-        <p:nvSpPr>
-          <p:cNvPr id="5" name="Footer Placeholder 4"/>
-          <p:cNvSpPr>
-            <a:spLocks noGrp="1"/>
-          </p:cNvSpPr>
-          <p:nvPr>
-            <p:ph type="ftr" sz="quarter" idx="11"/>
-          </p:nvPr>
-        </p:nvSpPr>
-        <p:spPr/>
-        <p:txBody>
-          <a:bodyPr/>
-          <a:lstStyle/>
-          <a:p>
-            <a:endParaRPr lang="en-US"/>
-          </a:p>
-        </p:txBody>
-      </p:sp>
-      <p:sp>
-        <p:nvSpPr>
-          <p:cNvPr id="9" name="Picture Placeholder 8"/>
-          <p:cNvSpPr>
-            <a:spLocks noGrp="1"/>
-          </p:cNvSpPr>
-          <p:nvPr>
-            <p:ph type="pic" sz="quarter" idx="13"/>
-          </p:nvPr>
-        </p:nvSpPr>
-        <p:spPr>
-          <a:xfrm>
-            <a:off x="927100" y="1129553"/>
-            <a:ext cx="7988300" cy="3886200"/>
-          </a:xfrm>
-        </p:spPr>
-        <p:txBody>
-          <a:bodyPr>
-            <a:normAutofit/>
-          </a:bodyPr>
-          <a:lstStyle>
-            <a:lvl1pPr marL="0" indent="0">
-              <a:buNone/>
-              <a:defRPr sz="1800"/>
-            </a:lvl1pPr>
-          </a:lstStyle>
-          <a:p>
-            <a:r>
-              <a:rPr lang="en-US" smtClean="0"/>
-              <a:t>Drag picture to placeholder or click icon to add</a:t>
-            </a:r>
-            <a:endParaRPr/>
-          </a:p>
-        </p:txBody>
-      </p:sp>
-    </p:spTree>
-  </p:cSld>
-  <p:clrMapOvr>
-    <a:masterClrMapping/>
-  </p:clrMapOvr>
-</p:sldLayout>
-</file>
-
-<file path=ppt/slideLayouts/slideLayout4.xml><?xml version="1.0" encoding="utf-8"?>
-<p:sldLayout xmlns:a="http://schemas.openxmlformats.org/drawingml/2006/main" xmlns:r="http://schemas.openxmlformats.org/officeDocument/2006/relationships" xmlns:p="http://schemas.openxmlformats.org/presentationml/2006/main" type="secHead" preserve="1">
-  <p:cSld name="Section Header">
-    <p:spTree>
-      <p:nvGrpSpPr>
-        <p:cNvPr id="1" name=""/>
-        <p:cNvGrpSpPr/>
-        <p:nvPr/>
-      </p:nvGrpSpPr>
-      <p:grpSpPr>
-        <a:xfrm>
-          <a:off x="0" y="0"/>
-          <a:ext cx="0" cy="0"/>
-          <a:chOff x="0" y="0"/>
-          <a:chExt cx="0" cy="0"/>
-        </a:xfrm>
-      </p:grpSpPr>
-      <p:sp>
-        <p:nvSpPr>
-          <p:cNvPr id="2" name="Title 1"/>
-          <p:cNvSpPr>
-            <a:spLocks noGrp="1"/>
-          </p:cNvSpPr>
-          <p:nvPr>
-            <p:ph type="title"/>
-          </p:nvPr>
-        </p:nvSpPr>
-        <p:spPr>
-          <a:xfrm>
-            <a:off x="0" y="3200399"/>
-            <a:ext cx="8915400" cy="2286000"/>
-          </a:xfrm>
-          <a:solidFill>
-            <a:schemeClr val="tx2"/>
-          </a:solidFill>
-        </p:spPr>
-        <p:txBody>
-          <a:bodyPr vert="horz" lIns="1188720" tIns="45720" rIns="274320" bIns="45720" rtlCol="0" anchor="b" anchorCtr="0">
-            <a:normAutofit/>
-          </a:bodyPr>
-          <a:lstStyle>
-            <a:lvl1pPr marL="0" indent="0" algn="l" defTabSz="914400" rtl="0" eaLnBrk="1" latinLnBrk="0" hangingPunct="1">
-              <a:spcBef>
-                <a:spcPct val="0"/>
-              </a:spcBef>
-              <a:buNone/>
-              <a:defRPr sz="3600" kern="1200">
-                <a:solidFill>
-                  <a:schemeClr val="bg1"/>
-                </a:solidFill>
-                <a:latin typeface="+mj-lt"/>
-                <a:ea typeface="+mj-ea"/>
-                <a:cs typeface="+mj-cs"/>
-              </a:defRPr>
-            </a:lvl1pPr>
-          </a:lstStyle>
-          <a:p>
-            <a:r>
-              <a:rPr lang="en-US" smtClean="0"/>
-              <a:t>Click to edit Master title style</a:t>
-            </a:r>
-            <a:endParaRPr/>
+            <a:endParaRPr lang="en-US" dirty="0"/>
           </a:p>
         </p:txBody>
       </p:sp>
@@ -6749,59 +5309,24 @@
         </p:nvSpPr>
         <p:spPr>
           <a:xfrm>
-            <a:off x="914400" y="5484607"/>
-            <a:ext cx="8001000" cy="777240"/>
+            <a:off x="609600" y="4470400"/>
+            <a:ext cx="6347714" cy="1570962"/>
           </a:xfrm>
-          <a:solidFill>
-            <a:schemeClr val="bg2">
-              <a:lumMod val="40000"/>
-              <a:lumOff val="60000"/>
-            </a:schemeClr>
-          </a:solidFill>
-          <a:ln>
-            <a:noFill/>
-          </a:ln>
         </p:spPr>
-        <p:style>
-          <a:lnRef idx="2">
-            <a:schemeClr val="accent1">
-              <a:shade val="50000"/>
-            </a:schemeClr>
-          </a:lnRef>
-          <a:fillRef idx="1">
-            <a:schemeClr val="accent1"/>
-          </a:fillRef>
-          <a:effectRef idx="0">
-            <a:schemeClr val="accent1"/>
-          </a:effectRef>
-          <a:fontRef idx="minor">
-            <a:schemeClr val="lt1"/>
-          </a:fontRef>
-        </p:style>
-        <p:txBody>
-          <a:bodyPr vert="horz" lIns="292608" tIns="91440" rIns="274320" bIns="91440" rtlCol="0" anchor="ctr" anchorCtr="0">
+        <p:txBody>
+          <a:bodyPr anchor="ctr">
             <a:normAutofit/>
           </a:bodyPr>
           <a:lstStyle>
-            <a:lvl1pPr marL="0" indent="0" algn="l" defTabSz="914400" rtl="0" eaLnBrk="1" latinLnBrk="0" hangingPunct="1">
-              <a:spcBef>
-                <a:spcPts val="300"/>
-              </a:spcBef>
-              <a:buClr>
-                <a:schemeClr val="accent1"/>
-              </a:buClr>
-              <a:buFont typeface="Wingdings 2" pitchFamily="18" charset="2"/>
+            <a:lvl1pPr marL="0" indent="0" algn="l">
               <a:buNone/>
-              <a:defRPr sz="1800" kern="1200">
+              <a:defRPr sz="1800">
                 <a:solidFill>
                   <a:schemeClr val="tx1">
-                    <a:lumMod val="65000"/>
-                    <a:lumOff val="35000"/>
+                    <a:lumMod val="75000"/>
+                    <a:lumOff val="25000"/>
                   </a:schemeClr>
                 </a:solidFill>
-                <a:latin typeface="+mn-lt"/>
-                <a:ea typeface="+mn-ea"/>
-                <a:cs typeface="+mn-cs"/>
               </a:defRPr>
             </a:lvl1pPr>
             <a:lvl2pPr marL="457200" indent="0">
@@ -6911,7 +5436,7 @@
           <a:p>
             <a:fld id="{666E228C-94BA-DA41-8B99-18FCF1662A93}" type="datetimeFigureOut">
               <a:rPr lang="en-US" smtClean="0"/>
-              <a:t>2/5/13</a:t>
+              <a:t>9/18/17</a:t>
             </a:fld>
             <a:endParaRPr lang="en-US"/>
           </a:p>
@@ -6967,7 +5492,2094 @@
 </p:sldLayout>
 </file>
 
-<file path=ppt/slideLayouts/slideLayout5.xml><?xml version="1.0" encoding="utf-8"?>
+<file path=ppt/slideLayouts/slideLayout11.xml><?xml version="1.0" encoding="utf-8"?>
+<p:sldLayout xmlns:a="http://schemas.openxmlformats.org/drawingml/2006/main" xmlns:r="http://schemas.openxmlformats.org/officeDocument/2006/relationships" xmlns:p="http://schemas.openxmlformats.org/presentationml/2006/main" preserve="1">
+  <p:cSld name="Quote with Caption">
+    <p:spTree>
+      <p:nvGrpSpPr>
+        <p:cNvPr id="1" name=""/>
+        <p:cNvGrpSpPr/>
+        <p:nvPr/>
+      </p:nvGrpSpPr>
+      <p:grpSpPr>
+        <a:xfrm>
+          <a:off x="0" y="0"/>
+          <a:ext cx="0" cy="0"/>
+          <a:chOff x="0" y="0"/>
+          <a:chExt cx="0" cy="0"/>
+        </a:xfrm>
+      </p:grpSpPr>
+      <p:sp>
+        <p:nvSpPr>
+          <p:cNvPr id="2" name="Title 1"/>
+          <p:cNvSpPr>
+            <a:spLocks noGrp="1"/>
+          </p:cNvSpPr>
+          <p:nvPr>
+            <p:ph type="title"/>
+          </p:nvPr>
+        </p:nvSpPr>
+        <p:spPr>
+          <a:xfrm>
+            <a:off x="774885" y="609600"/>
+            <a:ext cx="6072182" cy="3022600"/>
+          </a:xfrm>
+        </p:spPr>
+        <p:txBody>
+          <a:bodyPr anchor="ctr">
+            <a:normAutofit/>
+          </a:bodyPr>
+          <a:lstStyle>
+            <a:lvl1pPr algn="l">
+              <a:defRPr sz="4400" b="0" cap="none"/>
+            </a:lvl1pPr>
+          </a:lstStyle>
+          <a:p>
+            <a:r>
+              <a:rPr lang="en-US" smtClean="0"/>
+              <a:t>Click to edit Master title style</a:t>
+            </a:r>
+            <a:endParaRPr lang="en-US" dirty="0"/>
+          </a:p>
+        </p:txBody>
+      </p:sp>
+      <p:sp>
+        <p:nvSpPr>
+          <p:cNvPr id="23" name="Text Placeholder 9"/>
+          <p:cNvSpPr>
+            <a:spLocks noGrp="1"/>
+          </p:cNvSpPr>
+          <p:nvPr>
+            <p:ph type="body" sz="quarter" idx="13"/>
+          </p:nvPr>
+        </p:nvSpPr>
+        <p:spPr>
+          <a:xfrm>
+            <a:off x="1101074" y="3632200"/>
+            <a:ext cx="5419804" cy="381000"/>
+          </a:xfrm>
+        </p:spPr>
+        <p:txBody>
+          <a:bodyPr anchor="ctr">
+            <a:noAutofit/>
+          </a:bodyPr>
+          <a:lstStyle>
+            <a:lvl1pPr marL="0" indent="0">
+              <a:buFontTx/>
+              <a:buNone/>
+              <a:defRPr sz="1600">
+                <a:solidFill>
+                  <a:schemeClr val="tx1">
+                    <a:lumMod val="50000"/>
+                    <a:lumOff val="50000"/>
+                  </a:schemeClr>
+                </a:solidFill>
+              </a:defRPr>
+            </a:lvl1pPr>
+            <a:lvl2pPr marL="457200" indent="0">
+              <a:buFontTx/>
+              <a:buNone/>
+              <a:defRPr/>
+            </a:lvl2pPr>
+            <a:lvl3pPr marL="914400" indent="0">
+              <a:buFontTx/>
+              <a:buNone/>
+              <a:defRPr/>
+            </a:lvl3pPr>
+            <a:lvl4pPr marL="1371600" indent="0">
+              <a:buFontTx/>
+              <a:buNone/>
+              <a:defRPr/>
+            </a:lvl4pPr>
+            <a:lvl5pPr marL="1828800" indent="0">
+              <a:buFontTx/>
+              <a:buNone/>
+              <a:defRPr/>
+            </a:lvl5pPr>
+          </a:lstStyle>
+          <a:p>
+            <a:pPr lvl="0"/>
+            <a:r>
+              <a:rPr lang="en-US" smtClean="0"/>
+              <a:t>Click to edit Master text styles</a:t>
+            </a:r>
+          </a:p>
+        </p:txBody>
+      </p:sp>
+      <p:sp>
+        <p:nvSpPr>
+          <p:cNvPr id="3" name="Text Placeholder 2"/>
+          <p:cNvSpPr>
+            <a:spLocks noGrp="1"/>
+          </p:cNvSpPr>
+          <p:nvPr>
+            <p:ph type="body" idx="1"/>
+          </p:nvPr>
+        </p:nvSpPr>
+        <p:spPr>
+          <a:xfrm>
+            <a:off x="609598" y="4470400"/>
+            <a:ext cx="6347715" cy="1570962"/>
+          </a:xfrm>
+        </p:spPr>
+        <p:txBody>
+          <a:bodyPr anchor="ctr">
+            <a:normAutofit/>
+          </a:bodyPr>
+          <a:lstStyle>
+            <a:lvl1pPr marL="0" indent="0" algn="l">
+              <a:buNone/>
+              <a:defRPr sz="1800">
+                <a:solidFill>
+                  <a:schemeClr val="tx1">
+                    <a:lumMod val="75000"/>
+                    <a:lumOff val="25000"/>
+                  </a:schemeClr>
+                </a:solidFill>
+              </a:defRPr>
+            </a:lvl1pPr>
+            <a:lvl2pPr marL="457200" indent="0">
+              <a:buNone/>
+              <a:defRPr sz="1800">
+                <a:solidFill>
+                  <a:schemeClr val="tx1">
+                    <a:tint val="75000"/>
+                  </a:schemeClr>
+                </a:solidFill>
+              </a:defRPr>
+            </a:lvl2pPr>
+            <a:lvl3pPr marL="914400" indent="0">
+              <a:buNone/>
+              <a:defRPr sz="1600">
+                <a:solidFill>
+                  <a:schemeClr val="tx1">
+                    <a:tint val="75000"/>
+                  </a:schemeClr>
+                </a:solidFill>
+              </a:defRPr>
+            </a:lvl3pPr>
+            <a:lvl4pPr marL="1371600" indent="0">
+              <a:buNone/>
+              <a:defRPr sz="1400">
+                <a:solidFill>
+                  <a:schemeClr val="tx1">
+                    <a:tint val="75000"/>
+                  </a:schemeClr>
+                </a:solidFill>
+              </a:defRPr>
+            </a:lvl4pPr>
+            <a:lvl5pPr marL="1828800" indent="0">
+              <a:buNone/>
+              <a:defRPr sz="1400">
+                <a:solidFill>
+                  <a:schemeClr val="tx1">
+                    <a:tint val="75000"/>
+                  </a:schemeClr>
+                </a:solidFill>
+              </a:defRPr>
+            </a:lvl5pPr>
+            <a:lvl6pPr marL="2286000" indent="0">
+              <a:buNone/>
+              <a:defRPr sz="1400">
+                <a:solidFill>
+                  <a:schemeClr val="tx1">
+                    <a:tint val="75000"/>
+                  </a:schemeClr>
+                </a:solidFill>
+              </a:defRPr>
+            </a:lvl6pPr>
+            <a:lvl7pPr marL="2743200" indent="0">
+              <a:buNone/>
+              <a:defRPr sz="1400">
+                <a:solidFill>
+                  <a:schemeClr val="tx1">
+                    <a:tint val="75000"/>
+                  </a:schemeClr>
+                </a:solidFill>
+              </a:defRPr>
+            </a:lvl7pPr>
+            <a:lvl8pPr marL="3200400" indent="0">
+              <a:buNone/>
+              <a:defRPr sz="1400">
+                <a:solidFill>
+                  <a:schemeClr val="tx1">
+                    <a:tint val="75000"/>
+                  </a:schemeClr>
+                </a:solidFill>
+              </a:defRPr>
+            </a:lvl8pPr>
+            <a:lvl9pPr marL="3657600" indent="0">
+              <a:buNone/>
+              <a:defRPr sz="1400">
+                <a:solidFill>
+                  <a:schemeClr val="tx1">
+                    <a:tint val="75000"/>
+                  </a:schemeClr>
+                </a:solidFill>
+              </a:defRPr>
+            </a:lvl9pPr>
+          </a:lstStyle>
+          <a:p>
+            <a:pPr lvl="0"/>
+            <a:r>
+              <a:rPr lang="en-US" smtClean="0"/>
+              <a:t>Click to edit Master text styles</a:t>
+            </a:r>
+          </a:p>
+        </p:txBody>
+      </p:sp>
+      <p:sp>
+        <p:nvSpPr>
+          <p:cNvPr id="4" name="Date Placeholder 3"/>
+          <p:cNvSpPr>
+            <a:spLocks noGrp="1"/>
+          </p:cNvSpPr>
+          <p:nvPr>
+            <p:ph type="dt" sz="half" idx="10"/>
+          </p:nvPr>
+        </p:nvSpPr>
+        <p:spPr/>
+        <p:txBody>
+          <a:bodyPr/>
+          <a:lstStyle/>
+          <a:p>
+            <a:fld id="{666E228C-94BA-DA41-8B99-18FCF1662A93}" type="datetimeFigureOut">
+              <a:rPr lang="en-US" smtClean="0"/>
+              <a:t>9/18/17</a:t>
+            </a:fld>
+            <a:endParaRPr lang="en-US"/>
+          </a:p>
+        </p:txBody>
+      </p:sp>
+      <p:sp>
+        <p:nvSpPr>
+          <p:cNvPr id="5" name="Footer Placeholder 4"/>
+          <p:cNvSpPr>
+            <a:spLocks noGrp="1"/>
+          </p:cNvSpPr>
+          <p:nvPr>
+            <p:ph type="ftr" sz="quarter" idx="11"/>
+          </p:nvPr>
+        </p:nvSpPr>
+        <p:spPr/>
+        <p:txBody>
+          <a:bodyPr/>
+          <a:lstStyle/>
+          <a:p>
+            <a:endParaRPr lang="en-US"/>
+          </a:p>
+        </p:txBody>
+      </p:sp>
+      <p:sp>
+        <p:nvSpPr>
+          <p:cNvPr id="6" name="Slide Number Placeholder 5"/>
+          <p:cNvSpPr>
+            <a:spLocks noGrp="1"/>
+          </p:cNvSpPr>
+          <p:nvPr>
+            <p:ph type="sldNum" sz="quarter" idx="12"/>
+          </p:nvPr>
+        </p:nvSpPr>
+        <p:spPr/>
+        <p:txBody>
+          <a:bodyPr/>
+          <a:lstStyle/>
+          <a:p>
+            <a:fld id="{D9B02067-8C2E-D243-9C04-ECAA31D5EA5A}" type="slidenum">
+              <a:rPr lang="en-US" smtClean="0"/>
+              <a:t>‹#›</a:t>
+            </a:fld>
+            <a:endParaRPr lang="en-US"/>
+          </a:p>
+        </p:txBody>
+      </p:sp>
+      <p:sp>
+        <p:nvSpPr>
+          <p:cNvPr id="24" name="TextBox 23"/>
+          <p:cNvSpPr txBox="1"/>
+          <p:nvPr/>
+        </p:nvSpPr>
+        <p:spPr>
+          <a:xfrm>
+            <a:off x="482711" y="790378"/>
+            <a:ext cx="457319" cy="584776"/>
+          </a:xfrm>
+          <a:prstGeom prst="rect">
+            <a:avLst/>
+          </a:prstGeom>
+        </p:spPr>
+        <p:txBody>
+          <a:bodyPr vert="horz" lIns="91440" tIns="45720" rIns="91440" bIns="45720" rtlCol="0" anchor="ctr">
+            <a:noAutofit/>
+          </a:bodyPr>
+          <a:lstStyle/>
+          <a:p>
+            <a:pPr lvl="0"/>
+            <a:r>
+              <a:rPr lang="en-US" sz="8000" baseline="0" dirty="0">
+                <a:ln w="3175" cmpd="sng">
+                  <a:noFill/>
+                </a:ln>
+                <a:solidFill>
+                  <a:schemeClr val="accent1">
+                    <a:lumMod val="60000"/>
+                    <a:lumOff val="40000"/>
+                  </a:schemeClr>
+                </a:solidFill>
+                <a:effectLst/>
+                <a:latin typeface="Arial"/>
+              </a:rPr>
+              <a:t>“</a:t>
+            </a:r>
+          </a:p>
+        </p:txBody>
+      </p:sp>
+      <p:sp>
+        <p:nvSpPr>
+          <p:cNvPr id="25" name="TextBox 24"/>
+          <p:cNvSpPr txBox="1"/>
+          <p:nvPr/>
+        </p:nvSpPr>
+        <p:spPr>
+          <a:xfrm>
+            <a:off x="6747699" y="2886556"/>
+            <a:ext cx="457319" cy="584776"/>
+          </a:xfrm>
+          <a:prstGeom prst="rect">
+            <a:avLst/>
+          </a:prstGeom>
+        </p:spPr>
+        <p:txBody>
+          <a:bodyPr vert="horz" lIns="91440" tIns="45720" rIns="91440" bIns="45720" rtlCol="0" anchor="ctr">
+            <a:noAutofit/>
+          </a:bodyPr>
+          <a:lstStyle/>
+          <a:p>
+            <a:pPr lvl="0"/>
+            <a:r>
+              <a:rPr lang="en-US" sz="8000" baseline="0" dirty="0">
+                <a:ln w="3175" cmpd="sng">
+                  <a:noFill/>
+                </a:ln>
+                <a:solidFill>
+                  <a:schemeClr val="accent1">
+                    <a:lumMod val="60000"/>
+                    <a:lumOff val="40000"/>
+                  </a:schemeClr>
+                </a:solidFill>
+                <a:effectLst/>
+                <a:latin typeface="Arial"/>
+              </a:rPr>
+              <a:t>”</a:t>
+            </a:r>
+          </a:p>
+        </p:txBody>
+      </p:sp>
+    </p:spTree>
+  </p:cSld>
+  <p:clrMapOvr>
+    <a:masterClrMapping/>
+  </p:clrMapOvr>
+</p:sldLayout>
+</file>
+
+<file path=ppt/slideLayouts/slideLayout12.xml><?xml version="1.0" encoding="utf-8"?>
+<p:sldLayout xmlns:a="http://schemas.openxmlformats.org/drawingml/2006/main" xmlns:r="http://schemas.openxmlformats.org/officeDocument/2006/relationships" xmlns:p="http://schemas.openxmlformats.org/presentationml/2006/main" preserve="1">
+  <p:cSld name="Name Card">
+    <p:spTree>
+      <p:nvGrpSpPr>
+        <p:cNvPr id="1" name=""/>
+        <p:cNvGrpSpPr/>
+        <p:nvPr/>
+      </p:nvGrpSpPr>
+      <p:grpSpPr>
+        <a:xfrm>
+          <a:off x="0" y="0"/>
+          <a:ext cx="0" cy="0"/>
+          <a:chOff x="0" y="0"/>
+          <a:chExt cx="0" cy="0"/>
+        </a:xfrm>
+      </p:grpSpPr>
+      <p:sp>
+        <p:nvSpPr>
+          <p:cNvPr id="2" name="Title 1"/>
+          <p:cNvSpPr>
+            <a:spLocks noGrp="1"/>
+          </p:cNvSpPr>
+          <p:nvPr>
+            <p:ph type="title"/>
+          </p:nvPr>
+        </p:nvSpPr>
+        <p:spPr>
+          <a:xfrm>
+            <a:off x="609598" y="1931988"/>
+            <a:ext cx="6347715" cy="2595460"/>
+          </a:xfrm>
+        </p:spPr>
+        <p:txBody>
+          <a:bodyPr anchor="b">
+            <a:normAutofit/>
+          </a:bodyPr>
+          <a:lstStyle>
+            <a:lvl1pPr algn="l">
+              <a:defRPr sz="4400" b="0" cap="none"/>
+            </a:lvl1pPr>
+          </a:lstStyle>
+          <a:p>
+            <a:r>
+              <a:rPr lang="en-US" smtClean="0"/>
+              <a:t>Click to edit Master title style</a:t>
+            </a:r>
+            <a:endParaRPr lang="en-US" dirty="0"/>
+          </a:p>
+        </p:txBody>
+      </p:sp>
+      <p:sp>
+        <p:nvSpPr>
+          <p:cNvPr id="3" name="Text Placeholder 2"/>
+          <p:cNvSpPr>
+            <a:spLocks noGrp="1"/>
+          </p:cNvSpPr>
+          <p:nvPr>
+            <p:ph type="body" idx="1"/>
+          </p:nvPr>
+        </p:nvSpPr>
+        <p:spPr>
+          <a:xfrm>
+            <a:off x="609598" y="4527448"/>
+            <a:ext cx="6347715" cy="1513914"/>
+          </a:xfrm>
+        </p:spPr>
+        <p:txBody>
+          <a:bodyPr anchor="t">
+            <a:normAutofit/>
+          </a:bodyPr>
+          <a:lstStyle>
+            <a:lvl1pPr marL="0" indent="0" algn="l">
+              <a:buNone/>
+              <a:defRPr sz="1800">
+                <a:solidFill>
+                  <a:schemeClr val="tx1">
+                    <a:lumMod val="75000"/>
+                    <a:lumOff val="25000"/>
+                  </a:schemeClr>
+                </a:solidFill>
+              </a:defRPr>
+            </a:lvl1pPr>
+            <a:lvl2pPr marL="457200" indent="0">
+              <a:buNone/>
+              <a:defRPr sz="1800">
+                <a:solidFill>
+                  <a:schemeClr val="tx1">
+                    <a:tint val="75000"/>
+                  </a:schemeClr>
+                </a:solidFill>
+              </a:defRPr>
+            </a:lvl2pPr>
+            <a:lvl3pPr marL="914400" indent="0">
+              <a:buNone/>
+              <a:defRPr sz="1600">
+                <a:solidFill>
+                  <a:schemeClr val="tx1">
+                    <a:tint val="75000"/>
+                  </a:schemeClr>
+                </a:solidFill>
+              </a:defRPr>
+            </a:lvl3pPr>
+            <a:lvl4pPr marL="1371600" indent="0">
+              <a:buNone/>
+              <a:defRPr sz="1400">
+                <a:solidFill>
+                  <a:schemeClr val="tx1">
+                    <a:tint val="75000"/>
+                  </a:schemeClr>
+                </a:solidFill>
+              </a:defRPr>
+            </a:lvl4pPr>
+            <a:lvl5pPr marL="1828800" indent="0">
+              <a:buNone/>
+              <a:defRPr sz="1400">
+                <a:solidFill>
+                  <a:schemeClr val="tx1">
+                    <a:tint val="75000"/>
+                  </a:schemeClr>
+                </a:solidFill>
+              </a:defRPr>
+            </a:lvl5pPr>
+            <a:lvl6pPr marL="2286000" indent="0">
+              <a:buNone/>
+              <a:defRPr sz="1400">
+                <a:solidFill>
+                  <a:schemeClr val="tx1">
+                    <a:tint val="75000"/>
+                  </a:schemeClr>
+                </a:solidFill>
+              </a:defRPr>
+            </a:lvl6pPr>
+            <a:lvl7pPr marL="2743200" indent="0">
+              <a:buNone/>
+              <a:defRPr sz="1400">
+                <a:solidFill>
+                  <a:schemeClr val="tx1">
+                    <a:tint val="75000"/>
+                  </a:schemeClr>
+                </a:solidFill>
+              </a:defRPr>
+            </a:lvl7pPr>
+            <a:lvl8pPr marL="3200400" indent="0">
+              <a:buNone/>
+              <a:defRPr sz="1400">
+                <a:solidFill>
+                  <a:schemeClr val="tx1">
+                    <a:tint val="75000"/>
+                  </a:schemeClr>
+                </a:solidFill>
+              </a:defRPr>
+            </a:lvl8pPr>
+            <a:lvl9pPr marL="3657600" indent="0">
+              <a:buNone/>
+              <a:defRPr sz="1400">
+                <a:solidFill>
+                  <a:schemeClr val="tx1">
+                    <a:tint val="75000"/>
+                  </a:schemeClr>
+                </a:solidFill>
+              </a:defRPr>
+            </a:lvl9pPr>
+          </a:lstStyle>
+          <a:p>
+            <a:pPr lvl="0"/>
+            <a:r>
+              <a:rPr lang="en-US" smtClean="0"/>
+              <a:t>Click to edit Master text styles</a:t>
+            </a:r>
+          </a:p>
+        </p:txBody>
+      </p:sp>
+      <p:sp>
+        <p:nvSpPr>
+          <p:cNvPr id="4" name="Date Placeholder 3"/>
+          <p:cNvSpPr>
+            <a:spLocks noGrp="1"/>
+          </p:cNvSpPr>
+          <p:nvPr>
+            <p:ph type="dt" sz="half" idx="10"/>
+          </p:nvPr>
+        </p:nvSpPr>
+        <p:spPr/>
+        <p:txBody>
+          <a:bodyPr/>
+          <a:lstStyle/>
+          <a:p>
+            <a:fld id="{666E228C-94BA-DA41-8B99-18FCF1662A93}" type="datetimeFigureOut">
+              <a:rPr lang="en-US" smtClean="0"/>
+              <a:t>9/18/17</a:t>
+            </a:fld>
+            <a:endParaRPr lang="en-US"/>
+          </a:p>
+        </p:txBody>
+      </p:sp>
+      <p:sp>
+        <p:nvSpPr>
+          <p:cNvPr id="5" name="Footer Placeholder 4"/>
+          <p:cNvSpPr>
+            <a:spLocks noGrp="1"/>
+          </p:cNvSpPr>
+          <p:nvPr>
+            <p:ph type="ftr" sz="quarter" idx="11"/>
+          </p:nvPr>
+        </p:nvSpPr>
+        <p:spPr/>
+        <p:txBody>
+          <a:bodyPr/>
+          <a:lstStyle/>
+          <a:p>
+            <a:endParaRPr lang="en-US"/>
+          </a:p>
+        </p:txBody>
+      </p:sp>
+      <p:sp>
+        <p:nvSpPr>
+          <p:cNvPr id="6" name="Slide Number Placeholder 5"/>
+          <p:cNvSpPr>
+            <a:spLocks noGrp="1"/>
+          </p:cNvSpPr>
+          <p:nvPr>
+            <p:ph type="sldNum" sz="quarter" idx="12"/>
+          </p:nvPr>
+        </p:nvSpPr>
+        <p:spPr/>
+        <p:txBody>
+          <a:bodyPr/>
+          <a:lstStyle/>
+          <a:p>
+            <a:fld id="{D9B02067-8C2E-D243-9C04-ECAA31D5EA5A}" type="slidenum">
+              <a:rPr lang="en-US" smtClean="0"/>
+              <a:t>‹#›</a:t>
+            </a:fld>
+            <a:endParaRPr lang="en-US"/>
+          </a:p>
+        </p:txBody>
+      </p:sp>
+    </p:spTree>
+  </p:cSld>
+  <p:clrMapOvr>
+    <a:masterClrMapping/>
+  </p:clrMapOvr>
+</p:sldLayout>
+</file>
+
+<file path=ppt/slideLayouts/slideLayout13.xml><?xml version="1.0" encoding="utf-8"?>
+<p:sldLayout xmlns:a="http://schemas.openxmlformats.org/drawingml/2006/main" xmlns:r="http://schemas.openxmlformats.org/officeDocument/2006/relationships" xmlns:p="http://schemas.openxmlformats.org/presentationml/2006/main" preserve="1">
+  <p:cSld name="Quote Name Card">
+    <p:spTree>
+      <p:nvGrpSpPr>
+        <p:cNvPr id="1" name=""/>
+        <p:cNvGrpSpPr/>
+        <p:nvPr/>
+      </p:nvGrpSpPr>
+      <p:grpSpPr>
+        <a:xfrm>
+          <a:off x="0" y="0"/>
+          <a:ext cx="0" cy="0"/>
+          <a:chOff x="0" y="0"/>
+          <a:chExt cx="0" cy="0"/>
+        </a:xfrm>
+      </p:grpSpPr>
+      <p:sp>
+        <p:nvSpPr>
+          <p:cNvPr id="2" name="Title 1"/>
+          <p:cNvSpPr>
+            <a:spLocks noGrp="1"/>
+          </p:cNvSpPr>
+          <p:nvPr>
+            <p:ph type="title"/>
+          </p:nvPr>
+        </p:nvSpPr>
+        <p:spPr>
+          <a:xfrm>
+            <a:off x="774885" y="609600"/>
+            <a:ext cx="6072182" cy="3022600"/>
+          </a:xfrm>
+        </p:spPr>
+        <p:txBody>
+          <a:bodyPr anchor="ctr">
+            <a:normAutofit/>
+          </a:bodyPr>
+          <a:lstStyle>
+            <a:lvl1pPr algn="l">
+              <a:defRPr sz="4400" b="0" cap="none"/>
+            </a:lvl1pPr>
+          </a:lstStyle>
+          <a:p>
+            <a:r>
+              <a:rPr lang="en-US" smtClean="0"/>
+              <a:t>Click to edit Master title style</a:t>
+            </a:r>
+            <a:endParaRPr lang="en-US" dirty="0"/>
+          </a:p>
+        </p:txBody>
+      </p:sp>
+      <p:sp>
+        <p:nvSpPr>
+          <p:cNvPr id="23" name="Text Placeholder 9"/>
+          <p:cNvSpPr>
+            <a:spLocks noGrp="1"/>
+          </p:cNvSpPr>
+          <p:nvPr>
+            <p:ph type="body" sz="quarter" idx="13"/>
+          </p:nvPr>
+        </p:nvSpPr>
+        <p:spPr>
+          <a:xfrm>
+            <a:off x="609597" y="4013200"/>
+            <a:ext cx="6347716" cy="514248"/>
+          </a:xfrm>
+        </p:spPr>
+        <p:txBody>
+          <a:bodyPr anchor="b">
+            <a:noAutofit/>
+          </a:bodyPr>
+          <a:lstStyle>
+            <a:lvl1pPr marL="0" indent="0">
+              <a:buFontTx/>
+              <a:buNone/>
+              <a:defRPr sz="2400">
+                <a:solidFill>
+                  <a:schemeClr val="tx1">
+                    <a:lumMod val="75000"/>
+                    <a:lumOff val="25000"/>
+                  </a:schemeClr>
+                </a:solidFill>
+              </a:defRPr>
+            </a:lvl1pPr>
+            <a:lvl2pPr marL="457200" indent="0">
+              <a:buFontTx/>
+              <a:buNone/>
+              <a:defRPr/>
+            </a:lvl2pPr>
+            <a:lvl3pPr marL="914400" indent="0">
+              <a:buFontTx/>
+              <a:buNone/>
+              <a:defRPr/>
+            </a:lvl3pPr>
+            <a:lvl4pPr marL="1371600" indent="0">
+              <a:buFontTx/>
+              <a:buNone/>
+              <a:defRPr/>
+            </a:lvl4pPr>
+            <a:lvl5pPr marL="1828800" indent="0">
+              <a:buFontTx/>
+              <a:buNone/>
+              <a:defRPr/>
+            </a:lvl5pPr>
+          </a:lstStyle>
+          <a:p>
+            <a:pPr lvl="0"/>
+            <a:r>
+              <a:rPr lang="en-US" smtClean="0"/>
+              <a:t>Click to edit Master text styles</a:t>
+            </a:r>
+          </a:p>
+        </p:txBody>
+      </p:sp>
+      <p:sp>
+        <p:nvSpPr>
+          <p:cNvPr id="3" name="Text Placeholder 2"/>
+          <p:cNvSpPr>
+            <a:spLocks noGrp="1"/>
+          </p:cNvSpPr>
+          <p:nvPr>
+            <p:ph type="body" idx="1"/>
+          </p:nvPr>
+        </p:nvSpPr>
+        <p:spPr>
+          <a:xfrm>
+            <a:off x="609598" y="4527448"/>
+            <a:ext cx="6347715" cy="1513914"/>
+          </a:xfrm>
+        </p:spPr>
+        <p:txBody>
+          <a:bodyPr anchor="t">
+            <a:normAutofit/>
+          </a:bodyPr>
+          <a:lstStyle>
+            <a:lvl1pPr marL="0" indent="0" algn="l">
+              <a:buNone/>
+              <a:defRPr sz="1800">
+                <a:solidFill>
+                  <a:schemeClr val="tx1">
+                    <a:lumMod val="50000"/>
+                    <a:lumOff val="50000"/>
+                  </a:schemeClr>
+                </a:solidFill>
+              </a:defRPr>
+            </a:lvl1pPr>
+            <a:lvl2pPr marL="457200" indent="0">
+              <a:buNone/>
+              <a:defRPr sz="1800">
+                <a:solidFill>
+                  <a:schemeClr val="tx1">
+                    <a:tint val="75000"/>
+                  </a:schemeClr>
+                </a:solidFill>
+              </a:defRPr>
+            </a:lvl2pPr>
+            <a:lvl3pPr marL="914400" indent="0">
+              <a:buNone/>
+              <a:defRPr sz="1600">
+                <a:solidFill>
+                  <a:schemeClr val="tx1">
+                    <a:tint val="75000"/>
+                  </a:schemeClr>
+                </a:solidFill>
+              </a:defRPr>
+            </a:lvl3pPr>
+            <a:lvl4pPr marL="1371600" indent="0">
+              <a:buNone/>
+              <a:defRPr sz="1400">
+                <a:solidFill>
+                  <a:schemeClr val="tx1">
+                    <a:tint val="75000"/>
+                  </a:schemeClr>
+                </a:solidFill>
+              </a:defRPr>
+            </a:lvl4pPr>
+            <a:lvl5pPr marL="1828800" indent="0">
+              <a:buNone/>
+              <a:defRPr sz="1400">
+                <a:solidFill>
+                  <a:schemeClr val="tx1">
+                    <a:tint val="75000"/>
+                  </a:schemeClr>
+                </a:solidFill>
+              </a:defRPr>
+            </a:lvl5pPr>
+            <a:lvl6pPr marL="2286000" indent="0">
+              <a:buNone/>
+              <a:defRPr sz="1400">
+                <a:solidFill>
+                  <a:schemeClr val="tx1">
+                    <a:tint val="75000"/>
+                  </a:schemeClr>
+                </a:solidFill>
+              </a:defRPr>
+            </a:lvl6pPr>
+            <a:lvl7pPr marL="2743200" indent="0">
+              <a:buNone/>
+              <a:defRPr sz="1400">
+                <a:solidFill>
+                  <a:schemeClr val="tx1">
+                    <a:tint val="75000"/>
+                  </a:schemeClr>
+                </a:solidFill>
+              </a:defRPr>
+            </a:lvl7pPr>
+            <a:lvl8pPr marL="3200400" indent="0">
+              <a:buNone/>
+              <a:defRPr sz="1400">
+                <a:solidFill>
+                  <a:schemeClr val="tx1">
+                    <a:tint val="75000"/>
+                  </a:schemeClr>
+                </a:solidFill>
+              </a:defRPr>
+            </a:lvl8pPr>
+            <a:lvl9pPr marL="3657600" indent="0">
+              <a:buNone/>
+              <a:defRPr sz="1400">
+                <a:solidFill>
+                  <a:schemeClr val="tx1">
+                    <a:tint val="75000"/>
+                  </a:schemeClr>
+                </a:solidFill>
+              </a:defRPr>
+            </a:lvl9pPr>
+          </a:lstStyle>
+          <a:p>
+            <a:pPr lvl="0"/>
+            <a:r>
+              <a:rPr lang="en-US" smtClean="0"/>
+              <a:t>Click to edit Master text styles</a:t>
+            </a:r>
+          </a:p>
+        </p:txBody>
+      </p:sp>
+      <p:sp>
+        <p:nvSpPr>
+          <p:cNvPr id="4" name="Date Placeholder 3"/>
+          <p:cNvSpPr>
+            <a:spLocks noGrp="1"/>
+          </p:cNvSpPr>
+          <p:nvPr>
+            <p:ph type="dt" sz="half" idx="10"/>
+          </p:nvPr>
+        </p:nvSpPr>
+        <p:spPr/>
+        <p:txBody>
+          <a:bodyPr/>
+          <a:lstStyle/>
+          <a:p>
+            <a:fld id="{666E228C-94BA-DA41-8B99-18FCF1662A93}" type="datetimeFigureOut">
+              <a:rPr lang="en-US" smtClean="0"/>
+              <a:t>9/18/17</a:t>
+            </a:fld>
+            <a:endParaRPr lang="en-US"/>
+          </a:p>
+        </p:txBody>
+      </p:sp>
+      <p:sp>
+        <p:nvSpPr>
+          <p:cNvPr id="5" name="Footer Placeholder 4"/>
+          <p:cNvSpPr>
+            <a:spLocks noGrp="1"/>
+          </p:cNvSpPr>
+          <p:nvPr>
+            <p:ph type="ftr" sz="quarter" idx="11"/>
+          </p:nvPr>
+        </p:nvSpPr>
+        <p:spPr/>
+        <p:txBody>
+          <a:bodyPr/>
+          <a:lstStyle/>
+          <a:p>
+            <a:endParaRPr lang="en-US"/>
+          </a:p>
+        </p:txBody>
+      </p:sp>
+      <p:sp>
+        <p:nvSpPr>
+          <p:cNvPr id="6" name="Slide Number Placeholder 5"/>
+          <p:cNvSpPr>
+            <a:spLocks noGrp="1"/>
+          </p:cNvSpPr>
+          <p:nvPr>
+            <p:ph type="sldNum" sz="quarter" idx="12"/>
+          </p:nvPr>
+        </p:nvSpPr>
+        <p:spPr/>
+        <p:txBody>
+          <a:bodyPr/>
+          <a:lstStyle/>
+          <a:p>
+            <a:fld id="{D9B02067-8C2E-D243-9C04-ECAA31D5EA5A}" type="slidenum">
+              <a:rPr lang="en-US" smtClean="0"/>
+              <a:t>‹#›</a:t>
+            </a:fld>
+            <a:endParaRPr lang="en-US"/>
+          </a:p>
+        </p:txBody>
+      </p:sp>
+      <p:sp>
+        <p:nvSpPr>
+          <p:cNvPr id="24" name="TextBox 23"/>
+          <p:cNvSpPr txBox="1"/>
+          <p:nvPr/>
+        </p:nvSpPr>
+        <p:spPr>
+          <a:xfrm>
+            <a:off x="482711" y="790378"/>
+            <a:ext cx="457319" cy="584776"/>
+          </a:xfrm>
+          <a:prstGeom prst="rect">
+            <a:avLst/>
+          </a:prstGeom>
+        </p:spPr>
+        <p:txBody>
+          <a:bodyPr vert="horz" lIns="91440" tIns="45720" rIns="91440" bIns="45720" rtlCol="0" anchor="ctr">
+            <a:noAutofit/>
+          </a:bodyPr>
+          <a:lstStyle/>
+          <a:p>
+            <a:pPr lvl="0"/>
+            <a:r>
+              <a:rPr lang="en-US" sz="8000" baseline="0" dirty="0">
+                <a:ln w="3175" cmpd="sng">
+                  <a:noFill/>
+                </a:ln>
+                <a:solidFill>
+                  <a:schemeClr val="accent1">
+                    <a:lumMod val="60000"/>
+                    <a:lumOff val="40000"/>
+                  </a:schemeClr>
+                </a:solidFill>
+                <a:effectLst/>
+                <a:latin typeface="Arial"/>
+              </a:rPr>
+              <a:t>“</a:t>
+            </a:r>
+          </a:p>
+        </p:txBody>
+      </p:sp>
+      <p:sp>
+        <p:nvSpPr>
+          <p:cNvPr id="25" name="TextBox 24"/>
+          <p:cNvSpPr txBox="1"/>
+          <p:nvPr/>
+        </p:nvSpPr>
+        <p:spPr>
+          <a:xfrm>
+            <a:off x="6747699" y="2886556"/>
+            <a:ext cx="457319" cy="584776"/>
+          </a:xfrm>
+          <a:prstGeom prst="rect">
+            <a:avLst/>
+          </a:prstGeom>
+        </p:spPr>
+        <p:txBody>
+          <a:bodyPr vert="horz" lIns="91440" tIns="45720" rIns="91440" bIns="45720" rtlCol="0" anchor="ctr">
+            <a:noAutofit/>
+          </a:bodyPr>
+          <a:lstStyle/>
+          <a:p>
+            <a:pPr lvl="0"/>
+            <a:r>
+              <a:rPr lang="en-US" sz="8000" baseline="0" dirty="0">
+                <a:ln w="3175" cmpd="sng">
+                  <a:noFill/>
+                </a:ln>
+                <a:solidFill>
+                  <a:schemeClr val="accent1">
+                    <a:lumMod val="60000"/>
+                    <a:lumOff val="40000"/>
+                  </a:schemeClr>
+                </a:solidFill>
+                <a:effectLst/>
+                <a:latin typeface="Arial"/>
+              </a:rPr>
+              <a:t>”</a:t>
+            </a:r>
+          </a:p>
+        </p:txBody>
+      </p:sp>
+    </p:spTree>
+  </p:cSld>
+  <p:clrMapOvr>
+    <a:masterClrMapping/>
+  </p:clrMapOvr>
+</p:sldLayout>
+</file>
+
+<file path=ppt/slideLayouts/slideLayout14.xml><?xml version="1.0" encoding="utf-8"?>
+<p:sldLayout xmlns:a="http://schemas.openxmlformats.org/drawingml/2006/main" xmlns:r="http://schemas.openxmlformats.org/officeDocument/2006/relationships" xmlns:p="http://schemas.openxmlformats.org/presentationml/2006/main" preserve="1">
+  <p:cSld name="True or False">
+    <p:spTree>
+      <p:nvGrpSpPr>
+        <p:cNvPr id="1" name=""/>
+        <p:cNvGrpSpPr/>
+        <p:nvPr/>
+      </p:nvGrpSpPr>
+      <p:grpSpPr>
+        <a:xfrm>
+          <a:off x="0" y="0"/>
+          <a:ext cx="0" cy="0"/>
+          <a:chOff x="0" y="0"/>
+          <a:chExt cx="0" cy="0"/>
+        </a:xfrm>
+      </p:grpSpPr>
+      <p:sp>
+        <p:nvSpPr>
+          <p:cNvPr id="2" name="Title 1"/>
+          <p:cNvSpPr>
+            <a:spLocks noGrp="1"/>
+          </p:cNvSpPr>
+          <p:nvPr>
+            <p:ph type="title"/>
+          </p:nvPr>
+        </p:nvSpPr>
+        <p:spPr>
+          <a:xfrm>
+            <a:off x="615848" y="609600"/>
+            <a:ext cx="6341465" cy="3022600"/>
+          </a:xfrm>
+        </p:spPr>
+        <p:txBody>
+          <a:bodyPr anchor="ctr">
+            <a:normAutofit/>
+          </a:bodyPr>
+          <a:lstStyle>
+            <a:lvl1pPr algn="l">
+              <a:defRPr sz="4400" b="0" cap="none"/>
+            </a:lvl1pPr>
+          </a:lstStyle>
+          <a:p>
+            <a:r>
+              <a:rPr lang="en-US" smtClean="0"/>
+              <a:t>Click to edit Master title style</a:t>
+            </a:r>
+            <a:endParaRPr lang="en-US" dirty="0"/>
+          </a:p>
+        </p:txBody>
+      </p:sp>
+      <p:sp>
+        <p:nvSpPr>
+          <p:cNvPr id="23" name="Text Placeholder 9"/>
+          <p:cNvSpPr>
+            <a:spLocks noGrp="1"/>
+          </p:cNvSpPr>
+          <p:nvPr>
+            <p:ph type="body" sz="quarter" idx="13"/>
+          </p:nvPr>
+        </p:nvSpPr>
+        <p:spPr>
+          <a:xfrm>
+            <a:off x="609597" y="4013200"/>
+            <a:ext cx="6347716" cy="514248"/>
+          </a:xfrm>
+        </p:spPr>
+        <p:txBody>
+          <a:bodyPr anchor="b">
+            <a:noAutofit/>
+          </a:bodyPr>
+          <a:lstStyle>
+            <a:lvl1pPr marL="0" indent="0">
+              <a:buFontTx/>
+              <a:buNone/>
+              <a:defRPr sz="2400">
+                <a:solidFill>
+                  <a:schemeClr val="accent1"/>
+                </a:solidFill>
+              </a:defRPr>
+            </a:lvl1pPr>
+            <a:lvl2pPr marL="457200" indent="0">
+              <a:buFontTx/>
+              <a:buNone/>
+              <a:defRPr/>
+            </a:lvl2pPr>
+            <a:lvl3pPr marL="914400" indent="0">
+              <a:buFontTx/>
+              <a:buNone/>
+              <a:defRPr/>
+            </a:lvl3pPr>
+            <a:lvl4pPr marL="1371600" indent="0">
+              <a:buFontTx/>
+              <a:buNone/>
+              <a:defRPr/>
+            </a:lvl4pPr>
+            <a:lvl5pPr marL="1828800" indent="0">
+              <a:buFontTx/>
+              <a:buNone/>
+              <a:defRPr/>
+            </a:lvl5pPr>
+          </a:lstStyle>
+          <a:p>
+            <a:pPr lvl="0"/>
+            <a:r>
+              <a:rPr lang="en-US" smtClean="0"/>
+              <a:t>Click to edit Master text styles</a:t>
+            </a:r>
+          </a:p>
+        </p:txBody>
+      </p:sp>
+      <p:sp>
+        <p:nvSpPr>
+          <p:cNvPr id="3" name="Text Placeholder 2"/>
+          <p:cNvSpPr>
+            <a:spLocks noGrp="1"/>
+          </p:cNvSpPr>
+          <p:nvPr>
+            <p:ph type="body" idx="1"/>
+          </p:nvPr>
+        </p:nvSpPr>
+        <p:spPr>
+          <a:xfrm>
+            <a:off x="609598" y="4527448"/>
+            <a:ext cx="6347715" cy="1513914"/>
+          </a:xfrm>
+        </p:spPr>
+        <p:txBody>
+          <a:bodyPr anchor="t">
+            <a:normAutofit/>
+          </a:bodyPr>
+          <a:lstStyle>
+            <a:lvl1pPr marL="0" indent="0" algn="l">
+              <a:buNone/>
+              <a:defRPr sz="1800">
+                <a:solidFill>
+                  <a:schemeClr val="tx1">
+                    <a:lumMod val="50000"/>
+                    <a:lumOff val="50000"/>
+                  </a:schemeClr>
+                </a:solidFill>
+              </a:defRPr>
+            </a:lvl1pPr>
+            <a:lvl2pPr marL="457200" indent="0">
+              <a:buNone/>
+              <a:defRPr sz="1800">
+                <a:solidFill>
+                  <a:schemeClr val="tx1">
+                    <a:tint val="75000"/>
+                  </a:schemeClr>
+                </a:solidFill>
+              </a:defRPr>
+            </a:lvl2pPr>
+            <a:lvl3pPr marL="914400" indent="0">
+              <a:buNone/>
+              <a:defRPr sz="1600">
+                <a:solidFill>
+                  <a:schemeClr val="tx1">
+                    <a:tint val="75000"/>
+                  </a:schemeClr>
+                </a:solidFill>
+              </a:defRPr>
+            </a:lvl3pPr>
+            <a:lvl4pPr marL="1371600" indent="0">
+              <a:buNone/>
+              <a:defRPr sz="1400">
+                <a:solidFill>
+                  <a:schemeClr val="tx1">
+                    <a:tint val="75000"/>
+                  </a:schemeClr>
+                </a:solidFill>
+              </a:defRPr>
+            </a:lvl4pPr>
+            <a:lvl5pPr marL="1828800" indent="0">
+              <a:buNone/>
+              <a:defRPr sz="1400">
+                <a:solidFill>
+                  <a:schemeClr val="tx1">
+                    <a:tint val="75000"/>
+                  </a:schemeClr>
+                </a:solidFill>
+              </a:defRPr>
+            </a:lvl5pPr>
+            <a:lvl6pPr marL="2286000" indent="0">
+              <a:buNone/>
+              <a:defRPr sz="1400">
+                <a:solidFill>
+                  <a:schemeClr val="tx1">
+                    <a:tint val="75000"/>
+                  </a:schemeClr>
+                </a:solidFill>
+              </a:defRPr>
+            </a:lvl6pPr>
+            <a:lvl7pPr marL="2743200" indent="0">
+              <a:buNone/>
+              <a:defRPr sz="1400">
+                <a:solidFill>
+                  <a:schemeClr val="tx1">
+                    <a:tint val="75000"/>
+                  </a:schemeClr>
+                </a:solidFill>
+              </a:defRPr>
+            </a:lvl7pPr>
+            <a:lvl8pPr marL="3200400" indent="0">
+              <a:buNone/>
+              <a:defRPr sz="1400">
+                <a:solidFill>
+                  <a:schemeClr val="tx1">
+                    <a:tint val="75000"/>
+                  </a:schemeClr>
+                </a:solidFill>
+              </a:defRPr>
+            </a:lvl8pPr>
+            <a:lvl9pPr marL="3657600" indent="0">
+              <a:buNone/>
+              <a:defRPr sz="1400">
+                <a:solidFill>
+                  <a:schemeClr val="tx1">
+                    <a:tint val="75000"/>
+                  </a:schemeClr>
+                </a:solidFill>
+              </a:defRPr>
+            </a:lvl9pPr>
+          </a:lstStyle>
+          <a:p>
+            <a:pPr lvl="0"/>
+            <a:r>
+              <a:rPr lang="en-US" smtClean="0"/>
+              <a:t>Click to edit Master text styles</a:t>
+            </a:r>
+          </a:p>
+        </p:txBody>
+      </p:sp>
+      <p:sp>
+        <p:nvSpPr>
+          <p:cNvPr id="4" name="Date Placeholder 3"/>
+          <p:cNvSpPr>
+            <a:spLocks noGrp="1"/>
+          </p:cNvSpPr>
+          <p:nvPr>
+            <p:ph type="dt" sz="half" idx="10"/>
+          </p:nvPr>
+        </p:nvSpPr>
+        <p:spPr/>
+        <p:txBody>
+          <a:bodyPr/>
+          <a:lstStyle/>
+          <a:p>
+            <a:fld id="{666E228C-94BA-DA41-8B99-18FCF1662A93}" type="datetimeFigureOut">
+              <a:rPr lang="en-US" smtClean="0"/>
+              <a:t>9/18/17</a:t>
+            </a:fld>
+            <a:endParaRPr lang="en-US"/>
+          </a:p>
+        </p:txBody>
+      </p:sp>
+      <p:sp>
+        <p:nvSpPr>
+          <p:cNvPr id="5" name="Footer Placeholder 4"/>
+          <p:cNvSpPr>
+            <a:spLocks noGrp="1"/>
+          </p:cNvSpPr>
+          <p:nvPr>
+            <p:ph type="ftr" sz="quarter" idx="11"/>
+          </p:nvPr>
+        </p:nvSpPr>
+        <p:spPr/>
+        <p:txBody>
+          <a:bodyPr/>
+          <a:lstStyle/>
+          <a:p>
+            <a:endParaRPr lang="en-US"/>
+          </a:p>
+        </p:txBody>
+      </p:sp>
+      <p:sp>
+        <p:nvSpPr>
+          <p:cNvPr id="6" name="Slide Number Placeholder 5"/>
+          <p:cNvSpPr>
+            <a:spLocks noGrp="1"/>
+          </p:cNvSpPr>
+          <p:nvPr>
+            <p:ph type="sldNum" sz="quarter" idx="12"/>
+          </p:nvPr>
+        </p:nvSpPr>
+        <p:spPr/>
+        <p:txBody>
+          <a:bodyPr/>
+          <a:lstStyle/>
+          <a:p>
+            <a:fld id="{D9B02067-8C2E-D243-9C04-ECAA31D5EA5A}" type="slidenum">
+              <a:rPr lang="en-US" smtClean="0"/>
+              <a:t>‹#›</a:t>
+            </a:fld>
+            <a:endParaRPr lang="en-US"/>
+          </a:p>
+        </p:txBody>
+      </p:sp>
+    </p:spTree>
+  </p:cSld>
+  <p:clrMapOvr>
+    <a:masterClrMapping/>
+  </p:clrMapOvr>
+</p:sldLayout>
+</file>
+
+<file path=ppt/slideLayouts/slideLayout15.xml><?xml version="1.0" encoding="utf-8"?>
+<p:sldLayout xmlns:a="http://schemas.openxmlformats.org/drawingml/2006/main" xmlns:r="http://schemas.openxmlformats.org/officeDocument/2006/relationships" xmlns:p="http://schemas.openxmlformats.org/presentationml/2006/main" type="vertTx" preserve="1">
+  <p:cSld name="Title and Vertical Text">
+    <p:spTree>
+      <p:nvGrpSpPr>
+        <p:cNvPr id="1" name=""/>
+        <p:cNvGrpSpPr/>
+        <p:nvPr/>
+      </p:nvGrpSpPr>
+      <p:grpSpPr>
+        <a:xfrm>
+          <a:off x="0" y="0"/>
+          <a:ext cx="0" cy="0"/>
+          <a:chOff x="0" y="0"/>
+          <a:chExt cx="0" cy="0"/>
+        </a:xfrm>
+      </p:grpSpPr>
+      <p:sp>
+        <p:nvSpPr>
+          <p:cNvPr id="2" name="Title 1"/>
+          <p:cNvSpPr>
+            <a:spLocks noGrp="1"/>
+          </p:cNvSpPr>
+          <p:nvPr>
+            <p:ph type="title"/>
+          </p:nvPr>
+        </p:nvSpPr>
+        <p:spPr/>
+        <p:txBody>
+          <a:bodyPr/>
+          <a:lstStyle/>
+          <a:p>
+            <a:r>
+              <a:rPr lang="en-US" smtClean="0"/>
+              <a:t>Click to edit Master title style</a:t>
+            </a:r>
+            <a:endParaRPr lang="en-US" dirty="0"/>
+          </a:p>
+        </p:txBody>
+      </p:sp>
+      <p:sp>
+        <p:nvSpPr>
+          <p:cNvPr id="3" name="Vertical Text Placeholder 2"/>
+          <p:cNvSpPr>
+            <a:spLocks noGrp="1"/>
+          </p:cNvSpPr>
+          <p:nvPr>
+            <p:ph type="body" orient="vert" idx="1"/>
+          </p:nvPr>
+        </p:nvSpPr>
+        <p:spPr/>
+        <p:txBody>
+          <a:bodyPr vert="eaVert"/>
+          <a:lstStyle/>
+          <a:p>
+            <a:pPr lvl="0"/>
+            <a:r>
+              <a:rPr lang="en-US" smtClean="0"/>
+              <a:t>Click to edit Master text styles</a:t>
+            </a:r>
+          </a:p>
+          <a:p>
+            <a:pPr lvl="1"/>
+            <a:r>
+              <a:rPr lang="en-US" smtClean="0"/>
+              <a:t>Second level</a:t>
+            </a:r>
+          </a:p>
+          <a:p>
+            <a:pPr lvl="2"/>
+            <a:r>
+              <a:rPr lang="en-US" smtClean="0"/>
+              <a:t>Third level</a:t>
+            </a:r>
+          </a:p>
+          <a:p>
+            <a:pPr lvl="3"/>
+            <a:r>
+              <a:rPr lang="en-US" smtClean="0"/>
+              <a:t>Fourth level</a:t>
+            </a:r>
+          </a:p>
+          <a:p>
+            <a:pPr lvl="4"/>
+            <a:r>
+              <a:rPr lang="en-US" smtClean="0"/>
+              <a:t>Fifth level</a:t>
+            </a:r>
+            <a:endParaRPr lang="en-US" dirty="0"/>
+          </a:p>
+        </p:txBody>
+      </p:sp>
+      <p:sp>
+        <p:nvSpPr>
+          <p:cNvPr id="4" name="Date Placeholder 3"/>
+          <p:cNvSpPr>
+            <a:spLocks noGrp="1"/>
+          </p:cNvSpPr>
+          <p:nvPr>
+            <p:ph type="dt" sz="half" idx="10"/>
+          </p:nvPr>
+        </p:nvSpPr>
+        <p:spPr/>
+        <p:txBody>
+          <a:bodyPr/>
+          <a:lstStyle/>
+          <a:p>
+            <a:fld id="{666E228C-94BA-DA41-8B99-18FCF1662A93}" type="datetimeFigureOut">
+              <a:rPr lang="en-US" smtClean="0"/>
+              <a:t>9/18/17</a:t>
+            </a:fld>
+            <a:endParaRPr lang="en-US"/>
+          </a:p>
+        </p:txBody>
+      </p:sp>
+      <p:sp>
+        <p:nvSpPr>
+          <p:cNvPr id="5" name="Footer Placeholder 4"/>
+          <p:cNvSpPr>
+            <a:spLocks noGrp="1"/>
+          </p:cNvSpPr>
+          <p:nvPr>
+            <p:ph type="ftr" sz="quarter" idx="11"/>
+          </p:nvPr>
+        </p:nvSpPr>
+        <p:spPr/>
+        <p:txBody>
+          <a:bodyPr/>
+          <a:lstStyle/>
+          <a:p>
+            <a:endParaRPr lang="en-US"/>
+          </a:p>
+        </p:txBody>
+      </p:sp>
+      <p:sp>
+        <p:nvSpPr>
+          <p:cNvPr id="6" name="Slide Number Placeholder 5"/>
+          <p:cNvSpPr>
+            <a:spLocks noGrp="1"/>
+          </p:cNvSpPr>
+          <p:nvPr>
+            <p:ph type="sldNum" sz="quarter" idx="12"/>
+          </p:nvPr>
+        </p:nvSpPr>
+        <p:spPr/>
+        <p:txBody>
+          <a:bodyPr/>
+          <a:lstStyle/>
+          <a:p>
+            <a:fld id="{D9B02067-8C2E-D243-9C04-ECAA31D5EA5A}" type="slidenum">
+              <a:rPr lang="en-US" smtClean="0"/>
+              <a:t>‹#›</a:t>
+            </a:fld>
+            <a:endParaRPr lang="en-US"/>
+          </a:p>
+        </p:txBody>
+      </p:sp>
+    </p:spTree>
+  </p:cSld>
+  <p:clrMapOvr>
+    <a:masterClrMapping/>
+  </p:clrMapOvr>
+</p:sldLayout>
+</file>
+
+<file path=ppt/slideLayouts/slideLayout16.xml><?xml version="1.0" encoding="utf-8"?>
+<p:sldLayout xmlns:a="http://schemas.openxmlformats.org/drawingml/2006/main" xmlns:r="http://schemas.openxmlformats.org/officeDocument/2006/relationships" xmlns:p="http://schemas.openxmlformats.org/presentationml/2006/main" type="vertTitleAndTx" preserve="1">
+  <p:cSld name="Vertical Title and Text">
+    <p:spTree>
+      <p:nvGrpSpPr>
+        <p:cNvPr id="1" name=""/>
+        <p:cNvGrpSpPr/>
+        <p:nvPr/>
+      </p:nvGrpSpPr>
+      <p:grpSpPr>
+        <a:xfrm>
+          <a:off x="0" y="0"/>
+          <a:ext cx="0" cy="0"/>
+          <a:chOff x="0" y="0"/>
+          <a:chExt cx="0" cy="0"/>
+        </a:xfrm>
+      </p:grpSpPr>
+      <p:sp>
+        <p:nvSpPr>
+          <p:cNvPr id="2" name="Vertical Title 1"/>
+          <p:cNvSpPr>
+            <a:spLocks noGrp="1"/>
+          </p:cNvSpPr>
+          <p:nvPr>
+            <p:ph type="title" orient="vert"/>
+          </p:nvPr>
+        </p:nvSpPr>
+        <p:spPr>
+          <a:xfrm>
+            <a:off x="5977312" y="609600"/>
+            <a:ext cx="978812" cy="5251451"/>
+          </a:xfrm>
+        </p:spPr>
+        <p:txBody>
+          <a:bodyPr vert="eaVert" anchor="ctr"/>
+          <a:lstStyle/>
+          <a:p>
+            <a:r>
+              <a:rPr lang="en-US" smtClean="0"/>
+              <a:t>Click to edit Master title style</a:t>
+            </a:r>
+            <a:endParaRPr lang="en-US" dirty="0"/>
+          </a:p>
+        </p:txBody>
+      </p:sp>
+      <p:sp>
+        <p:nvSpPr>
+          <p:cNvPr id="3" name="Vertical Text Placeholder 2"/>
+          <p:cNvSpPr>
+            <a:spLocks noGrp="1"/>
+          </p:cNvSpPr>
+          <p:nvPr>
+            <p:ph type="body" orient="vert" idx="1"/>
+          </p:nvPr>
+        </p:nvSpPr>
+        <p:spPr>
+          <a:xfrm>
+            <a:off x="609599" y="609600"/>
+            <a:ext cx="5195026" cy="5251451"/>
+          </a:xfrm>
+        </p:spPr>
+        <p:txBody>
+          <a:bodyPr vert="eaVert"/>
+          <a:lstStyle/>
+          <a:p>
+            <a:pPr lvl="0"/>
+            <a:r>
+              <a:rPr lang="en-US" smtClean="0"/>
+              <a:t>Click to edit Master text styles</a:t>
+            </a:r>
+          </a:p>
+          <a:p>
+            <a:pPr lvl="1"/>
+            <a:r>
+              <a:rPr lang="en-US" smtClean="0"/>
+              <a:t>Second level</a:t>
+            </a:r>
+          </a:p>
+          <a:p>
+            <a:pPr lvl="2"/>
+            <a:r>
+              <a:rPr lang="en-US" smtClean="0"/>
+              <a:t>Third level</a:t>
+            </a:r>
+          </a:p>
+          <a:p>
+            <a:pPr lvl="3"/>
+            <a:r>
+              <a:rPr lang="en-US" smtClean="0"/>
+              <a:t>Fourth level</a:t>
+            </a:r>
+          </a:p>
+          <a:p>
+            <a:pPr lvl="4"/>
+            <a:r>
+              <a:rPr lang="en-US" smtClean="0"/>
+              <a:t>Fifth level</a:t>
+            </a:r>
+            <a:endParaRPr lang="en-US" dirty="0"/>
+          </a:p>
+        </p:txBody>
+      </p:sp>
+      <p:sp>
+        <p:nvSpPr>
+          <p:cNvPr id="4" name="Date Placeholder 3"/>
+          <p:cNvSpPr>
+            <a:spLocks noGrp="1"/>
+          </p:cNvSpPr>
+          <p:nvPr>
+            <p:ph type="dt" sz="half" idx="10"/>
+          </p:nvPr>
+        </p:nvSpPr>
+        <p:spPr/>
+        <p:txBody>
+          <a:bodyPr/>
+          <a:lstStyle/>
+          <a:p>
+            <a:fld id="{666E228C-94BA-DA41-8B99-18FCF1662A93}" type="datetimeFigureOut">
+              <a:rPr lang="en-US" smtClean="0"/>
+              <a:t>9/18/17</a:t>
+            </a:fld>
+            <a:endParaRPr lang="en-US"/>
+          </a:p>
+        </p:txBody>
+      </p:sp>
+      <p:sp>
+        <p:nvSpPr>
+          <p:cNvPr id="5" name="Footer Placeholder 4"/>
+          <p:cNvSpPr>
+            <a:spLocks noGrp="1"/>
+          </p:cNvSpPr>
+          <p:nvPr>
+            <p:ph type="ftr" sz="quarter" idx="11"/>
+          </p:nvPr>
+        </p:nvSpPr>
+        <p:spPr/>
+        <p:txBody>
+          <a:bodyPr/>
+          <a:lstStyle/>
+          <a:p>
+            <a:endParaRPr lang="en-US"/>
+          </a:p>
+        </p:txBody>
+      </p:sp>
+      <p:sp>
+        <p:nvSpPr>
+          <p:cNvPr id="6" name="Slide Number Placeholder 5"/>
+          <p:cNvSpPr>
+            <a:spLocks noGrp="1"/>
+          </p:cNvSpPr>
+          <p:nvPr>
+            <p:ph type="sldNum" sz="quarter" idx="12"/>
+          </p:nvPr>
+        </p:nvSpPr>
+        <p:spPr/>
+        <p:txBody>
+          <a:bodyPr/>
+          <a:lstStyle/>
+          <a:p>
+            <a:fld id="{D9B02067-8C2E-D243-9C04-ECAA31D5EA5A}" type="slidenum">
+              <a:rPr lang="en-US" smtClean="0"/>
+              <a:t>‹#›</a:t>
+            </a:fld>
+            <a:endParaRPr lang="en-US"/>
+          </a:p>
+        </p:txBody>
+      </p:sp>
+    </p:spTree>
+  </p:cSld>
+  <p:clrMapOvr>
+    <a:masterClrMapping/>
+  </p:clrMapOvr>
+</p:sldLayout>
+</file>
+
+<file path=ppt/slideLayouts/slideLayout2.xml><?xml version="1.0" encoding="utf-8"?>
+<p:sldLayout xmlns:a="http://schemas.openxmlformats.org/drawingml/2006/main" xmlns:r="http://schemas.openxmlformats.org/officeDocument/2006/relationships" xmlns:p="http://schemas.openxmlformats.org/presentationml/2006/main" type="obj" preserve="1">
+  <p:cSld name="Title and Content">
+    <p:spTree>
+      <p:nvGrpSpPr>
+        <p:cNvPr id="1" name=""/>
+        <p:cNvGrpSpPr/>
+        <p:nvPr/>
+      </p:nvGrpSpPr>
+      <p:grpSpPr>
+        <a:xfrm>
+          <a:off x="0" y="0"/>
+          <a:ext cx="0" cy="0"/>
+          <a:chOff x="0" y="0"/>
+          <a:chExt cx="0" cy="0"/>
+        </a:xfrm>
+      </p:grpSpPr>
+      <p:sp>
+        <p:nvSpPr>
+          <p:cNvPr id="2" name="Title 1"/>
+          <p:cNvSpPr>
+            <a:spLocks noGrp="1"/>
+          </p:cNvSpPr>
+          <p:nvPr>
+            <p:ph type="title"/>
+          </p:nvPr>
+        </p:nvSpPr>
+        <p:spPr/>
+        <p:txBody>
+          <a:bodyPr>
+            <a:normAutofit/>
+          </a:bodyPr>
+          <a:lstStyle>
+            <a:lvl1pPr>
+              <a:defRPr sz="3600"/>
+            </a:lvl1pPr>
+          </a:lstStyle>
+          <a:p>
+            <a:r>
+              <a:rPr lang="en-US" smtClean="0"/>
+              <a:t>Click to edit Master title style</a:t>
+            </a:r>
+            <a:endParaRPr lang="en-US" dirty="0"/>
+          </a:p>
+        </p:txBody>
+      </p:sp>
+      <p:sp>
+        <p:nvSpPr>
+          <p:cNvPr id="3" name="Content Placeholder 2"/>
+          <p:cNvSpPr>
+            <a:spLocks noGrp="1"/>
+          </p:cNvSpPr>
+          <p:nvPr>
+            <p:ph idx="1"/>
+          </p:nvPr>
+        </p:nvSpPr>
+        <p:spPr/>
+        <p:txBody>
+          <a:bodyPr/>
+          <a:lstStyle/>
+          <a:p>
+            <a:pPr lvl="0"/>
+            <a:r>
+              <a:rPr lang="en-US" smtClean="0"/>
+              <a:t>Click to edit Master text styles</a:t>
+            </a:r>
+          </a:p>
+          <a:p>
+            <a:pPr lvl="1"/>
+            <a:r>
+              <a:rPr lang="en-US" smtClean="0"/>
+              <a:t>Second level</a:t>
+            </a:r>
+          </a:p>
+          <a:p>
+            <a:pPr lvl="2"/>
+            <a:r>
+              <a:rPr lang="en-US" smtClean="0"/>
+              <a:t>Third level</a:t>
+            </a:r>
+          </a:p>
+          <a:p>
+            <a:pPr lvl="3"/>
+            <a:r>
+              <a:rPr lang="en-US" smtClean="0"/>
+              <a:t>Fourth level</a:t>
+            </a:r>
+          </a:p>
+          <a:p>
+            <a:pPr lvl="4"/>
+            <a:r>
+              <a:rPr lang="en-US" smtClean="0"/>
+              <a:t>Fifth level</a:t>
+            </a:r>
+            <a:endParaRPr lang="en-US" dirty="0"/>
+          </a:p>
+        </p:txBody>
+      </p:sp>
+      <p:sp>
+        <p:nvSpPr>
+          <p:cNvPr id="4" name="Date Placeholder 3"/>
+          <p:cNvSpPr>
+            <a:spLocks noGrp="1"/>
+          </p:cNvSpPr>
+          <p:nvPr>
+            <p:ph type="dt" sz="half" idx="10"/>
+          </p:nvPr>
+        </p:nvSpPr>
+        <p:spPr/>
+        <p:txBody>
+          <a:bodyPr/>
+          <a:lstStyle/>
+          <a:p>
+            <a:fld id="{666E228C-94BA-DA41-8B99-18FCF1662A93}" type="datetimeFigureOut">
+              <a:rPr lang="en-US" smtClean="0"/>
+              <a:t>9/18/17</a:t>
+            </a:fld>
+            <a:endParaRPr lang="en-US"/>
+          </a:p>
+        </p:txBody>
+      </p:sp>
+      <p:sp>
+        <p:nvSpPr>
+          <p:cNvPr id="5" name="Footer Placeholder 4"/>
+          <p:cNvSpPr>
+            <a:spLocks noGrp="1"/>
+          </p:cNvSpPr>
+          <p:nvPr>
+            <p:ph type="ftr" sz="quarter" idx="11"/>
+          </p:nvPr>
+        </p:nvSpPr>
+        <p:spPr/>
+        <p:txBody>
+          <a:bodyPr/>
+          <a:lstStyle/>
+          <a:p>
+            <a:endParaRPr lang="en-US"/>
+          </a:p>
+        </p:txBody>
+      </p:sp>
+      <p:sp>
+        <p:nvSpPr>
+          <p:cNvPr id="6" name="Slide Number Placeholder 5"/>
+          <p:cNvSpPr>
+            <a:spLocks noGrp="1"/>
+          </p:cNvSpPr>
+          <p:nvPr>
+            <p:ph type="sldNum" sz="quarter" idx="12"/>
+          </p:nvPr>
+        </p:nvSpPr>
+        <p:spPr/>
+        <p:txBody>
+          <a:bodyPr/>
+          <a:lstStyle/>
+          <a:p>
+            <a:fld id="{D9B02067-8C2E-D243-9C04-ECAA31D5EA5A}" type="slidenum">
+              <a:rPr lang="en-US" smtClean="0"/>
+              <a:t>‹#›</a:t>
+            </a:fld>
+            <a:endParaRPr lang="en-US"/>
+          </a:p>
+        </p:txBody>
+      </p:sp>
+    </p:spTree>
+  </p:cSld>
+  <p:clrMapOvr>
+    <a:masterClrMapping/>
+  </p:clrMapOvr>
+</p:sldLayout>
+</file>
+
+<file path=ppt/slideLayouts/slideLayout3.xml><?xml version="1.0" encoding="utf-8"?>
+<p:sldLayout xmlns:a="http://schemas.openxmlformats.org/drawingml/2006/main" xmlns:r="http://schemas.openxmlformats.org/officeDocument/2006/relationships" xmlns:p="http://schemas.openxmlformats.org/presentationml/2006/main" type="secHead" preserve="1">
+  <p:cSld name="Section Header">
+    <p:spTree>
+      <p:nvGrpSpPr>
+        <p:cNvPr id="1" name=""/>
+        <p:cNvGrpSpPr/>
+        <p:nvPr/>
+      </p:nvGrpSpPr>
+      <p:grpSpPr>
+        <a:xfrm>
+          <a:off x="0" y="0"/>
+          <a:ext cx="0" cy="0"/>
+          <a:chOff x="0" y="0"/>
+          <a:chExt cx="0" cy="0"/>
+        </a:xfrm>
+      </p:grpSpPr>
+      <p:sp>
+        <p:nvSpPr>
+          <p:cNvPr id="2" name="Title 1"/>
+          <p:cNvSpPr>
+            <a:spLocks noGrp="1"/>
+          </p:cNvSpPr>
+          <p:nvPr>
+            <p:ph type="title"/>
+          </p:nvPr>
+        </p:nvSpPr>
+        <p:spPr>
+          <a:xfrm>
+            <a:off x="609598" y="2700868"/>
+            <a:ext cx="6347715" cy="1826581"/>
+          </a:xfrm>
+        </p:spPr>
+        <p:txBody>
+          <a:bodyPr anchor="b"/>
+          <a:lstStyle>
+            <a:lvl1pPr algn="l">
+              <a:defRPr sz="4000" b="0" cap="none"/>
+            </a:lvl1pPr>
+          </a:lstStyle>
+          <a:p>
+            <a:r>
+              <a:rPr lang="en-US" smtClean="0"/>
+              <a:t>Click to edit Master title style</a:t>
+            </a:r>
+            <a:endParaRPr lang="en-US" dirty="0"/>
+          </a:p>
+        </p:txBody>
+      </p:sp>
+      <p:sp>
+        <p:nvSpPr>
+          <p:cNvPr id="3" name="Text Placeholder 2"/>
+          <p:cNvSpPr>
+            <a:spLocks noGrp="1"/>
+          </p:cNvSpPr>
+          <p:nvPr>
+            <p:ph type="body" idx="1"/>
+          </p:nvPr>
+        </p:nvSpPr>
+        <p:spPr>
+          <a:xfrm>
+            <a:off x="609598" y="4527448"/>
+            <a:ext cx="6347715" cy="860400"/>
+          </a:xfrm>
+        </p:spPr>
+        <p:txBody>
+          <a:bodyPr anchor="t"/>
+          <a:lstStyle>
+            <a:lvl1pPr marL="0" indent="0" algn="l">
+              <a:buNone/>
+              <a:defRPr sz="2000">
+                <a:solidFill>
+                  <a:schemeClr val="tx1">
+                    <a:lumMod val="50000"/>
+                    <a:lumOff val="50000"/>
+                  </a:schemeClr>
+                </a:solidFill>
+              </a:defRPr>
+            </a:lvl1pPr>
+            <a:lvl2pPr marL="457200" indent="0">
+              <a:buNone/>
+              <a:defRPr sz="1800">
+                <a:solidFill>
+                  <a:schemeClr val="tx1">
+                    <a:tint val="75000"/>
+                  </a:schemeClr>
+                </a:solidFill>
+              </a:defRPr>
+            </a:lvl2pPr>
+            <a:lvl3pPr marL="914400" indent="0">
+              <a:buNone/>
+              <a:defRPr sz="1600">
+                <a:solidFill>
+                  <a:schemeClr val="tx1">
+                    <a:tint val="75000"/>
+                  </a:schemeClr>
+                </a:solidFill>
+              </a:defRPr>
+            </a:lvl3pPr>
+            <a:lvl4pPr marL="1371600" indent="0">
+              <a:buNone/>
+              <a:defRPr sz="1400">
+                <a:solidFill>
+                  <a:schemeClr val="tx1">
+                    <a:tint val="75000"/>
+                  </a:schemeClr>
+                </a:solidFill>
+              </a:defRPr>
+            </a:lvl4pPr>
+            <a:lvl5pPr marL="1828800" indent="0">
+              <a:buNone/>
+              <a:defRPr sz="1400">
+                <a:solidFill>
+                  <a:schemeClr val="tx1">
+                    <a:tint val="75000"/>
+                  </a:schemeClr>
+                </a:solidFill>
+              </a:defRPr>
+            </a:lvl5pPr>
+            <a:lvl6pPr marL="2286000" indent="0">
+              <a:buNone/>
+              <a:defRPr sz="1400">
+                <a:solidFill>
+                  <a:schemeClr val="tx1">
+                    <a:tint val="75000"/>
+                  </a:schemeClr>
+                </a:solidFill>
+              </a:defRPr>
+            </a:lvl6pPr>
+            <a:lvl7pPr marL="2743200" indent="0">
+              <a:buNone/>
+              <a:defRPr sz="1400">
+                <a:solidFill>
+                  <a:schemeClr val="tx1">
+                    <a:tint val="75000"/>
+                  </a:schemeClr>
+                </a:solidFill>
+              </a:defRPr>
+            </a:lvl7pPr>
+            <a:lvl8pPr marL="3200400" indent="0">
+              <a:buNone/>
+              <a:defRPr sz="1400">
+                <a:solidFill>
+                  <a:schemeClr val="tx1">
+                    <a:tint val="75000"/>
+                  </a:schemeClr>
+                </a:solidFill>
+              </a:defRPr>
+            </a:lvl8pPr>
+            <a:lvl9pPr marL="3657600" indent="0">
+              <a:buNone/>
+              <a:defRPr sz="1400">
+                <a:solidFill>
+                  <a:schemeClr val="tx1">
+                    <a:tint val="75000"/>
+                  </a:schemeClr>
+                </a:solidFill>
+              </a:defRPr>
+            </a:lvl9pPr>
+          </a:lstStyle>
+          <a:p>
+            <a:pPr lvl="0"/>
+            <a:r>
+              <a:rPr lang="en-US" smtClean="0"/>
+              <a:t>Click to edit Master text styles</a:t>
+            </a:r>
+          </a:p>
+        </p:txBody>
+      </p:sp>
+      <p:sp>
+        <p:nvSpPr>
+          <p:cNvPr id="4" name="Date Placeholder 3"/>
+          <p:cNvSpPr>
+            <a:spLocks noGrp="1"/>
+          </p:cNvSpPr>
+          <p:nvPr>
+            <p:ph type="dt" sz="half" idx="10"/>
+          </p:nvPr>
+        </p:nvSpPr>
+        <p:spPr/>
+        <p:txBody>
+          <a:bodyPr/>
+          <a:lstStyle/>
+          <a:p>
+            <a:fld id="{666E228C-94BA-DA41-8B99-18FCF1662A93}" type="datetimeFigureOut">
+              <a:rPr lang="en-US" smtClean="0"/>
+              <a:t>9/18/17</a:t>
+            </a:fld>
+            <a:endParaRPr lang="en-US"/>
+          </a:p>
+        </p:txBody>
+      </p:sp>
+      <p:sp>
+        <p:nvSpPr>
+          <p:cNvPr id="5" name="Footer Placeholder 4"/>
+          <p:cNvSpPr>
+            <a:spLocks noGrp="1"/>
+          </p:cNvSpPr>
+          <p:nvPr>
+            <p:ph type="ftr" sz="quarter" idx="11"/>
+          </p:nvPr>
+        </p:nvSpPr>
+        <p:spPr/>
+        <p:txBody>
+          <a:bodyPr/>
+          <a:lstStyle/>
+          <a:p>
+            <a:endParaRPr lang="en-US"/>
+          </a:p>
+        </p:txBody>
+      </p:sp>
+      <p:sp>
+        <p:nvSpPr>
+          <p:cNvPr id="6" name="Slide Number Placeholder 5"/>
+          <p:cNvSpPr>
+            <a:spLocks noGrp="1"/>
+          </p:cNvSpPr>
+          <p:nvPr>
+            <p:ph type="sldNum" sz="quarter" idx="12"/>
+          </p:nvPr>
+        </p:nvSpPr>
+        <p:spPr/>
+        <p:txBody>
+          <a:bodyPr/>
+          <a:lstStyle/>
+          <a:p>
+            <a:fld id="{D9B02067-8C2E-D243-9C04-ECAA31D5EA5A}" type="slidenum">
+              <a:rPr lang="en-US" smtClean="0"/>
+              <a:t>‹#›</a:t>
+            </a:fld>
+            <a:endParaRPr lang="en-US"/>
+          </a:p>
+        </p:txBody>
+      </p:sp>
+    </p:spTree>
+  </p:cSld>
+  <p:clrMapOvr>
+    <a:masterClrMapping/>
+  </p:clrMapOvr>
+</p:sldLayout>
+</file>
+
+<file path=ppt/slideLayouts/slideLayout4.xml><?xml version="1.0" encoding="utf-8"?>
 <p:sldLayout xmlns:a="http://schemas.openxmlformats.org/drawingml/2006/main" xmlns:r="http://schemas.openxmlformats.org/officeDocument/2006/relationships" xmlns:p="http://schemas.openxmlformats.org/presentationml/2006/main" type="twoObj" preserve="1">
   <p:cSld name="Two Content">
     <p:spTree>
@@ -6994,7 +7606,12 @@
             <p:ph type="title"/>
           </p:nvPr>
         </p:nvSpPr>
-        <p:spPr/>
+        <p:spPr>
+          <a:xfrm>
+            <a:off x="609600" y="609600"/>
+            <a:ext cx="6347714" cy="1320800"/>
+          </a:xfrm>
+        </p:spPr>
         <p:txBody>
           <a:bodyPr/>
           <a:lstStyle/>
@@ -7003,7 +7620,7 @@
               <a:rPr lang="en-US" smtClean="0"/>
               <a:t>Click to edit Master title style</a:t>
             </a:r>
-            <a:endParaRPr/>
+            <a:endParaRPr lang="en-US" dirty="0"/>
           </a:p>
         </p:txBody>
       </p:sp>
@@ -7019,8 +7636,8 @@
         </p:nvSpPr>
         <p:spPr>
           <a:xfrm>
-            <a:off x="1117600" y="2595563"/>
-            <a:ext cx="3566160" cy="3681412"/>
+            <a:off x="609600" y="2160589"/>
+            <a:ext cx="3088109" cy="3880772"/>
           </a:xfrm>
         </p:spPr>
         <p:txBody>
@@ -7032,28 +7649,28 @@
               <a:defRPr sz="1800"/>
             </a:lvl1pPr>
             <a:lvl2pPr>
-              <a:defRPr sz="1800"/>
+              <a:defRPr sz="1600"/>
             </a:lvl2pPr>
             <a:lvl3pPr>
-              <a:defRPr sz="1800"/>
+              <a:defRPr sz="1400"/>
             </a:lvl3pPr>
             <a:lvl4pPr>
-              <a:defRPr sz="1800"/>
+              <a:defRPr sz="1200"/>
             </a:lvl4pPr>
             <a:lvl5pPr>
-              <a:defRPr sz="1800"/>
+              <a:defRPr sz="1200"/>
             </a:lvl5pPr>
-            <a:lvl6pPr marL="2055813" indent="-344488">
-              <a:defRPr sz="1800"/>
+            <a:lvl6pPr>
+              <a:defRPr sz="1200"/>
             </a:lvl6pPr>
-            <a:lvl7pPr marL="2055813" indent="-344488">
-              <a:defRPr sz="1800"/>
+            <a:lvl7pPr>
+              <a:defRPr sz="1200"/>
             </a:lvl7pPr>
-            <a:lvl8pPr marL="2055813" indent="-344488">
-              <a:defRPr sz="1800"/>
+            <a:lvl8pPr>
+              <a:defRPr sz="1200"/>
             </a:lvl8pPr>
-            <a:lvl9pPr marL="2055813" indent="-344488">
-              <a:defRPr sz="1800"/>
+            <a:lvl9pPr>
+              <a:defRPr sz="1200"/>
             </a:lvl9pPr>
           </a:lstStyle>
           <a:p>
@@ -7090,7 +7707,7 @@
               <a:rPr lang="en-US" smtClean="0"/>
               <a:t>Fifth level</a:t>
             </a:r>
-            <a:endParaRPr dirty="0"/>
+            <a:endParaRPr lang="en-US" dirty="0"/>
           </a:p>
         </p:txBody>
       </p:sp>
@@ -7106,8 +7723,8 @@
         </p:nvSpPr>
         <p:spPr>
           <a:xfrm>
-            <a:off x="5147534" y="2595563"/>
-            <a:ext cx="3566160" cy="3681412"/>
+            <a:off x="3869204" y="2160590"/>
+            <a:ext cx="3088110" cy="3880773"/>
           </a:xfrm>
         </p:spPr>
         <p:txBody>
@@ -7119,28 +7736,28 @@
               <a:defRPr sz="1800"/>
             </a:lvl1pPr>
             <a:lvl2pPr>
-              <a:defRPr sz="1800"/>
+              <a:defRPr sz="1600"/>
             </a:lvl2pPr>
             <a:lvl3pPr>
-              <a:defRPr sz="1800"/>
+              <a:defRPr sz="1400"/>
             </a:lvl3pPr>
             <a:lvl4pPr>
-              <a:defRPr sz="1800"/>
+              <a:defRPr sz="1200"/>
             </a:lvl4pPr>
             <a:lvl5pPr>
-              <a:defRPr sz="1800"/>
+              <a:defRPr sz="1200"/>
             </a:lvl5pPr>
-            <a:lvl6pPr marL="2055813" indent="-344488">
-              <a:defRPr sz="1800"/>
+            <a:lvl6pPr>
+              <a:defRPr sz="1200"/>
             </a:lvl6pPr>
-            <a:lvl7pPr marL="2055813" indent="-344488">
-              <a:defRPr sz="1800"/>
+            <a:lvl7pPr>
+              <a:defRPr sz="1200"/>
             </a:lvl7pPr>
-            <a:lvl8pPr marL="2055813" indent="-344488">
-              <a:defRPr sz="1800"/>
+            <a:lvl8pPr>
+              <a:defRPr sz="1200"/>
             </a:lvl8pPr>
-            <a:lvl9pPr marL="2055813" indent="-344488">
-              <a:defRPr sz="1800"/>
+            <a:lvl9pPr>
+              <a:defRPr sz="1200"/>
             </a:lvl9pPr>
           </a:lstStyle>
           <a:p>
@@ -7177,7 +7794,7 @@
               <a:rPr lang="en-US" smtClean="0"/>
               <a:t>Fifth level</a:t>
             </a:r>
-            <a:endParaRPr dirty="0"/>
+            <a:endParaRPr lang="en-US" dirty="0"/>
           </a:p>
         </p:txBody>
       </p:sp>
@@ -7191,19 +7808,14 @@
             <p:ph type="dt" sz="half" idx="10"/>
           </p:nvPr>
         </p:nvSpPr>
-        <p:spPr>
-          <a:xfrm>
-            <a:off x="6580094" y="188259"/>
-            <a:ext cx="2133600" cy="365125"/>
-          </a:xfrm>
-        </p:spPr>
+        <p:spPr/>
         <p:txBody>
           <a:bodyPr/>
           <a:lstStyle/>
           <a:p>
             <a:fld id="{666E228C-94BA-DA41-8B99-18FCF1662A93}" type="datetimeFigureOut">
               <a:rPr lang="en-US" smtClean="0"/>
-              <a:t>2/5/13</a:t>
+              <a:t>9/18/17</a:t>
             </a:fld>
             <a:endParaRPr lang="en-US"/>
           </a:p>
@@ -7259,7 +7871,7 @@
 </p:sldLayout>
 </file>
 
-<file path=ppt/slideLayouts/slideLayout6.xml><?xml version="1.0" encoding="utf-8"?>
+<file path=ppt/slideLayouts/slideLayout5.xml><?xml version="1.0" encoding="utf-8"?>
 <p:sldLayout xmlns:a="http://schemas.openxmlformats.org/drawingml/2006/main" xmlns:r="http://schemas.openxmlformats.org/officeDocument/2006/relationships" xmlns:p="http://schemas.openxmlformats.org/presentationml/2006/main" type="twoTxTwoObj" preserve="1">
   <p:cSld name="Comparison">
     <p:spTree>
@@ -7286,7 +7898,12 @@
             <p:ph type="title"/>
           </p:nvPr>
         </p:nvSpPr>
-        <p:spPr/>
+        <p:spPr>
+          <a:xfrm>
+            <a:off x="609599" y="609600"/>
+            <a:ext cx="6347713" cy="1320800"/>
+          </a:xfrm>
+        </p:spPr>
         <p:txBody>
           <a:bodyPr/>
           <a:lstStyle>
@@ -7299,7 +7916,7 @@
               <a:rPr lang="en-US" smtClean="0"/>
               <a:t>Click to edit Master title style</a:t>
             </a:r>
-            <a:endParaRPr/>
+            <a:endParaRPr lang="en-US" dirty="0"/>
           </a:p>
         </p:txBody>
       </p:sp>
@@ -7315,8 +7932,8 @@
         </p:nvSpPr>
         <p:spPr>
           <a:xfrm>
-            <a:off x="1120588" y="2017713"/>
-            <a:ext cx="3566160" cy="877887"/>
+            <a:off x="609599" y="2160983"/>
+            <a:ext cx="3090672" cy="576262"/>
           </a:xfrm>
         </p:spPr>
         <p:txBody>
@@ -7382,43 +7999,15 @@
         </p:nvSpPr>
         <p:spPr>
           <a:xfrm>
-            <a:off x="1120588" y="3065929"/>
-            <a:ext cx="3566160" cy="3211046"/>
+            <a:off x="609599" y="2737246"/>
+            <a:ext cx="3090672" cy="3304117"/>
           </a:xfrm>
         </p:spPr>
         <p:txBody>
           <a:bodyPr>
             <a:normAutofit/>
           </a:bodyPr>
-          <a:lstStyle>
-            <a:lvl1pPr>
-              <a:defRPr sz="1800"/>
-            </a:lvl1pPr>
-            <a:lvl2pPr>
-              <a:defRPr sz="1800"/>
-            </a:lvl2pPr>
-            <a:lvl3pPr>
-              <a:defRPr sz="1800"/>
-            </a:lvl3pPr>
-            <a:lvl4pPr>
-              <a:defRPr sz="1800"/>
-            </a:lvl4pPr>
-            <a:lvl5pPr>
-              <a:defRPr sz="1800"/>
-            </a:lvl5pPr>
-            <a:lvl6pPr marL="2055813" indent="-344488">
-              <a:defRPr sz="1600"/>
-            </a:lvl6pPr>
-            <a:lvl7pPr marL="2055813" indent="-344488">
-              <a:defRPr sz="1600"/>
-            </a:lvl7pPr>
-            <a:lvl8pPr marL="2055813" indent="-344488">
-              <a:defRPr sz="1600"/>
-            </a:lvl8pPr>
-            <a:lvl9pPr marL="2055813" indent="-344488">
-              <a:defRPr sz="1600"/>
-            </a:lvl9pPr>
-          </a:lstStyle>
+          <a:lstStyle/>
           <a:p>
             <a:pPr lvl="0"/>
             <a:r>
@@ -7453,7 +8042,7 @@
               <a:rPr lang="en-US" smtClean="0"/>
               <a:t>Fifth level</a:t>
             </a:r>
-            <a:endParaRPr dirty="0"/>
+            <a:endParaRPr lang="en-US" dirty="0"/>
           </a:p>
         </p:txBody>
       </p:sp>
@@ -7469,8 +8058,8 @@
         </p:nvSpPr>
         <p:spPr>
           <a:xfrm>
-            <a:off x="5147534" y="2017713"/>
-            <a:ext cx="3566160" cy="877887"/>
+            <a:off x="3866640" y="2160983"/>
+            <a:ext cx="3090672" cy="576262"/>
           </a:xfrm>
         </p:spPr>
         <p:txBody>
@@ -7536,43 +8125,15 @@
         </p:nvSpPr>
         <p:spPr>
           <a:xfrm>
-            <a:off x="5147534" y="3065929"/>
-            <a:ext cx="3566160" cy="3211046"/>
+            <a:off x="3866640" y="2737246"/>
+            <a:ext cx="3090672" cy="3304117"/>
           </a:xfrm>
         </p:spPr>
         <p:txBody>
           <a:bodyPr>
             <a:normAutofit/>
           </a:bodyPr>
-          <a:lstStyle>
-            <a:lvl1pPr>
-              <a:defRPr sz="1800"/>
-            </a:lvl1pPr>
-            <a:lvl2pPr>
-              <a:defRPr sz="1800"/>
-            </a:lvl2pPr>
-            <a:lvl3pPr>
-              <a:defRPr sz="1800"/>
-            </a:lvl3pPr>
-            <a:lvl4pPr>
-              <a:defRPr sz="1800"/>
-            </a:lvl4pPr>
-            <a:lvl5pPr>
-              <a:defRPr sz="1800"/>
-            </a:lvl5pPr>
-            <a:lvl6pPr marL="2055813" indent="-344488">
-              <a:defRPr sz="1600"/>
-            </a:lvl6pPr>
-            <a:lvl7pPr marL="2055813" indent="-344488">
-              <a:defRPr sz="1600"/>
-            </a:lvl7pPr>
-            <a:lvl8pPr marL="2055813" indent="-344488">
-              <a:defRPr sz="1600"/>
-            </a:lvl8pPr>
-            <a:lvl9pPr marL="2055813" indent="-344488">
-              <a:defRPr sz="1600"/>
-            </a:lvl9pPr>
-          </a:lstStyle>
+          <a:lstStyle/>
           <a:p>
             <a:pPr lvl="0"/>
             <a:r>
@@ -7607,7 +8168,7 @@
               <a:rPr lang="en-US" smtClean="0"/>
               <a:t>Fifth level</a:t>
             </a:r>
-            <a:endParaRPr dirty="0"/>
+            <a:endParaRPr lang="en-US" dirty="0"/>
           </a:p>
         </p:txBody>
       </p:sp>
@@ -7621,19 +8182,14 @@
             <p:ph type="dt" sz="half" idx="10"/>
           </p:nvPr>
         </p:nvSpPr>
-        <p:spPr>
-          <a:xfrm>
-            <a:off x="6580094" y="188259"/>
-            <a:ext cx="2133600" cy="365125"/>
-          </a:xfrm>
-        </p:spPr>
+        <p:spPr/>
         <p:txBody>
           <a:bodyPr/>
           <a:lstStyle/>
           <a:p>
             <a:fld id="{666E228C-94BA-DA41-8B99-18FCF1662A93}" type="datetimeFigureOut">
               <a:rPr lang="en-US" smtClean="0"/>
-              <a:t>2/5/13</a:t>
+              <a:t>9/18/17</a:t>
             </a:fld>
             <a:endParaRPr lang="en-US"/>
           </a:p>
@@ -7649,12 +8205,7 @@
             <p:ph type="ftr" sz="quarter" idx="11"/>
           </p:nvPr>
         </p:nvSpPr>
-        <p:spPr>
-          <a:xfrm>
-            <a:off x="1120588" y="188259"/>
-            <a:ext cx="2895600" cy="365125"/>
-          </a:xfrm>
-        </p:spPr>
+        <p:spPr/>
         <p:txBody>
           <a:bodyPr/>
           <a:lstStyle/>
@@ -7686,234 +8237,6 @@
           </a:p>
         </p:txBody>
       </p:sp>
-      <p:cxnSp>
-        <p:nvCxnSpPr>
-          <p:cNvPr id="11" name="Straight Connector 10"/>
-          <p:cNvCxnSpPr/>
-          <p:nvPr/>
-        </p:nvCxnSpPr>
-        <p:spPr>
-          <a:xfrm>
-            <a:off x="1212028" y="2904565"/>
-            <a:ext cx="3383280" cy="1588"/>
-          </a:xfrm>
-          <a:prstGeom prst="line">
-            <a:avLst/>
-          </a:prstGeom>
-          <a:ln w="38100">
-            <a:solidFill>
-              <a:schemeClr val="bg2">
-                <a:lumMod val="60000"/>
-                <a:lumOff val="40000"/>
-              </a:schemeClr>
-            </a:solidFill>
-          </a:ln>
-        </p:spPr>
-        <p:style>
-          <a:lnRef idx="1">
-            <a:schemeClr val="accent1"/>
-          </a:lnRef>
-          <a:fillRef idx="0">
-            <a:schemeClr val="accent1"/>
-          </a:fillRef>
-          <a:effectRef idx="0">
-            <a:schemeClr val="accent1"/>
-          </a:effectRef>
-          <a:fontRef idx="minor">
-            <a:schemeClr val="tx1"/>
-          </a:fontRef>
-        </p:style>
-      </p:cxnSp>
-      <p:cxnSp>
-        <p:nvCxnSpPr>
-          <p:cNvPr id="12" name="Straight Connector 11"/>
-          <p:cNvCxnSpPr/>
-          <p:nvPr/>
-        </p:nvCxnSpPr>
-        <p:spPr>
-          <a:xfrm>
-            <a:off x="5238974" y="2904565"/>
-            <a:ext cx="3383280" cy="1588"/>
-          </a:xfrm>
-          <a:prstGeom prst="line">
-            <a:avLst/>
-          </a:prstGeom>
-          <a:ln w="38100">
-            <a:solidFill>
-              <a:schemeClr val="bg2">
-                <a:lumMod val="60000"/>
-                <a:lumOff val="40000"/>
-              </a:schemeClr>
-            </a:solidFill>
-          </a:ln>
-        </p:spPr>
-        <p:style>
-          <a:lnRef idx="1">
-            <a:schemeClr val="accent1"/>
-          </a:lnRef>
-          <a:fillRef idx="0">
-            <a:schemeClr val="accent1"/>
-          </a:fillRef>
-          <a:effectRef idx="0">
-            <a:schemeClr val="accent1"/>
-          </a:effectRef>
-          <a:fontRef idx="minor">
-            <a:schemeClr val="tx1"/>
-          </a:fontRef>
-        </p:style>
-      </p:cxnSp>
-      <p:cxnSp>
-        <p:nvCxnSpPr>
-          <p:cNvPr id="13" name="Straight Connector 12"/>
-          <p:cNvCxnSpPr/>
-          <p:nvPr/>
-        </p:nvCxnSpPr>
-        <p:spPr>
-          <a:xfrm>
-            <a:off x="1212028" y="2904565"/>
-            <a:ext cx="3383280" cy="1588"/>
-          </a:xfrm>
-          <a:prstGeom prst="line">
-            <a:avLst/>
-          </a:prstGeom>
-          <a:ln w="38100">
-            <a:solidFill>
-              <a:schemeClr val="bg2">
-                <a:lumMod val="60000"/>
-                <a:lumOff val="40000"/>
-              </a:schemeClr>
-            </a:solidFill>
-          </a:ln>
-        </p:spPr>
-        <p:style>
-          <a:lnRef idx="1">
-            <a:schemeClr val="accent1"/>
-          </a:lnRef>
-          <a:fillRef idx="0">
-            <a:schemeClr val="accent1"/>
-          </a:fillRef>
-          <a:effectRef idx="0">
-            <a:schemeClr val="accent1"/>
-          </a:effectRef>
-          <a:fontRef idx="minor">
-            <a:schemeClr val="tx1"/>
-          </a:fontRef>
-        </p:style>
-      </p:cxnSp>
-      <p:cxnSp>
-        <p:nvCxnSpPr>
-          <p:cNvPr id="14" name="Straight Connector 13"/>
-          <p:cNvCxnSpPr/>
-          <p:nvPr/>
-        </p:nvCxnSpPr>
-        <p:spPr>
-          <a:xfrm>
-            <a:off x="5238974" y="2904565"/>
-            <a:ext cx="3383280" cy="1588"/>
-          </a:xfrm>
-          <a:prstGeom prst="line">
-            <a:avLst/>
-          </a:prstGeom>
-          <a:ln w="38100">
-            <a:solidFill>
-              <a:schemeClr val="bg2">
-                <a:lumMod val="60000"/>
-                <a:lumOff val="40000"/>
-              </a:schemeClr>
-            </a:solidFill>
-          </a:ln>
-        </p:spPr>
-        <p:style>
-          <a:lnRef idx="1">
-            <a:schemeClr val="accent1"/>
-          </a:lnRef>
-          <a:fillRef idx="0">
-            <a:schemeClr val="accent1"/>
-          </a:fillRef>
-          <a:effectRef idx="0">
-            <a:schemeClr val="accent1"/>
-          </a:effectRef>
-          <a:fontRef idx="minor">
-            <a:schemeClr val="tx1"/>
-          </a:fontRef>
-        </p:style>
-      </p:cxnSp>
-      <p:cxnSp>
-        <p:nvCxnSpPr>
-          <p:cNvPr id="15" name="Straight Connector 14"/>
-          <p:cNvCxnSpPr/>
-          <p:nvPr/>
-        </p:nvCxnSpPr>
-        <p:spPr>
-          <a:xfrm>
-            <a:off x="1212028" y="2904565"/>
-            <a:ext cx="3383280" cy="1588"/>
-          </a:xfrm>
-          <a:prstGeom prst="line">
-            <a:avLst/>
-          </a:prstGeom>
-          <a:ln w="38100">
-            <a:solidFill>
-              <a:schemeClr val="bg2">
-                <a:lumMod val="60000"/>
-                <a:lumOff val="40000"/>
-              </a:schemeClr>
-            </a:solidFill>
-          </a:ln>
-        </p:spPr>
-        <p:style>
-          <a:lnRef idx="1">
-            <a:schemeClr val="accent1"/>
-          </a:lnRef>
-          <a:fillRef idx="0">
-            <a:schemeClr val="accent1"/>
-          </a:fillRef>
-          <a:effectRef idx="0">
-            <a:schemeClr val="accent1"/>
-          </a:effectRef>
-          <a:fontRef idx="minor">
-            <a:schemeClr val="tx1"/>
-          </a:fontRef>
-        </p:style>
-      </p:cxnSp>
-      <p:cxnSp>
-        <p:nvCxnSpPr>
-          <p:cNvPr id="16" name="Straight Connector 15"/>
-          <p:cNvCxnSpPr/>
-          <p:nvPr/>
-        </p:nvCxnSpPr>
-        <p:spPr>
-          <a:xfrm>
-            <a:off x="5238974" y="2904565"/>
-            <a:ext cx="3383280" cy="1588"/>
-          </a:xfrm>
-          <a:prstGeom prst="line">
-            <a:avLst/>
-          </a:prstGeom>
-          <a:ln w="38100">
-            <a:solidFill>
-              <a:schemeClr val="bg2">
-                <a:lumMod val="60000"/>
-                <a:lumOff val="40000"/>
-              </a:schemeClr>
-            </a:solidFill>
-          </a:ln>
-        </p:spPr>
-        <p:style>
-          <a:lnRef idx="1">
-            <a:schemeClr val="accent1"/>
-          </a:lnRef>
-          <a:fillRef idx="0">
-            <a:schemeClr val="accent1"/>
-          </a:fillRef>
-          <a:effectRef idx="0">
-            <a:schemeClr val="accent1"/>
-          </a:effectRef>
-          <a:fontRef idx="minor">
-            <a:schemeClr val="tx1"/>
-          </a:fontRef>
-        </p:style>
-      </p:cxnSp>
     </p:spTree>
   </p:cSld>
   <p:clrMapOvr>
@@ -7922,7 +8245,7 @@
 </p:sldLayout>
 </file>
 
-<file path=ppt/slideLayouts/slideLayout7.xml><?xml version="1.0" encoding="utf-8"?>
+<file path=ppt/slideLayouts/slideLayout6.xml><?xml version="1.0" encoding="utf-8"?>
 <p:sldLayout xmlns:a="http://schemas.openxmlformats.org/drawingml/2006/main" xmlns:r="http://schemas.openxmlformats.org/officeDocument/2006/relationships" xmlns:p="http://schemas.openxmlformats.org/presentationml/2006/main" type="titleOnly" preserve="1">
   <p:cSld name="Title Only">
     <p:spTree>
@@ -7949,7 +8272,12 @@
             <p:ph type="title"/>
           </p:nvPr>
         </p:nvSpPr>
-        <p:spPr/>
+        <p:spPr>
+          <a:xfrm>
+            <a:off x="609599" y="609600"/>
+            <a:ext cx="6347714" cy="1320800"/>
+          </a:xfrm>
+        </p:spPr>
         <p:txBody>
           <a:bodyPr/>
           <a:lstStyle/>
@@ -7958,7 +8286,7 @@
               <a:rPr lang="en-US" smtClean="0"/>
               <a:t>Click to edit Master title style</a:t>
             </a:r>
-            <a:endParaRPr/>
+            <a:endParaRPr lang="en-US" dirty="0"/>
           </a:p>
         </p:txBody>
       </p:sp>
@@ -7979,7 +8307,7 @@
           <a:p>
             <a:fld id="{666E228C-94BA-DA41-8B99-18FCF1662A93}" type="datetimeFigureOut">
               <a:rPr lang="en-US" smtClean="0"/>
-              <a:t>2/5/13</a:t>
+              <a:t>9/18/17</a:t>
             </a:fld>
             <a:endParaRPr lang="en-US"/>
           </a:p>
@@ -8035,7 +8363,7 @@
 </p:sldLayout>
 </file>
 
-<file path=ppt/slideLayouts/slideLayout8.xml><?xml version="1.0" encoding="utf-8"?>
+<file path=ppt/slideLayouts/slideLayout7.xml><?xml version="1.0" encoding="utf-8"?>
 <p:sldLayout xmlns:a="http://schemas.openxmlformats.org/drawingml/2006/main" xmlns:r="http://schemas.openxmlformats.org/officeDocument/2006/relationships" xmlns:p="http://schemas.openxmlformats.org/presentationml/2006/main" type="blank" preserve="1">
   <p:cSld name="Blank">
     <p:spTree>
@@ -8069,7 +8397,7 @@
           <a:p>
             <a:fld id="{666E228C-94BA-DA41-8B99-18FCF1662A93}" type="datetimeFigureOut">
               <a:rPr lang="en-US" smtClean="0"/>
-              <a:t>2/5/13</a:t>
+              <a:t>9/18/17</a:t>
             </a:fld>
             <a:endParaRPr lang="en-US"/>
           </a:p>
@@ -8125,7 +8453,7 @@
 </p:sldLayout>
 </file>
 
-<file path=ppt/slideLayouts/slideLayout9.xml><?xml version="1.0" encoding="utf-8"?>
+<file path=ppt/slideLayouts/slideLayout8.xml><?xml version="1.0" encoding="utf-8"?>
 <p:sldLayout xmlns:a="http://schemas.openxmlformats.org/drawingml/2006/main" xmlns:r="http://schemas.openxmlformats.org/officeDocument/2006/relationships" xmlns:p="http://schemas.openxmlformats.org/presentationml/2006/main" type="objTx" preserve="1">
   <p:cSld name="Content with Caption">
     <p:spTree>
@@ -8154,31 +8482,17 @@
         </p:nvSpPr>
         <p:spPr>
           <a:xfrm>
-            <a:off x="0" y="1124712"/>
-            <a:ext cx="8915400" cy="914400"/>
+            <a:off x="609599" y="1498604"/>
+            <a:ext cx="2790182" cy="1278466"/>
           </a:xfrm>
-          <a:solidFill>
-            <a:schemeClr val="tx2"/>
-          </a:solidFill>
         </p:spPr>
         <p:txBody>
-          <a:bodyPr vert="horz" lIns="1188720" tIns="45720" rIns="274320" bIns="45720" rtlCol="0" anchor="ctr">
+          <a:bodyPr anchor="b">
             <a:normAutofit/>
           </a:bodyPr>
           <a:lstStyle>
-            <a:lvl1pPr marL="0" indent="0" algn="l" defTabSz="914400" rtl="0" eaLnBrk="1" latinLnBrk="0" hangingPunct="1">
-              <a:spcBef>
-                <a:spcPct val="0"/>
-              </a:spcBef>
-              <a:buNone/>
-              <a:defRPr sz="3600" kern="1200">
-                <a:solidFill>
-                  <a:schemeClr val="bg1"/>
-                </a:solidFill>
-                <a:latin typeface="+mj-lt"/>
-                <a:ea typeface="+mj-ea"/>
-                <a:cs typeface="+mj-cs"/>
-              </a:defRPr>
+            <a:lvl1pPr>
+              <a:defRPr sz="2000"/>
             </a:lvl1pPr>
           </a:lstStyle>
           <a:p>
@@ -8186,7 +8500,7 @@
               <a:rPr lang="en-US" smtClean="0"/>
               <a:t>Click to edit Master title style</a:t>
             </a:r>
-            <a:endParaRPr/>
+            <a:endParaRPr lang="en-US" dirty="0"/>
           </a:p>
         </p:txBody>
       </p:sp>
@@ -8202,41 +8516,15 @@
         </p:nvSpPr>
         <p:spPr>
           <a:xfrm>
-            <a:off x="5147534" y="2590800"/>
-            <a:ext cx="3566160" cy="3686175"/>
+            <a:off x="3571275" y="514925"/>
+            <a:ext cx="3386037" cy="5526437"/>
           </a:xfrm>
         </p:spPr>
         <p:txBody>
-          <a:bodyPr/>
-          <a:lstStyle>
-            <a:lvl1pPr>
-              <a:defRPr sz="1800"/>
-            </a:lvl1pPr>
-            <a:lvl2pPr>
-              <a:defRPr sz="1800"/>
-            </a:lvl2pPr>
-            <a:lvl3pPr>
-              <a:defRPr sz="1800"/>
-            </a:lvl3pPr>
-            <a:lvl4pPr>
-              <a:defRPr sz="1800"/>
-            </a:lvl4pPr>
-            <a:lvl5pPr>
-              <a:defRPr sz="1800"/>
-            </a:lvl5pPr>
-            <a:lvl6pPr marL="2055813" indent="-344488">
-              <a:defRPr sz="2000"/>
-            </a:lvl6pPr>
-            <a:lvl7pPr marL="2055813" indent="-344488">
-              <a:defRPr sz="2000"/>
-            </a:lvl7pPr>
-            <a:lvl8pPr marL="2055813" indent="-344488">
-              <a:defRPr sz="2000"/>
-            </a:lvl8pPr>
-            <a:lvl9pPr marL="2055813" indent="-344488">
-              <a:defRPr sz="2000"/>
-            </a:lvl9pPr>
-          </a:lstStyle>
+          <a:bodyPr>
+            <a:normAutofit/>
+          </a:bodyPr>
+          <a:lstStyle/>
           <a:p>
             <a:pPr lvl="0"/>
             <a:r>
@@ -8271,7 +8559,7 @@
               <a:rPr lang="en-US" smtClean="0"/>
               <a:t>Fifth level</a:t>
             </a:r>
-            <a:endParaRPr dirty="0"/>
+            <a:endParaRPr lang="en-US" dirty="0"/>
           </a:p>
         </p:txBody>
       </p:sp>
@@ -8287,60 +8575,276 @@
         </p:nvSpPr>
         <p:spPr>
           <a:xfrm>
-            <a:off x="900952" y="2039111"/>
-            <a:ext cx="3566160" cy="4224528"/>
+            <a:off x="609599" y="2777069"/>
+            <a:ext cx="2790182" cy="2584449"/>
           </a:xfrm>
-          <a:solidFill>
-            <a:schemeClr val="bg2">
-              <a:lumMod val="40000"/>
-              <a:lumOff val="60000"/>
-            </a:schemeClr>
-          </a:solidFill>
-          <a:ln>
-            <a:noFill/>
-          </a:ln>
         </p:spPr>
-        <p:style>
-          <a:lnRef idx="2">
-            <a:schemeClr val="accent1">
-              <a:shade val="50000"/>
-            </a:schemeClr>
-          </a:lnRef>
-          <a:fillRef idx="1">
-            <a:schemeClr val="accent1"/>
-          </a:fillRef>
-          <a:effectRef idx="0">
-            <a:schemeClr val="accent1"/>
-          </a:effectRef>
-          <a:fontRef idx="minor">
-            <a:schemeClr val="lt1"/>
-          </a:fontRef>
-        </p:style>
-        <p:txBody>
-          <a:bodyPr vert="horz" lIns="292608" tIns="274320" rIns="274320" bIns="274320" rtlCol="0" anchor="t" anchorCtr="0">
+        <p:txBody>
+          <a:bodyPr>
             <a:normAutofit/>
           </a:bodyPr>
           <a:lstStyle>
-            <a:lvl1pPr marL="0" indent="0" algn="l" defTabSz="914400" rtl="0" eaLnBrk="1" latinLnBrk="0" hangingPunct="1">
-              <a:spcBef>
-                <a:spcPts val="2000"/>
-              </a:spcBef>
-              <a:buClr>
-                <a:schemeClr val="accent1"/>
-              </a:buClr>
-              <a:buFont typeface="Wingdings 2" pitchFamily="18" charset="2"/>
+            <a:lvl1pPr marL="0" indent="0">
               <a:buNone/>
-              <a:defRPr sz="1800" kern="1200">
-                <a:solidFill>
-                  <a:schemeClr val="tx1">
-                    <a:lumMod val="65000"/>
-                    <a:lumOff val="35000"/>
-                  </a:schemeClr>
-                </a:solidFill>
-                <a:latin typeface="+mn-lt"/>
-                <a:ea typeface="+mn-ea"/>
-                <a:cs typeface="+mn-cs"/>
-              </a:defRPr>
+              <a:defRPr sz="1400"/>
+            </a:lvl1pPr>
+            <a:lvl2pPr marL="342900" indent="0">
+              <a:buNone/>
+              <a:defRPr sz="1050"/>
+            </a:lvl2pPr>
+            <a:lvl3pPr marL="685800" indent="0">
+              <a:buNone/>
+              <a:defRPr sz="900"/>
+            </a:lvl3pPr>
+            <a:lvl4pPr marL="1028700" indent="0">
+              <a:buNone/>
+              <a:defRPr sz="750"/>
+            </a:lvl4pPr>
+            <a:lvl5pPr marL="1371600" indent="0">
+              <a:buNone/>
+              <a:defRPr sz="750"/>
+            </a:lvl5pPr>
+            <a:lvl6pPr marL="1714500" indent="0">
+              <a:buNone/>
+              <a:defRPr sz="750"/>
+            </a:lvl6pPr>
+            <a:lvl7pPr marL="2057400" indent="0">
+              <a:buNone/>
+              <a:defRPr sz="750"/>
+            </a:lvl7pPr>
+            <a:lvl8pPr marL="2400300" indent="0">
+              <a:buNone/>
+              <a:defRPr sz="750"/>
+            </a:lvl8pPr>
+            <a:lvl9pPr marL="2743200" indent="0">
+              <a:buNone/>
+              <a:defRPr sz="750"/>
+            </a:lvl9pPr>
+          </a:lstStyle>
+          <a:p>
+            <a:pPr lvl="0"/>
+            <a:r>
+              <a:rPr lang="en-US" smtClean="0"/>
+              <a:t>Click to edit Master text styles</a:t>
+            </a:r>
+          </a:p>
+        </p:txBody>
+      </p:sp>
+      <p:sp>
+        <p:nvSpPr>
+          <p:cNvPr id="5" name="Date Placeholder 4"/>
+          <p:cNvSpPr>
+            <a:spLocks noGrp="1"/>
+          </p:cNvSpPr>
+          <p:nvPr>
+            <p:ph type="dt" sz="half" idx="10"/>
+          </p:nvPr>
+        </p:nvSpPr>
+        <p:spPr/>
+        <p:txBody>
+          <a:bodyPr/>
+          <a:lstStyle/>
+          <a:p>
+            <a:fld id="{666E228C-94BA-DA41-8B99-18FCF1662A93}" type="datetimeFigureOut">
+              <a:rPr lang="en-US" smtClean="0"/>
+              <a:t>9/18/17</a:t>
+            </a:fld>
+            <a:endParaRPr lang="en-US"/>
+          </a:p>
+        </p:txBody>
+      </p:sp>
+      <p:sp>
+        <p:nvSpPr>
+          <p:cNvPr id="6" name="Footer Placeholder 5"/>
+          <p:cNvSpPr>
+            <a:spLocks noGrp="1"/>
+          </p:cNvSpPr>
+          <p:nvPr>
+            <p:ph type="ftr" sz="quarter" idx="11"/>
+          </p:nvPr>
+        </p:nvSpPr>
+        <p:spPr/>
+        <p:txBody>
+          <a:bodyPr/>
+          <a:lstStyle/>
+          <a:p>
+            <a:endParaRPr lang="en-US"/>
+          </a:p>
+        </p:txBody>
+      </p:sp>
+      <p:sp>
+        <p:nvSpPr>
+          <p:cNvPr id="7" name="Slide Number Placeholder 6"/>
+          <p:cNvSpPr>
+            <a:spLocks noGrp="1"/>
+          </p:cNvSpPr>
+          <p:nvPr>
+            <p:ph type="sldNum" sz="quarter" idx="12"/>
+          </p:nvPr>
+        </p:nvSpPr>
+        <p:spPr/>
+        <p:txBody>
+          <a:bodyPr/>
+          <a:lstStyle/>
+          <a:p>
+            <a:fld id="{D9B02067-8C2E-D243-9C04-ECAA31D5EA5A}" type="slidenum">
+              <a:rPr lang="en-US" smtClean="0"/>
+              <a:t>‹#›</a:t>
+            </a:fld>
+            <a:endParaRPr lang="en-US"/>
+          </a:p>
+        </p:txBody>
+      </p:sp>
+    </p:spTree>
+  </p:cSld>
+  <p:clrMapOvr>
+    <a:masterClrMapping/>
+  </p:clrMapOvr>
+</p:sldLayout>
+</file>
+
+<file path=ppt/slideLayouts/slideLayout9.xml><?xml version="1.0" encoding="utf-8"?>
+<p:sldLayout xmlns:a="http://schemas.openxmlformats.org/drawingml/2006/main" xmlns:r="http://schemas.openxmlformats.org/officeDocument/2006/relationships" xmlns:p="http://schemas.openxmlformats.org/presentationml/2006/main" type="picTx" preserve="1">
+  <p:cSld name="Picture with Caption">
+    <p:spTree>
+      <p:nvGrpSpPr>
+        <p:cNvPr id="1" name=""/>
+        <p:cNvGrpSpPr/>
+        <p:nvPr/>
+      </p:nvGrpSpPr>
+      <p:grpSpPr>
+        <a:xfrm>
+          <a:off x="0" y="0"/>
+          <a:ext cx="0" cy="0"/>
+          <a:chOff x="0" y="0"/>
+          <a:chExt cx="0" cy="0"/>
+        </a:xfrm>
+      </p:grpSpPr>
+      <p:sp>
+        <p:nvSpPr>
+          <p:cNvPr id="2" name="Title 1"/>
+          <p:cNvSpPr>
+            <a:spLocks noGrp="1"/>
+          </p:cNvSpPr>
+          <p:nvPr>
+            <p:ph type="title"/>
+          </p:nvPr>
+        </p:nvSpPr>
+        <p:spPr>
+          <a:xfrm>
+            <a:off x="609599" y="4800600"/>
+            <a:ext cx="6347714" cy="566738"/>
+          </a:xfrm>
+        </p:spPr>
+        <p:txBody>
+          <a:bodyPr anchor="b">
+            <a:normAutofit/>
+          </a:bodyPr>
+          <a:lstStyle>
+            <a:lvl1pPr algn="l">
+              <a:defRPr sz="2400" b="0"/>
+            </a:lvl1pPr>
+          </a:lstStyle>
+          <a:p>
+            <a:r>
+              <a:rPr lang="en-US" smtClean="0"/>
+              <a:t>Click to edit Master title style</a:t>
+            </a:r>
+            <a:endParaRPr lang="en-US" dirty="0"/>
+          </a:p>
+        </p:txBody>
+      </p:sp>
+      <p:sp>
+        <p:nvSpPr>
+          <p:cNvPr id="3" name="Picture Placeholder 2"/>
+          <p:cNvSpPr>
+            <a:spLocks noGrp="1" noChangeAspect="1"/>
+          </p:cNvSpPr>
+          <p:nvPr>
+            <p:ph type="pic" idx="1"/>
+          </p:nvPr>
+        </p:nvSpPr>
+        <p:spPr>
+          <a:xfrm>
+            <a:off x="609599" y="609600"/>
+            <a:ext cx="6347714" cy="3845718"/>
+          </a:xfrm>
+        </p:spPr>
+        <p:txBody>
+          <a:bodyPr anchor="t">
+            <a:normAutofit/>
+          </a:bodyPr>
+          <a:lstStyle>
+            <a:lvl1pPr marL="0" indent="0" algn="ctr">
+              <a:buNone/>
+              <a:defRPr sz="1600"/>
+            </a:lvl1pPr>
+            <a:lvl2pPr marL="457200" indent="0">
+              <a:buNone/>
+              <a:defRPr sz="1600"/>
+            </a:lvl2pPr>
+            <a:lvl3pPr marL="914400" indent="0">
+              <a:buNone/>
+              <a:defRPr sz="1600"/>
+            </a:lvl3pPr>
+            <a:lvl4pPr marL="1371600" indent="0">
+              <a:buNone/>
+              <a:defRPr sz="1600"/>
+            </a:lvl4pPr>
+            <a:lvl5pPr marL="1828800" indent="0">
+              <a:buNone/>
+              <a:defRPr sz="1600"/>
+            </a:lvl5pPr>
+            <a:lvl6pPr marL="2286000" indent="0">
+              <a:buNone/>
+              <a:defRPr sz="1600"/>
+            </a:lvl6pPr>
+            <a:lvl7pPr marL="2743200" indent="0">
+              <a:buNone/>
+              <a:defRPr sz="1600"/>
+            </a:lvl7pPr>
+            <a:lvl8pPr marL="3200400" indent="0">
+              <a:buNone/>
+              <a:defRPr sz="1600"/>
+            </a:lvl8pPr>
+            <a:lvl9pPr marL="3657600" indent="0">
+              <a:buNone/>
+              <a:defRPr sz="1600"/>
+            </a:lvl9pPr>
+          </a:lstStyle>
+          <a:p>
+            <a:r>
+              <a:rPr lang="en-US" smtClean="0"/>
+              <a:t>Drag picture to placeholder or click icon to add</a:t>
+            </a:r>
+            <a:endParaRPr lang="en-US" dirty="0"/>
+          </a:p>
+        </p:txBody>
+      </p:sp>
+      <p:sp>
+        <p:nvSpPr>
+          <p:cNvPr id="4" name="Text Placeholder 3"/>
+          <p:cNvSpPr>
+            <a:spLocks noGrp="1"/>
+          </p:cNvSpPr>
+          <p:nvPr>
+            <p:ph type="body" sz="half" idx="2"/>
+          </p:nvPr>
+        </p:nvSpPr>
+        <p:spPr>
+          <a:xfrm>
+            <a:off x="609599" y="5367338"/>
+            <a:ext cx="6347714" cy="674024"/>
+          </a:xfrm>
+        </p:spPr>
+        <p:txBody>
+          <a:bodyPr>
+            <a:normAutofit/>
+          </a:bodyPr>
+          <a:lstStyle>
+            <a:lvl1pPr marL="0" indent="0">
+              <a:buNone/>
+              <a:defRPr sz="1200"/>
             </a:lvl1pPr>
             <a:lvl2pPr marL="457200" indent="0">
               <a:buNone/>
@@ -8394,19 +8898,14 @@
             <p:ph type="dt" sz="half" idx="10"/>
           </p:nvPr>
         </p:nvSpPr>
-        <p:spPr>
-          <a:xfrm>
-            <a:off x="6580094" y="188259"/>
-            <a:ext cx="2133600" cy="365125"/>
-          </a:xfrm>
-        </p:spPr>
+        <p:spPr/>
         <p:txBody>
           <a:bodyPr/>
           <a:lstStyle/>
           <a:p>
             <a:fld id="{666E228C-94BA-DA41-8B99-18FCF1662A93}" type="datetimeFigureOut">
               <a:rPr lang="en-US" smtClean="0"/>
-              <a:t>2/5/13</a:t>
+              <a:t>9/18/17</a:t>
             </a:fld>
             <a:endParaRPr lang="en-US"/>
           </a:p>
@@ -8484,6 +8983,608 @@
           <a:chExt cx="0" cy="0"/>
         </a:xfrm>
       </p:grpSpPr>
+      <p:grpSp>
+        <p:nvGrpSpPr>
+          <p:cNvPr id="17" name="Group 16"/>
+          <p:cNvGrpSpPr/>
+          <p:nvPr/>
+        </p:nvGrpSpPr>
+        <p:grpSpPr>
+          <a:xfrm>
+            <a:off x="-8467" y="-8468"/>
+            <a:ext cx="9171317" cy="6874935"/>
+            <a:chOff x="-8467" y="-8468"/>
+            <a:chExt cx="9171317" cy="6874935"/>
+          </a:xfrm>
+        </p:grpSpPr>
+        <p:sp>
+          <p:nvSpPr>
+            <p:cNvPr id="7" name="Freeform 6"/>
+            <p:cNvSpPr/>
+            <p:nvPr/>
+          </p:nvSpPr>
+          <p:spPr>
+            <a:xfrm>
+              <a:off x="-8467" y="4013200"/>
+              <a:ext cx="457200" cy="2853267"/>
+            </a:xfrm>
+            <a:custGeom>
+              <a:avLst/>
+              <a:gdLst/>
+              <a:ahLst/>
+              <a:cxnLst/>
+              <a:rect l="l" t="t" r="r" b="b"/>
+              <a:pathLst>
+                <a:path w="457200" h="2853267">
+                  <a:moveTo>
+                    <a:pt x="0" y="0"/>
+                  </a:moveTo>
+                  <a:lnTo>
+                    <a:pt x="457200" y="2853267"/>
+                  </a:lnTo>
+                  <a:lnTo>
+                    <a:pt x="0" y="2844800"/>
+                  </a:lnTo>
+                  <a:cubicBezTo>
+                    <a:pt x="2822" y="1905000"/>
+                    <a:pt x="5645" y="965200"/>
+                    <a:pt x="0" y="0"/>
+                  </a:cubicBezTo>
+                  <a:close/>
+                </a:path>
+              </a:pathLst>
+            </a:custGeom>
+            <a:solidFill>
+              <a:schemeClr val="accent1">
+                <a:alpha val="70000"/>
+              </a:schemeClr>
+            </a:solidFill>
+            <a:ln>
+              <a:noFill/>
+            </a:ln>
+            <a:effectLst/>
+          </p:spPr>
+          <p:style>
+            <a:lnRef idx="1">
+              <a:schemeClr val="accent1"/>
+            </a:lnRef>
+            <a:fillRef idx="3">
+              <a:schemeClr val="accent1"/>
+            </a:fillRef>
+            <a:effectRef idx="2">
+              <a:schemeClr val="accent1"/>
+            </a:effectRef>
+            <a:fontRef idx="minor">
+              <a:schemeClr val="lt1"/>
+            </a:fontRef>
+          </p:style>
+        </p:sp>
+        <p:cxnSp>
+          <p:nvCxnSpPr>
+            <p:cNvPr id="8" name="Straight Connector 7"/>
+            <p:cNvCxnSpPr/>
+            <p:nvPr/>
+          </p:nvCxnSpPr>
+          <p:spPr>
+            <a:xfrm flipV="1">
+              <a:off x="5130830" y="4175605"/>
+              <a:ext cx="4022475" cy="2682396"/>
+            </a:xfrm>
+            <a:prstGeom prst="line">
+              <a:avLst/>
+            </a:prstGeom>
+            <a:ln w="9525">
+              <a:solidFill>
+                <a:schemeClr val="accent1">
+                  <a:alpha val="70000"/>
+                </a:schemeClr>
+              </a:solidFill>
+            </a:ln>
+          </p:spPr>
+          <p:style>
+            <a:lnRef idx="2">
+              <a:schemeClr val="accent1"/>
+            </a:lnRef>
+            <a:fillRef idx="0">
+              <a:schemeClr val="accent1"/>
+            </a:fillRef>
+            <a:effectRef idx="1">
+              <a:schemeClr val="accent1"/>
+            </a:effectRef>
+            <a:fontRef idx="minor">
+              <a:schemeClr val="tx1"/>
+            </a:fontRef>
+          </p:style>
+        </p:cxnSp>
+        <p:cxnSp>
+          <p:nvCxnSpPr>
+            <p:cNvPr id="9" name="Straight Connector 8"/>
+            <p:cNvCxnSpPr/>
+            <p:nvPr/>
+          </p:nvCxnSpPr>
+          <p:spPr>
+            <a:xfrm>
+              <a:off x="7042707" y="0"/>
+              <a:ext cx="1219200" cy="6858000"/>
+            </a:xfrm>
+            <a:prstGeom prst="line">
+              <a:avLst/>
+            </a:prstGeom>
+            <a:ln w="9525">
+              <a:solidFill>
+                <a:schemeClr val="accent1">
+                  <a:alpha val="70000"/>
+                </a:schemeClr>
+              </a:solidFill>
+            </a:ln>
+          </p:spPr>
+          <p:style>
+            <a:lnRef idx="2">
+              <a:schemeClr val="accent1"/>
+            </a:lnRef>
+            <a:fillRef idx="0">
+              <a:schemeClr val="accent1"/>
+            </a:fillRef>
+            <a:effectRef idx="1">
+              <a:schemeClr val="accent1"/>
+            </a:effectRef>
+            <a:fontRef idx="minor">
+              <a:schemeClr val="tx1"/>
+            </a:fontRef>
+          </p:style>
+        </p:cxnSp>
+        <p:sp>
+          <p:nvSpPr>
+            <p:cNvPr id="10" name="Freeform 9"/>
+            <p:cNvSpPr/>
+            <p:nvPr/>
+          </p:nvSpPr>
+          <p:spPr>
+            <a:xfrm>
+              <a:off x="6891896" y="1"/>
+              <a:ext cx="2269442" cy="6866466"/>
+            </a:xfrm>
+            <a:custGeom>
+              <a:avLst/>
+              <a:gdLst/>
+              <a:ahLst/>
+              <a:cxnLst/>
+              <a:rect l="l" t="t" r="r" b="b"/>
+              <a:pathLst>
+                <a:path w="2269442" h="6866466">
+                  <a:moveTo>
+                    <a:pt x="2023534" y="0"/>
+                  </a:moveTo>
+                  <a:lnTo>
+                    <a:pt x="0" y="6858000"/>
+                  </a:lnTo>
+                  <a:lnTo>
+                    <a:pt x="2269067" y="6866466"/>
+                  </a:lnTo>
+                  <a:cubicBezTo>
+                    <a:pt x="2271889" y="4580466"/>
+                    <a:pt x="2257778" y="2294466"/>
+                    <a:pt x="2260600" y="8466"/>
+                  </a:cubicBezTo>
+                  <a:lnTo>
+                    <a:pt x="2023534" y="0"/>
+                  </a:lnTo>
+                  <a:close/>
+                </a:path>
+              </a:pathLst>
+            </a:custGeom>
+            <a:solidFill>
+              <a:schemeClr val="accent1">
+                <a:alpha val="36000"/>
+              </a:schemeClr>
+            </a:solidFill>
+            <a:ln>
+              <a:noFill/>
+            </a:ln>
+            <a:effectLst/>
+          </p:spPr>
+          <p:style>
+            <a:lnRef idx="1">
+              <a:schemeClr val="accent1"/>
+            </a:lnRef>
+            <a:fillRef idx="3">
+              <a:schemeClr val="accent1"/>
+            </a:fillRef>
+            <a:effectRef idx="2">
+              <a:schemeClr val="accent1"/>
+            </a:effectRef>
+            <a:fontRef idx="minor">
+              <a:schemeClr val="lt1"/>
+            </a:fontRef>
+          </p:style>
+        </p:sp>
+        <p:sp>
+          <p:nvSpPr>
+            <p:cNvPr id="11" name="Freeform 10"/>
+            <p:cNvSpPr/>
+            <p:nvPr/>
+          </p:nvSpPr>
+          <p:spPr>
+            <a:xfrm>
+              <a:off x="7205158" y="-8467"/>
+              <a:ext cx="1948147" cy="6866467"/>
+            </a:xfrm>
+            <a:custGeom>
+              <a:avLst/>
+              <a:gdLst/>
+              <a:ahLst/>
+              <a:cxnLst/>
+              <a:rect l="l" t="t" r="r" b="b"/>
+              <a:pathLst>
+                <a:path w="1948147" h="6866467">
+                  <a:moveTo>
+                    <a:pt x="0" y="0"/>
+                  </a:moveTo>
+                  <a:lnTo>
+                    <a:pt x="1202267" y="6866467"/>
+                  </a:lnTo>
+                  <a:lnTo>
+                    <a:pt x="1947333" y="6866467"/>
+                  </a:lnTo>
+                  <a:cubicBezTo>
+                    <a:pt x="1944511" y="4577645"/>
+                    <a:pt x="1950155" y="2288822"/>
+                    <a:pt x="1947333" y="0"/>
+                  </a:cubicBezTo>
+                  <a:lnTo>
+                    <a:pt x="0" y="0"/>
+                  </a:lnTo>
+                  <a:close/>
+                </a:path>
+              </a:pathLst>
+            </a:custGeom>
+            <a:solidFill>
+              <a:schemeClr val="accent1">
+                <a:alpha val="20000"/>
+              </a:schemeClr>
+            </a:solidFill>
+            <a:ln>
+              <a:noFill/>
+            </a:ln>
+            <a:effectLst/>
+          </p:spPr>
+          <p:style>
+            <a:lnRef idx="1">
+              <a:schemeClr val="accent1"/>
+            </a:lnRef>
+            <a:fillRef idx="3">
+              <a:schemeClr val="accent1"/>
+            </a:fillRef>
+            <a:effectRef idx="2">
+              <a:schemeClr val="accent1"/>
+            </a:effectRef>
+            <a:fontRef idx="minor">
+              <a:schemeClr val="lt1"/>
+            </a:fontRef>
+          </p:style>
+        </p:sp>
+        <p:sp>
+          <p:nvSpPr>
+            <p:cNvPr id="12" name="Freeform 11"/>
+            <p:cNvSpPr/>
+            <p:nvPr/>
+          </p:nvSpPr>
+          <p:spPr>
+            <a:xfrm>
+              <a:off x="6637896" y="3920066"/>
+              <a:ext cx="2513565" cy="2937933"/>
+            </a:xfrm>
+            <a:custGeom>
+              <a:avLst/>
+              <a:gdLst/>
+              <a:ahLst/>
+              <a:cxnLst/>
+              <a:rect l="l" t="t" r="r" b="b"/>
+              <a:pathLst>
+                <a:path w="3259667" h="3810000">
+                  <a:moveTo>
+                    <a:pt x="0" y="3810000"/>
+                  </a:moveTo>
+                  <a:lnTo>
+                    <a:pt x="3251200" y="0"/>
+                  </a:lnTo>
+                  <a:cubicBezTo>
+                    <a:pt x="3254022" y="1270000"/>
+                    <a:pt x="3256845" y="2540000"/>
+                    <a:pt x="3259667" y="3810000"/>
+                  </a:cubicBezTo>
+                  <a:lnTo>
+                    <a:pt x="0" y="3810000"/>
+                  </a:lnTo>
+                  <a:close/>
+                </a:path>
+              </a:pathLst>
+            </a:custGeom>
+            <a:solidFill>
+              <a:schemeClr val="accent1">
+                <a:lumMod val="75000"/>
+                <a:alpha val="66000"/>
+              </a:schemeClr>
+            </a:solidFill>
+            <a:ln>
+              <a:noFill/>
+            </a:ln>
+            <a:effectLst/>
+          </p:spPr>
+          <p:style>
+            <a:lnRef idx="1">
+              <a:schemeClr val="accent1"/>
+            </a:lnRef>
+            <a:fillRef idx="3">
+              <a:schemeClr val="accent1"/>
+            </a:fillRef>
+            <a:effectRef idx="2">
+              <a:schemeClr val="accent1"/>
+            </a:effectRef>
+            <a:fontRef idx="minor">
+              <a:schemeClr val="lt1"/>
+            </a:fontRef>
+          </p:style>
+        </p:sp>
+        <p:sp>
+          <p:nvSpPr>
+            <p:cNvPr id="13" name="Freeform 12"/>
+            <p:cNvSpPr/>
+            <p:nvPr/>
+          </p:nvSpPr>
+          <p:spPr>
+            <a:xfrm>
+              <a:off x="7010429" y="-8467"/>
+              <a:ext cx="2142876" cy="6866467"/>
+            </a:xfrm>
+            <a:custGeom>
+              <a:avLst/>
+              <a:gdLst/>
+              <a:ahLst/>
+              <a:cxnLst/>
+              <a:rect l="l" t="t" r="r" b="b"/>
+              <a:pathLst>
+                <a:path w="2853267" h="6866467">
+                  <a:moveTo>
+                    <a:pt x="0" y="0"/>
+                  </a:moveTo>
+                  <a:lnTo>
+                    <a:pt x="2472267" y="6866467"/>
+                  </a:lnTo>
+                  <a:lnTo>
+                    <a:pt x="2853267" y="6858000"/>
+                  </a:lnTo>
+                  <a:lnTo>
+                    <a:pt x="2853267" y="0"/>
+                  </a:lnTo>
+                  <a:lnTo>
+                    <a:pt x="0" y="0"/>
+                  </a:lnTo>
+                  <a:close/>
+                </a:path>
+              </a:pathLst>
+            </a:custGeom>
+            <a:solidFill>
+              <a:schemeClr val="accent1">
+                <a:lumMod val="75000"/>
+                <a:alpha val="50000"/>
+              </a:schemeClr>
+            </a:solidFill>
+            <a:ln>
+              <a:noFill/>
+            </a:ln>
+            <a:effectLst/>
+          </p:spPr>
+          <p:style>
+            <a:lnRef idx="1">
+              <a:schemeClr val="accent1"/>
+            </a:lnRef>
+            <a:fillRef idx="3">
+              <a:schemeClr val="accent1"/>
+            </a:fillRef>
+            <a:effectRef idx="2">
+              <a:schemeClr val="accent1"/>
+            </a:effectRef>
+            <a:fontRef idx="minor">
+              <a:schemeClr val="lt1"/>
+            </a:fontRef>
+          </p:style>
+        </p:sp>
+        <p:sp>
+          <p:nvSpPr>
+            <p:cNvPr id="14" name="Freeform 13"/>
+            <p:cNvSpPr/>
+            <p:nvPr/>
+          </p:nvSpPr>
+          <p:spPr>
+            <a:xfrm>
+              <a:off x="8295776" y="-8467"/>
+              <a:ext cx="857530" cy="6866467"/>
+            </a:xfrm>
+            <a:custGeom>
+              <a:avLst/>
+              <a:gdLst/>
+              <a:ahLst/>
+              <a:cxnLst/>
+              <a:rect l="l" t="t" r="r" b="b"/>
+              <a:pathLst>
+                <a:path w="1286933" h="6866467">
+                  <a:moveTo>
+                    <a:pt x="1016000" y="0"/>
+                  </a:moveTo>
+                  <a:lnTo>
+                    <a:pt x="0" y="6866467"/>
+                  </a:lnTo>
+                  <a:lnTo>
+                    <a:pt x="1286933" y="6866467"/>
+                  </a:lnTo>
+                  <a:cubicBezTo>
+                    <a:pt x="1284111" y="4577645"/>
+                    <a:pt x="1281288" y="2288822"/>
+                    <a:pt x="1278466" y="0"/>
+                  </a:cubicBezTo>
+                  <a:lnTo>
+                    <a:pt x="1016000" y="0"/>
+                  </a:lnTo>
+                  <a:close/>
+                </a:path>
+              </a:pathLst>
+            </a:custGeom>
+            <a:solidFill>
+              <a:schemeClr val="accent2">
+                <a:alpha val="70000"/>
+              </a:schemeClr>
+            </a:solidFill>
+            <a:ln>
+              <a:noFill/>
+            </a:ln>
+            <a:effectLst/>
+          </p:spPr>
+          <p:style>
+            <a:lnRef idx="1">
+              <a:schemeClr val="accent1"/>
+            </a:lnRef>
+            <a:fillRef idx="3">
+              <a:schemeClr val="accent1"/>
+            </a:fillRef>
+            <a:effectRef idx="2">
+              <a:schemeClr val="accent1"/>
+            </a:effectRef>
+            <a:fontRef idx="minor">
+              <a:schemeClr val="lt1"/>
+            </a:fontRef>
+          </p:style>
+        </p:sp>
+        <p:sp>
+          <p:nvSpPr>
+            <p:cNvPr id="15" name="Freeform 14"/>
+            <p:cNvSpPr/>
+            <p:nvPr/>
+          </p:nvSpPr>
+          <p:spPr>
+            <a:xfrm>
+              <a:off x="8094165" y="-8468"/>
+              <a:ext cx="1066770" cy="6866467"/>
+            </a:xfrm>
+            <a:custGeom>
+              <a:avLst/>
+              <a:gdLst/>
+              <a:ahLst/>
+              <a:cxnLst/>
+              <a:rect l="l" t="t" r="r" b="b"/>
+              <a:pathLst>
+                <a:path w="1270244" h="6866467">
+                  <a:moveTo>
+                    <a:pt x="0" y="0"/>
+                  </a:moveTo>
+                  <a:lnTo>
+                    <a:pt x="1117600" y="6866467"/>
+                  </a:lnTo>
+                  <a:lnTo>
+                    <a:pt x="1270000" y="6866467"/>
+                  </a:lnTo>
+                  <a:cubicBezTo>
+                    <a:pt x="1272822" y="4574822"/>
+                    <a:pt x="1250245" y="2291645"/>
+                    <a:pt x="1253067" y="0"/>
+                  </a:cubicBezTo>
+                  <a:lnTo>
+                    <a:pt x="0" y="0"/>
+                  </a:lnTo>
+                  <a:close/>
+                </a:path>
+              </a:pathLst>
+            </a:custGeom>
+            <a:solidFill>
+              <a:schemeClr val="accent2">
+                <a:lumMod val="75000"/>
+                <a:alpha val="82000"/>
+              </a:schemeClr>
+            </a:solidFill>
+            <a:ln>
+              <a:noFill/>
+            </a:ln>
+            <a:effectLst/>
+          </p:spPr>
+          <p:style>
+            <a:lnRef idx="1">
+              <a:schemeClr val="accent1"/>
+            </a:lnRef>
+            <a:fillRef idx="3">
+              <a:schemeClr val="accent1"/>
+            </a:fillRef>
+            <a:effectRef idx="2">
+              <a:schemeClr val="accent1"/>
+            </a:effectRef>
+            <a:fontRef idx="minor">
+              <a:schemeClr val="lt1"/>
+            </a:fontRef>
+          </p:style>
+        </p:sp>
+        <p:sp>
+          <p:nvSpPr>
+            <p:cNvPr id="16" name="Freeform 15"/>
+            <p:cNvSpPr/>
+            <p:nvPr/>
+          </p:nvSpPr>
+          <p:spPr>
+            <a:xfrm>
+              <a:off x="8068764" y="4893733"/>
+              <a:ext cx="1094086" cy="1964267"/>
+            </a:xfrm>
+            <a:custGeom>
+              <a:avLst/>
+              <a:gdLst/>
+              <a:ahLst/>
+              <a:cxnLst/>
+              <a:rect l="l" t="t" r="r" b="b"/>
+              <a:pathLst>
+                <a:path w="1820333" h="3268133">
+                  <a:moveTo>
+                    <a:pt x="0" y="3268133"/>
+                  </a:moveTo>
+                  <a:lnTo>
+                    <a:pt x="1811866" y="0"/>
+                  </a:lnTo>
+                  <a:cubicBezTo>
+                    <a:pt x="1814688" y="1086555"/>
+                    <a:pt x="1817511" y="2173111"/>
+                    <a:pt x="1820333" y="3259666"/>
+                  </a:cubicBezTo>
+                  <a:lnTo>
+                    <a:pt x="0" y="3268133"/>
+                  </a:lnTo>
+                  <a:close/>
+                </a:path>
+              </a:pathLst>
+            </a:custGeom>
+            <a:solidFill>
+              <a:schemeClr val="accent1">
+                <a:lumMod val="75000"/>
+                <a:alpha val="66000"/>
+              </a:schemeClr>
+            </a:solidFill>
+            <a:ln>
+              <a:noFill/>
+            </a:ln>
+            <a:effectLst/>
+          </p:spPr>
+          <p:style>
+            <a:lnRef idx="1">
+              <a:schemeClr val="accent1"/>
+            </a:lnRef>
+            <a:fillRef idx="3">
+              <a:schemeClr val="accent1"/>
+            </a:fillRef>
+            <a:effectRef idx="2">
+              <a:schemeClr val="accent1"/>
+            </a:effectRef>
+            <a:fontRef idx="minor">
+              <a:schemeClr val="lt1"/>
+            </a:fontRef>
+          </p:style>
+        </p:sp>
+      </p:grpSp>
       <p:sp>
         <p:nvSpPr>
           <p:cNvPr id="2" name="Title Placeholder 1"/>
@@ -8496,124 +9597,116 @@
         </p:nvSpPr>
         <p:spPr>
           <a:xfrm>
-            <a:off x="0" y="1123856"/>
-            <a:ext cx="8913813" cy="914400"/>
-          </a:xfrm>
-          <a:prstGeom prst="rect">
-            <a:avLst/>
-          </a:prstGeom>
-          <a:solidFill>
-            <a:schemeClr val="tx2"/>
-          </a:solidFill>
-        </p:spPr>
-        <p:txBody>
-          <a:bodyPr vert="horz" lIns="1188720" tIns="45720" rIns="274320" bIns="45720" rtlCol="0" anchor="ctr">
-            <a:normAutofit/>
-          </a:bodyPr>
-          <a:lstStyle/>
-          <a:p>
-            <a:pPr lvl="0"/>
-            <a:r>
-              <a:rPr lang="en-US" dirty="0" smtClean="0"/>
-              <a:t>Click to edit Master text styles</a:t>
-            </a:r>
-            <a:br>
-              <a:rPr lang="en-US" dirty="0" smtClean="0"/>
-            </a:br>
-            <a:r>
-              <a:rPr lang="en-US" dirty="0" smtClean="0"/>
-              <a:t>Second level</a:t>
-            </a:r>
-            <a:br>
-              <a:rPr lang="en-US" dirty="0" smtClean="0"/>
-            </a:br>
-            <a:r>
-              <a:rPr lang="en-US" dirty="0" smtClean="0"/>
-              <a:t>Third level</a:t>
-            </a:r>
-            <a:br>
-              <a:rPr lang="en-US" dirty="0" smtClean="0"/>
-            </a:br>
-            <a:r>
-              <a:rPr lang="en-US" dirty="0" smtClean="0"/>
-              <a:t>Fourth level</a:t>
-            </a:r>
-            <a:br>
-              <a:rPr lang="en-US" dirty="0" smtClean="0"/>
-            </a:br>
-            <a:r>
-              <a:rPr lang="en-US" dirty="0" smtClean="0"/>
-              <a:t>Fifth level</a:t>
-            </a:r>
-            <a:br>
-              <a:rPr lang="en-US" dirty="0" smtClean="0"/>
-            </a:br>
-            <a:r>
-              <a:rPr lang="en-US" dirty="0" smtClean="0"/>
-              <a:t>Click to edit Master title style</a:t>
-            </a:r>
-            <a:endParaRPr dirty="0"/>
-          </a:p>
-        </p:txBody>
-      </p:sp>
-      <p:sp>
-        <p:nvSpPr>
-          <p:cNvPr id="3" name="Text Placeholder 2"/>
-          <p:cNvSpPr>
-            <a:spLocks noGrp="1"/>
-          </p:cNvSpPr>
-          <p:nvPr>
-            <p:ph type="body" idx="1"/>
-          </p:nvPr>
-        </p:nvSpPr>
-        <p:spPr>
-          <a:xfrm>
-            <a:off x="1114424" y="2595562"/>
-            <a:ext cx="7610476" cy="3670767"/>
+            <a:off x="609599" y="609600"/>
+            <a:ext cx="6347713" cy="1320800"/>
           </a:xfrm>
           <a:prstGeom prst="rect">
             <a:avLst/>
           </a:prstGeom>
         </p:spPr>
         <p:txBody>
-          <a:bodyPr vert="horz" lIns="91440" tIns="45720" rIns="91440" bIns="45720" rtlCol="0">
+          <a:bodyPr vert="horz" lIns="91440" tIns="45720" rIns="91440" bIns="45720" rtlCol="0" anchor="t">
             <a:normAutofit/>
           </a:bodyPr>
           <a:lstStyle/>
           <a:p>
-            <a:pPr lvl="0"/>
-            <a:endParaRPr dirty="0"/>
-          </a:p>
-        </p:txBody>
-      </p:sp>
-      <p:sp>
-        <p:nvSpPr>
-          <p:cNvPr id="4" name="Date Placeholder 3"/>
+            <a:r>
+              <a:rPr lang="en-US" smtClean="0"/>
+              <a:t>Click to edit Master title style</a:t>
+            </a:r>
+            <a:endParaRPr lang="en-US" dirty="0"/>
+          </a:p>
+        </p:txBody>
+      </p:sp>
+      <p:sp>
+        <p:nvSpPr>
+          <p:cNvPr id="3" name="Text Placeholder 2"/>
           <p:cNvSpPr>
             <a:spLocks noGrp="1"/>
           </p:cNvSpPr>
           <p:nvPr>
-            <p:ph type="dt" sz="half" idx="2"/>
+            <p:ph type="body" idx="1"/>
           </p:nvPr>
         </p:nvSpPr>
         <p:spPr>
           <a:xfrm>
-            <a:off x="6580094" y="188259"/>
-            <a:ext cx="2133600" cy="365125"/>
+            <a:off x="609599" y="2160590"/>
+            <a:ext cx="6347714" cy="3880773"/>
           </a:xfrm>
           <a:prstGeom prst="rect">
             <a:avLst/>
           </a:prstGeom>
         </p:spPr>
         <p:txBody>
+          <a:bodyPr vert="horz" lIns="91440" tIns="45720" rIns="91440" bIns="45720" rtlCol="0">
+            <a:normAutofit/>
+          </a:bodyPr>
+          <a:lstStyle/>
+          <a:p>
+            <a:pPr lvl="0"/>
+            <a:r>
+              <a:rPr lang="en-US" smtClean="0"/>
+              <a:t>Click to edit Master text styles</a:t>
+            </a:r>
+          </a:p>
+          <a:p>
+            <a:pPr lvl="1"/>
+            <a:r>
+              <a:rPr lang="en-US" smtClean="0"/>
+              <a:t>Second level</a:t>
+            </a:r>
+          </a:p>
+          <a:p>
+            <a:pPr lvl="2"/>
+            <a:r>
+              <a:rPr lang="en-US" smtClean="0"/>
+              <a:t>Third level</a:t>
+            </a:r>
+          </a:p>
+          <a:p>
+            <a:pPr lvl="3"/>
+            <a:r>
+              <a:rPr lang="en-US" smtClean="0"/>
+              <a:t>Fourth level</a:t>
+            </a:r>
+          </a:p>
+          <a:p>
+            <a:pPr lvl="4"/>
+            <a:r>
+              <a:rPr lang="en-US" smtClean="0"/>
+              <a:t>Fifth level</a:t>
+            </a:r>
+            <a:endParaRPr lang="en-US" dirty="0"/>
+          </a:p>
+        </p:txBody>
+      </p:sp>
+      <p:sp>
+        <p:nvSpPr>
+          <p:cNvPr id="4" name="Date Placeholder 3"/>
+          <p:cNvSpPr>
+            <a:spLocks noGrp="1"/>
+          </p:cNvSpPr>
+          <p:nvPr>
+            <p:ph type="dt" sz="half" idx="2"/>
+          </p:nvPr>
+        </p:nvSpPr>
+        <p:spPr>
+          <a:xfrm>
+            <a:off x="5405258" y="6041363"/>
+            <a:ext cx="684132" cy="365125"/>
+          </a:xfrm>
+          <a:prstGeom prst="rect">
+            <a:avLst/>
+          </a:prstGeom>
+        </p:spPr>
+        <p:txBody>
           <a:bodyPr vert="horz" lIns="91440" tIns="45720" rIns="91440" bIns="45720" rtlCol="0" anchor="ctr"/>
           <a:lstStyle>
             <a:lvl1pPr algn="r">
-              <a:defRPr sz="1000">
+              <a:defRPr sz="900">
                 <a:solidFill>
                   <a:schemeClr val="tx1">
-                    <a:lumMod val="65000"/>
-                    <a:lumOff val="35000"/>
+                    <a:tint val="75000"/>
                   </a:schemeClr>
                 </a:solidFill>
               </a:defRPr>
@@ -8622,7 +9715,7 @@
           <a:p>
             <a:fld id="{666E228C-94BA-DA41-8B99-18FCF1662A93}" type="datetimeFigureOut">
               <a:rPr lang="en-US" smtClean="0"/>
-              <a:t>2/5/13</a:t>
+              <a:t>9/18/17</a:t>
             </a:fld>
             <a:endParaRPr lang="en-US"/>
           </a:p>
@@ -8640,8 +9733,8 @@
         </p:nvSpPr>
         <p:spPr>
           <a:xfrm>
-            <a:off x="1120588" y="188259"/>
-            <a:ext cx="2895600" cy="365125"/>
+            <a:off x="609599" y="6041363"/>
+            <a:ext cx="4622973" cy="365125"/>
           </a:xfrm>
           <a:prstGeom prst="rect">
             <a:avLst/>
@@ -8651,11 +9744,10 @@
           <a:bodyPr vert="horz" lIns="91440" tIns="45720" rIns="91440" bIns="45720" rtlCol="0" anchor="ctr"/>
           <a:lstStyle>
             <a:lvl1pPr algn="l">
-              <a:defRPr sz="1000">
+              <a:defRPr sz="900">
                 <a:solidFill>
                   <a:schemeClr val="tx1">
-                    <a:lumMod val="65000"/>
-                    <a:lumOff val="35000"/>
+                    <a:tint val="75000"/>
                   </a:schemeClr>
                 </a:solidFill>
               </a:defRPr>
@@ -8678,8 +9770,8 @@
         </p:nvSpPr>
         <p:spPr>
           <a:xfrm>
-            <a:off x="8789894" y="6569075"/>
-            <a:ext cx="457200" cy="365125"/>
+            <a:off x="6444676" y="6041363"/>
+            <a:ext cx="512638" cy="365125"/>
           </a:xfrm>
           <a:prstGeom prst="rect">
             <a:avLst/>
@@ -8688,13 +9780,10 @@
         <p:txBody>
           <a:bodyPr vert="horz" lIns="91440" tIns="45720" rIns="91440" bIns="45720" rtlCol="0" anchor="ctr"/>
           <a:lstStyle>
-            <a:lvl1pPr algn="ctr">
-              <a:defRPr sz="800">
+            <a:lvl1pPr algn="r">
+              <a:defRPr sz="900">
                 <a:solidFill>
-                  <a:schemeClr val="tx1">
-                    <a:lumMod val="65000"/>
-                    <a:lumOff val="35000"/>
-                  </a:schemeClr>
+                  <a:schemeClr val="accent1"/>
                 </a:solidFill>
               </a:defRPr>
             </a:lvl1pPr>
@@ -8708,156 +9797,124 @@
           </a:p>
         </p:txBody>
       </p:sp>
-      <p:sp>
-        <p:nvSpPr>
-          <p:cNvPr id="7" name="Rectangle 6"/>
-          <p:cNvSpPr/>
-          <p:nvPr/>
-        </p:nvSpPr>
-        <p:spPr>
-          <a:xfrm>
-            <a:off x="914400" y="0"/>
-            <a:ext cx="7999413" cy="182880"/>
-          </a:xfrm>
-          <a:prstGeom prst="rect">
-            <a:avLst/>
-          </a:prstGeom>
-          <a:solidFill>
-            <a:schemeClr val="bg2">
-              <a:lumMod val="60000"/>
-              <a:lumOff val="40000"/>
-            </a:schemeClr>
-          </a:solidFill>
-          <a:ln>
-            <a:noFill/>
-          </a:ln>
-        </p:spPr>
-        <p:style>
-          <a:lnRef idx="2">
-            <a:schemeClr val="accent1">
-              <a:shade val="50000"/>
-            </a:schemeClr>
-          </a:lnRef>
-          <a:fillRef idx="1">
-            <a:schemeClr val="accent1"/>
-          </a:fillRef>
-          <a:effectRef idx="0">
-            <a:schemeClr val="accent1"/>
-          </a:effectRef>
-          <a:fontRef idx="minor">
-            <a:schemeClr val="lt1"/>
-          </a:fontRef>
-        </p:style>
-        <p:txBody>
-          <a:bodyPr rtlCol="0" anchor="ctr"/>
-          <a:lstStyle/>
-          <a:p>
-            <a:pPr algn="ctr"/>
-            <a:endParaRPr/>
-          </a:p>
-        </p:txBody>
-      </p:sp>
-      <p:sp>
-        <p:nvSpPr>
-          <p:cNvPr id="8" name="Rectangle 7"/>
-          <p:cNvSpPr/>
-          <p:nvPr/>
-        </p:nvSpPr>
-        <p:spPr>
-          <a:xfrm>
-            <a:off x="914400" y="6675120"/>
-            <a:ext cx="7999413" cy="182880"/>
-          </a:xfrm>
-          <a:prstGeom prst="rect">
-            <a:avLst/>
-          </a:prstGeom>
-          <a:solidFill>
-            <a:schemeClr val="bg2">
-              <a:lumMod val="40000"/>
-              <a:lumOff val="60000"/>
-            </a:schemeClr>
-          </a:solidFill>
-          <a:ln>
-            <a:noFill/>
-          </a:ln>
-        </p:spPr>
-        <p:style>
-          <a:lnRef idx="2">
-            <a:schemeClr val="accent1">
-              <a:shade val="50000"/>
-            </a:schemeClr>
-          </a:lnRef>
-          <a:fillRef idx="1">
-            <a:schemeClr val="accent1"/>
-          </a:fillRef>
-          <a:effectRef idx="0">
-            <a:schemeClr val="accent1"/>
-          </a:effectRef>
-          <a:fontRef idx="minor">
-            <a:schemeClr val="lt1"/>
-          </a:fontRef>
-        </p:style>
-        <p:txBody>
-          <a:bodyPr rtlCol="0" anchor="ctr"/>
-          <a:lstStyle/>
-          <a:p>
-            <a:pPr algn="ctr"/>
-            <a:endParaRPr/>
-          </a:p>
-        </p:txBody>
-      </p:sp>
     </p:spTree>
+    <p:extLst>
+      <p:ext uri="{BB962C8B-B14F-4D97-AF65-F5344CB8AC3E}">
+        <p14:creationId xmlns:p14="http://schemas.microsoft.com/office/powerpoint/2010/main" val="1404210004"/>
+      </p:ext>
+    </p:extLst>
   </p:cSld>
   <p:clrMap bg1="lt1" tx1="dk1" bg2="lt2" tx2="dk2" accent1="accent1" accent2="accent2" accent3="accent3" accent4="accent4" accent5="accent5" accent6="accent6" hlink="hlink" folHlink="folHlink"/>
   <p:sldLayoutIdLst>
-    <p:sldLayoutId id="2147483689" r:id="rId1"/>
-    <p:sldLayoutId id="2147483690" r:id="rId2"/>
-    <p:sldLayoutId id="2147483691" r:id="rId3"/>
-    <p:sldLayoutId id="2147483692" r:id="rId4"/>
-    <p:sldLayoutId id="2147483693" r:id="rId5"/>
-    <p:sldLayoutId id="2147483694" r:id="rId6"/>
-    <p:sldLayoutId id="2147483695" r:id="rId7"/>
-    <p:sldLayoutId id="2147483696" r:id="rId8"/>
-    <p:sldLayoutId id="2147483697" r:id="rId9"/>
-    <p:sldLayoutId id="2147483698" r:id="rId10"/>
-    <p:sldLayoutId id="2147483699" r:id="rId11"/>
-    <p:sldLayoutId id="2147483700" r:id="rId12"/>
-    <p:sldLayoutId id="2147483701" r:id="rId13"/>
-    <p:sldLayoutId id="2147483702" r:id="rId14"/>
-    <p:sldLayoutId id="2147483703" r:id="rId15"/>
+    <p:sldLayoutId id="2147483722" r:id="rId1"/>
+    <p:sldLayoutId id="2147483723" r:id="rId2"/>
+    <p:sldLayoutId id="2147483724" r:id="rId3"/>
+    <p:sldLayoutId id="2147483725" r:id="rId4"/>
+    <p:sldLayoutId id="2147483726" r:id="rId5"/>
+    <p:sldLayoutId id="2147483727" r:id="rId6"/>
+    <p:sldLayoutId id="2147483728" r:id="rId7"/>
+    <p:sldLayoutId id="2147483729" r:id="rId8"/>
+    <p:sldLayoutId id="2147483730" r:id="rId9"/>
+    <p:sldLayoutId id="2147483731" r:id="rId10"/>
+    <p:sldLayoutId id="2147483732" r:id="rId11"/>
+    <p:sldLayoutId id="2147483733" r:id="rId12"/>
+    <p:sldLayoutId id="2147483734" r:id="rId13"/>
+    <p:sldLayoutId id="2147483735" r:id="rId14"/>
+    <p:sldLayoutId id="2147483736" r:id="rId15"/>
+    <p:sldLayoutId id="2147483737" r:id="rId16"/>
   </p:sldLayoutIdLst>
   <p:txStyles>
     <p:titleStyle>
-      <a:lvl1pPr marL="0" indent="0" algn="l" defTabSz="914400" rtl="0" eaLnBrk="1" latinLnBrk="0" hangingPunct="1">
+      <a:lvl1pPr algn="l" defTabSz="457200" rtl="0" eaLnBrk="1" latinLnBrk="0" hangingPunct="1">
         <a:spcBef>
           <a:spcPct val="0"/>
         </a:spcBef>
         <a:buNone/>
         <a:defRPr sz="3600" kern="1200">
           <a:solidFill>
-            <a:schemeClr val="bg1"/>
+            <a:schemeClr val="accent1"/>
           </a:solidFill>
           <a:latin typeface="+mj-lt"/>
           <a:ea typeface="+mj-ea"/>
           <a:cs typeface="+mj-cs"/>
         </a:defRPr>
       </a:lvl1pPr>
+      <a:lvl2pPr eaLnBrk="1" hangingPunct="1">
+        <a:defRPr>
+          <a:solidFill>
+            <a:schemeClr val="tx2"/>
+          </a:solidFill>
+        </a:defRPr>
+      </a:lvl2pPr>
+      <a:lvl3pPr eaLnBrk="1" hangingPunct="1">
+        <a:defRPr>
+          <a:solidFill>
+            <a:schemeClr val="tx2"/>
+          </a:solidFill>
+        </a:defRPr>
+      </a:lvl3pPr>
+      <a:lvl4pPr eaLnBrk="1" hangingPunct="1">
+        <a:defRPr>
+          <a:solidFill>
+            <a:schemeClr val="tx2"/>
+          </a:solidFill>
+        </a:defRPr>
+      </a:lvl4pPr>
+      <a:lvl5pPr eaLnBrk="1" hangingPunct="1">
+        <a:defRPr>
+          <a:solidFill>
+            <a:schemeClr val="tx2"/>
+          </a:solidFill>
+        </a:defRPr>
+      </a:lvl5pPr>
+      <a:lvl6pPr eaLnBrk="1" hangingPunct="1">
+        <a:defRPr>
+          <a:solidFill>
+            <a:schemeClr val="tx2"/>
+          </a:solidFill>
+        </a:defRPr>
+      </a:lvl6pPr>
+      <a:lvl7pPr eaLnBrk="1" hangingPunct="1">
+        <a:defRPr>
+          <a:solidFill>
+            <a:schemeClr val="tx2"/>
+          </a:solidFill>
+        </a:defRPr>
+      </a:lvl7pPr>
+      <a:lvl8pPr eaLnBrk="1" hangingPunct="1">
+        <a:defRPr>
+          <a:solidFill>
+            <a:schemeClr val="tx2"/>
+          </a:solidFill>
+        </a:defRPr>
+      </a:lvl8pPr>
+      <a:lvl9pPr eaLnBrk="1" hangingPunct="1">
+        <a:defRPr>
+          <a:solidFill>
+            <a:schemeClr val="tx2"/>
+          </a:solidFill>
+        </a:defRPr>
+      </a:lvl9pPr>
     </p:titleStyle>
     <p:bodyStyle>
-      <a:lvl1pPr marL="342900" indent="-342900" algn="l" defTabSz="914400" rtl="0" eaLnBrk="1" latinLnBrk="0" hangingPunct="1">
+      <a:lvl1pPr marL="342900" indent="-342900" algn="l" defTabSz="457200" rtl="0" eaLnBrk="1" latinLnBrk="0" hangingPunct="1">
         <a:spcBef>
-          <a:spcPts val="2000"/>
+          <a:spcPts val="1000"/>
         </a:spcBef>
+        <a:spcAft>
+          <a:spcPts val="0"/>
+        </a:spcAft>
         <a:buClr>
           <a:schemeClr val="accent1"/>
         </a:buClr>
-        <a:buFont typeface="Wingdings 2" pitchFamily="18" charset="2"/>
-        <a:buChar char=""/>
-        <a:defRPr sz="2000" kern="1200">
+        <a:buSzPct val="80000"/>
+        <a:buFont typeface="Wingdings 3" charset="2"/>
+        <a:buChar char=""/>
+        <a:defRPr sz="1800" kern="1200">
           <a:solidFill>
             <a:schemeClr val="tx1">
-              <a:lumMod val="65000"/>
-              <a:lumOff val="35000"/>
+              <a:lumMod val="75000"/>
+              <a:lumOff val="25000"/>
             </a:schemeClr>
           </a:solidFill>
           <a:latin typeface="+mn-lt"/>
@@ -8865,22 +9922,24 @@
           <a:cs typeface="+mn-cs"/>
         </a:defRPr>
       </a:lvl1pPr>
-      <a:lvl2pPr marL="685800" indent="-336550" algn="l" defTabSz="914400" rtl="0" eaLnBrk="1" latinLnBrk="0" hangingPunct="1">
+      <a:lvl2pPr marL="742950" indent="-285750" algn="l" defTabSz="457200" rtl="0" eaLnBrk="1" latinLnBrk="0" hangingPunct="1">
         <a:spcBef>
-          <a:spcPts val="600"/>
+          <a:spcPts val="1000"/>
         </a:spcBef>
+        <a:spcAft>
+          <a:spcPts val="0"/>
+        </a:spcAft>
         <a:buClr>
-          <a:schemeClr val="accent1">
-            <a:lumMod val="50000"/>
-          </a:schemeClr>
+          <a:schemeClr val="accent1"/>
         </a:buClr>
-        <a:buFont typeface="Wingdings 2" pitchFamily="18" charset="2"/>
-        <a:buChar char=""/>
-        <a:defRPr sz="1800" kern="1200">
+        <a:buSzPct val="80000"/>
+        <a:buFont typeface="Wingdings 3" charset="2"/>
+        <a:buChar char=""/>
+        <a:defRPr sz="1600" kern="1200">
           <a:solidFill>
             <a:schemeClr val="tx1">
-              <a:lumMod val="65000"/>
-              <a:lumOff val="35000"/>
+              <a:lumMod val="75000"/>
+              <a:lumOff val="25000"/>
             </a:schemeClr>
           </a:solidFill>
           <a:latin typeface="+mn-lt"/>
@@ -8888,20 +9947,24 @@
           <a:cs typeface="+mn-cs"/>
         </a:defRPr>
       </a:lvl2pPr>
-      <a:lvl3pPr marL="1035050" indent="-349250" algn="l" defTabSz="914400" rtl="0" eaLnBrk="1" latinLnBrk="0" hangingPunct="1">
+      <a:lvl3pPr marL="1143000" indent="-228600" algn="l" defTabSz="457200" rtl="0" eaLnBrk="1" latinLnBrk="0" hangingPunct="1">
         <a:spcBef>
-          <a:spcPts val="600"/>
+          <a:spcPts val="1000"/>
         </a:spcBef>
+        <a:spcAft>
+          <a:spcPts val="0"/>
+        </a:spcAft>
         <a:buClr>
           <a:schemeClr val="accent1"/>
         </a:buClr>
-        <a:buFont typeface="Wingdings 2" pitchFamily="18" charset="2"/>
-        <a:buChar char=""/>
-        <a:defRPr sz="1800" kern="1200">
+        <a:buSzPct val="80000"/>
+        <a:buFont typeface="Wingdings 3" charset="2"/>
+        <a:buChar char=""/>
+        <a:defRPr sz="1400" kern="1200">
           <a:solidFill>
             <a:schemeClr val="tx1">
-              <a:lumMod val="65000"/>
-              <a:lumOff val="35000"/>
+              <a:lumMod val="75000"/>
+              <a:lumOff val="25000"/>
             </a:schemeClr>
           </a:solidFill>
           <a:latin typeface="+mn-lt"/>
@@ -8909,22 +9972,24 @@
           <a:cs typeface="+mn-cs"/>
         </a:defRPr>
       </a:lvl3pPr>
-      <a:lvl4pPr marL="1371600" indent="-336550" algn="l" defTabSz="914400" rtl="0" eaLnBrk="1" latinLnBrk="0" hangingPunct="1">
+      <a:lvl4pPr marL="1600200" indent="-228600" algn="l" defTabSz="457200" rtl="0" eaLnBrk="1" latinLnBrk="0" hangingPunct="1">
         <a:spcBef>
-          <a:spcPts val="600"/>
+          <a:spcPts val="1000"/>
         </a:spcBef>
+        <a:spcAft>
+          <a:spcPts val="0"/>
+        </a:spcAft>
         <a:buClr>
-          <a:schemeClr val="accent1">
-            <a:lumMod val="50000"/>
-          </a:schemeClr>
+          <a:schemeClr val="accent1"/>
         </a:buClr>
-        <a:buFont typeface="Wingdings 2" pitchFamily="18" charset="2"/>
-        <a:buChar char=""/>
-        <a:defRPr sz="1800" kern="1200">
+        <a:buSzPct val="80000"/>
+        <a:buFont typeface="Wingdings 3" charset="2"/>
+        <a:buChar char=""/>
+        <a:defRPr sz="1200" kern="1200">
           <a:solidFill>
             <a:schemeClr val="tx1">
-              <a:lumMod val="65000"/>
-              <a:lumOff val="35000"/>
+              <a:lumMod val="75000"/>
+              <a:lumOff val="25000"/>
             </a:schemeClr>
           </a:solidFill>
           <a:latin typeface="+mn-lt"/>
@@ -8932,20 +9997,24 @@
           <a:cs typeface="+mn-cs"/>
         </a:defRPr>
       </a:lvl4pPr>
-      <a:lvl5pPr marL="1720850" indent="-349250" algn="l" defTabSz="914400" rtl="0" eaLnBrk="1" latinLnBrk="0" hangingPunct="1">
+      <a:lvl5pPr marL="2057400" indent="-228600" algn="l" defTabSz="457200" rtl="0" eaLnBrk="1" latinLnBrk="0" hangingPunct="1">
         <a:spcBef>
-          <a:spcPts val="600"/>
+          <a:spcPts val="1000"/>
         </a:spcBef>
+        <a:spcAft>
+          <a:spcPts val="0"/>
+        </a:spcAft>
         <a:buClr>
           <a:schemeClr val="accent1"/>
         </a:buClr>
-        <a:buFont typeface="Wingdings 2" pitchFamily="18" charset="2"/>
-        <a:buChar char=""/>
-        <a:defRPr sz="1800" kern="1200">
+        <a:buSzPct val="80000"/>
+        <a:buFont typeface="Wingdings 3" charset="2"/>
+        <a:buChar char=""/>
+        <a:defRPr sz="1200" kern="1200">
           <a:solidFill>
             <a:schemeClr val="tx1">
-              <a:lumMod val="65000"/>
-              <a:lumOff val="35000"/>
+              <a:lumMod val="75000"/>
+              <a:lumOff val="25000"/>
             </a:schemeClr>
           </a:solidFill>
           <a:latin typeface="+mn-lt"/>
@@ -8953,22 +10022,24 @@
           <a:cs typeface="+mn-cs"/>
         </a:defRPr>
       </a:lvl5pPr>
-      <a:lvl6pPr marL="2055813" indent="-344488" algn="l" defTabSz="914400" rtl="0" eaLnBrk="1" latinLnBrk="0" hangingPunct="1">
+      <a:lvl6pPr marL="2514600" indent="-228600" algn="l" defTabSz="457200" rtl="0" eaLnBrk="1" latinLnBrk="0" hangingPunct="1">
         <a:spcBef>
-          <a:spcPct val="20000"/>
+          <a:spcPts val="1000"/>
         </a:spcBef>
+        <a:spcAft>
+          <a:spcPts val="0"/>
+        </a:spcAft>
         <a:buClr>
-          <a:schemeClr val="accent1">
-            <a:lumMod val="50000"/>
-          </a:schemeClr>
+          <a:schemeClr val="accent1"/>
         </a:buClr>
-        <a:buFont typeface="Wingdings 2" pitchFamily="18" charset="2"/>
-        <a:buChar char=""/>
-        <a:defRPr lang="en-US" sz="1800" kern="1200" dirty="0" smtClean="0">
+        <a:buSzPct val="80000"/>
+        <a:buFont typeface="Wingdings 3" charset="2"/>
+        <a:buChar char=""/>
+        <a:defRPr sz="1200" kern="1200">
           <a:solidFill>
             <a:schemeClr val="tx1">
-              <a:lumMod val="65000"/>
-              <a:lumOff val="35000"/>
+              <a:lumMod val="75000"/>
+              <a:lumOff val="25000"/>
             </a:schemeClr>
           </a:solidFill>
           <a:latin typeface="+mn-lt"/>
@@ -8976,20 +10047,24 @@
           <a:cs typeface="+mn-cs"/>
         </a:defRPr>
       </a:lvl6pPr>
-      <a:lvl7pPr marL="2398713" indent="-344488" algn="l" defTabSz="914400" rtl="0" eaLnBrk="1" latinLnBrk="0" hangingPunct="1">
+      <a:lvl7pPr marL="2971800" indent="-228600" algn="l" defTabSz="457200" rtl="0" eaLnBrk="1" latinLnBrk="0" hangingPunct="1">
         <a:spcBef>
-          <a:spcPct val="20000"/>
+          <a:spcPts val="1000"/>
         </a:spcBef>
+        <a:spcAft>
+          <a:spcPts val="0"/>
+        </a:spcAft>
         <a:buClr>
           <a:schemeClr val="accent1"/>
         </a:buClr>
-        <a:buFont typeface="Wingdings 2" pitchFamily="18" charset="2"/>
-        <a:buChar char=""/>
-        <a:defRPr lang="en-US" sz="1800" kern="1200" dirty="0" smtClean="0">
+        <a:buSzPct val="80000"/>
+        <a:buFont typeface="Wingdings 3" charset="2"/>
+        <a:buChar char=""/>
+        <a:defRPr sz="1200" kern="1200">
           <a:solidFill>
             <a:schemeClr val="tx1">
-              <a:lumMod val="65000"/>
-              <a:lumOff val="35000"/>
+              <a:lumMod val="75000"/>
+              <a:lumOff val="25000"/>
             </a:schemeClr>
           </a:solidFill>
           <a:latin typeface="+mn-lt"/>
@@ -8997,22 +10072,24 @@
           <a:cs typeface="+mn-cs"/>
         </a:defRPr>
       </a:lvl7pPr>
-      <a:lvl8pPr marL="2743200" indent="-344488" algn="l" defTabSz="914400" rtl="0" eaLnBrk="1" latinLnBrk="0" hangingPunct="1">
+      <a:lvl8pPr marL="3429000" indent="-228600" algn="l" defTabSz="457200" rtl="0" eaLnBrk="1" latinLnBrk="0" hangingPunct="1">
         <a:spcBef>
-          <a:spcPct val="20000"/>
+          <a:spcPts val="1000"/>
         </a:spcBef>
+        <a:spcAft>
+          <a:spcPts val="0"/>
+        </a:spcAft>
         <a:buClr>
-          <a:schemeClr val="accent1">
-            <a:lumMod val="50000"/>
-          </a:schemeClr>
+          <a:schemeClr val="accent1"/>
         </a:buClr>
-        <a:buFont typeface="Wingdings 2" pitchFamily="18" charset="2"/>
-        <a:buChar char=""/>
-        <a:defRPr lang="en-US" sz="1800" kern="1200" dirty="0" smtClean="0">
+        <a:buSzPct val="80000"/>
+        <a:buFont typeface="Wingdings 3" charset="2"/>
+        <a:buChar char=""/>
+        <a:defRPr sz="1200" kern="1200">
           <a:solidFill>
             <a:schemeClr val="tx1">
-              <a:lumMod val="65000"/>
-              <a:lumOff val="35000"/>
+              <a:lumMod val="75000"/>
+              <a:lumOff val="25000"/>
             </a:schemeClr>
           </a:solidFill>
           <a:latin typeface="+mn-lt"/>
@@ -9020,20 +10097,24 @@
           <a:cs typeface="+mn-cs"/>
         </a:defRPr>
       </a:lvl8pPr>
-      <a:lvl9pPr marL="3087688" indent="-344488" algn="l" defTabSz="914400" rtl="0" eaLnBrk="1" latinLnBrk="0" hangingPunct="1">
+      <a:lvl9pPr marL="3886200" indent="-228600" algn="l" defTabSz="457200" rtl="0" eaLnBrk="1" latinLnBrk="0" hangingPunct="1">
         <a:spcBef>
-          <a:spcPct val="20000"/>
+          <a:spcPts val="1000"/>
         </a:spcBef>
+        <a:spcAft>
+          <a:spcPts val="0"/>
+        </a:spcAft>
         <a:buClr>
           <a:schemeClr val="accent1"/>
         </a:buClr>
-        <a:buFont typeface="Wingdings 2" pitchFamily="18" charset="2"/>
-        <a:buChar char=""/>
-        <a:defRPr lang="en-US" sz="1800" kern="1200" dirty="0">
+        <a:buSzPct val="80000"/>
+        <a:buFont typeface="Wingdings 3" charset="2"/>
+        <a:buChar char=""/>
+        <a:defRPr sz="1200" kern="1200">
           <a:solidFill>
             <a:schemeClr val="tx1">
-              <a:lumMod val="65000"/>
-              <a:lumOff val="35000"/>
+              <a:lumMod val="75000"/>
+              <a:lumOff val="25000"/>
             </a:schemeClr>
           </a:solidFill>
           <a:latin typeface="+mn-lt"/>
@@ -9044,9 +10125,9 @@
     </p:bodyStyle>
     <p:otherStyle>
       <a:defPPr>
-        <a:defRPr/>
+        <a:defRPr lang="en-US"/>
       </a:defPPr>
-      <a:lvl1pPr marL="0" algn="l" defTabSz="914400" rtl="0" eaLnBrk="1" latinLnBrk="0" hangingPunct="1">
+      <a:lvl1pPr marL="0" algn="l" defTabSz="457200" rtl="0" eaLnBrk="1" latinLnBrk="0" hangingPunct="1">
         <a:defRPr sz="1800" kern="1200">
           <a:solidFill>
             <a:schemeClr val="tx1"/>
@@ -9056,7 +10137,7 @@
           <a:cs typeface="+mn-cs"/>
         </a:defRPr>
       </a:lvl1pPr>
-      <a:lvl2pPr marL="457200" algn="l" defTabSz="914400" rtl="0" eaLnBrk="1" latinLnBrk="0" hangingPunct="1">
+      <a:lvl2pPr marL="457200" algn="l" defTabSz="457200" rtl="0" eaLnBrk="1" latinLnBrk="0" hangingPunct="1">
         <a:defRPr sz="1800" kern="1200">
           <a:solidFill>
             <a:schemeClr val="tx1"/>
@@ -9066,7 +10147,7 @@
           <a:cs typeface="+mn-cs"/>
         </a:defRPr>
       </a:lvl2pPr>
-      <a:lvl3pPr marL="914400" algn="l" defTabSz="914400" rtl="0" eaLnBrk="1" latinLnBrk="0" hangingPunct="1">
+      <a:lvl3pPr marL="914400" algn="l" defTabSz="457200" rtl="0" eaLnBrk="1" latinLnBrk="0" hangingPunct="1">
         <a:defRPr sz="1800" kern="1200">
           <a:solidFill>
             <a:schemeClr val="tx1"/>
@@ -9076,7 +10157,7 @@
           <a:cs typeface="+mn-cs"/>
         </a:defRPr>
       </a:lvl3pPr>
-      <a:lvl4pPr marL="1371600" algn="l" defTabSz="914400" rtl="0" eaLnBrk="1" latinLnBrk="0" hangingPunct="1">
+      <a:lvl4pPr marL="1371600" algn="l" defTabSz="457200" rtl="0" eaLnBrk="1" latinLnBrk="0" hangingPunct="1">
         <a:defRPr sz="1800" kern="1200">
           <a:solidFill>
             <a:schemeClr val="tx1"/>
@@ -9086,7 +10167,7 @@
           <a:cs typeface="+mn-cs"/>
         </a:defRPr>
       </a:lvl4pPr>
-      <a:lvl5pPr marL="1828800" algn="l" defTabSz="914400" rtl="0" eaLnBrk="1" latinLnBrk="0" hangingPunct="1">
+      <a:lvl5pPr marL="1828800" algn="l" defTabSz="457200" rtl="0" eaLnBrk="1" latinLnBrk="0" hangingPunct="1">
         <a:defRPr sz="1800" kern="1200">
           <a:solidFill>
             <a:schemeClr val="tx1"/>
@@ -9096,7 +10177,7 @@
           <a:cs typeface="+mn-cs"/>
         </a:defRPr>
       </a:lvl5pPr>
-      <a:lvl6pPr marL="2286000" algn="l" defTabSz="914400" rtl="0" eaLnBrk="1" latinLnBrk="0" hangingPunct="1">
+      <a:lvl6pPr marL="2286000" algn="l" defTabSz="457200" rtl="0" eaLnBrk="1" latinLnBrk="0" hangingPunct="1">
         <a:defRPr sz="1800" kern="1200">
           <a:solidFill>
             <a:schemeClr val="tx1"/>
@@ -9106,7 +10187,7 @@
           <a:cs typeface="+mn-cs"/>
         </a:defRPr>
       </a:lvl6pPr>
-      <a:lvl7pPr marL="2743200" algn="l" defTabSz="914400" rtl="0" eaLnBrk="1" latinLnBrk="0" hangingPunct="1">
+      <a:lvl7pPr marL="2743200" algn="l" defTabSz="457200" rtl="0" eaLnBrk="1" latinLnBrk="0" hangingPunct="1">
         <a:defRPr sz="1800" kern="1200">
           <a:solidFill>
             <a:schemeClr val="tx1"/>
@@ -9116,7 +10197,7 @@
           <a:cs typeface="+mn-cs"/>
         </a:defRPr>
       </a:lvl7pPr>
-      <a:lvl8pPr marL="3200400" algn="l" defTabSz="914400" rtl="0" eaLnBrk="1" latinLnBrk="0" hangingPunct="1">
+      <a:lvl8pPr marL="3200400" algn="l" defTabSz="457200" rtl="0" eaLnBrk="1" latinLnBrk="0" hangingPunct="1">
         <a:defRPr sz="1800" kern="1200">
           <a:solidFill>
             <a:schemeClr val="tx1"/>
@@ -9126,7 +10207,7 @@
           <a:cs typeface="+mn-cs"/>
         </a:defRPr>
       </a:lvl8pPr>
-      <a:lvl9pPr marL="3657600" algn="l" defTabSz="914400" rtl="0" eaLnBrk="1" latinLnBrk="0" hangingPunct="1">
+      <a:lvl9pPr marL="3657600" algn="l" defTabSz="457200" rtl="0" eaLnBrk="1" latinLnBrk="0" hangingPunct="1">
         <a:defRPr sz="1800" kern="1200">
           <a:solidFill>
             <a:schemeClr val="tx1"/>
@@ -9175,7 +10256,15 @@
           <a:p>
             <a:r>
               <a:rPr lang="en-US" dirty="0" smtClean="0"/>
-              <a:t>Click Through Story Telling</a:t>
+              <a:t>Click </a:t>
+            </a:r>
+            <a:r>
+              <a:rPr lang="en-US" dirty="0"/>
+              <a:t>t</a:t>
+            </a:r>
+            <a:r>
+              <a:rPr lang="en-US" dirty="0" smtClean="0"/>
+              <a:t>hrough and Scroll through Storytelling</a:t>
             </a:r>
             <a:endParaRPr lang="en-US" dirty="0"/>
           </a:p>
@@ -9214,6 +10303,13 @@
   <p:clrMapOvr>
     <a:masterClrMapping/>
   </p:clrMapOvr>
+  <p:timing>
+    <p:tnLst>
+      <p:par>
+        <p:cTn id="1" dur="indefinite" restart="never" nodeType="tmRoot"/>
+      </p:par>
+    </p:tnLst>
+  </p:timing>
 </p:sld>
 </file>
 
@@ -9274,6 +10370,13 @@
   <p:clrMapOvr>
     <a:masterClrMapping/>
   </p:clrMapOvr>
+  <p:timing>
+    <p:tnLst>
+      <p:par>
+        <p:cTn id="1" dur="indefinite" restart="never" nodeType="tmRoot"/>
+      </p:par>
+    </p:tnLst>
+  </p:timing>
 </p:sld>
 </file>
 
@@ -9334,6 +10437,13 @@
   <p:clrMapOvr>
     <a:masterClrMapping/>
   </p:clrMapOvr>
+  <p:timing>
+    <p:tnLst>
+      <p:par>
+        <p:cTn id="1" dur="indefinite" restart="never" nodeType="tmRoot"/>
+      </p:par>
+    </p:tnLst>
+  </p:timing>
 </p:sld>
 </file>
 
@@ -9394,6 +10504,13 @@
   <p:clrMapOvr>
     <a:masterClrMapping/>
   </p:clrMapOvr>
+  <p:timing>
+    <p:tnLst>
+      <p:par>
+        <p:cTn id="1" dur="indefinite" restart="never" nodeType="tmRoot"/>
+      </p:par>
+    </p:tnLst>
+  </p:timing>
 </p:sld>
 </file>
 
@@ -9454,6 +10571,13 @@
   <p:clrMapOvr>
     <a:masterClrMapping/>
   </p:clrMapOvr>
+  <p:timing>
+    <p:tnLst>
+      <p:par>
+        <p:cTn id="1" dur="indefinite" restart="never" nodeType="tmRoot"/>
+      </p:par>
+    </p:tnLst>
+  </p:timing>
 </p:sld>
 </file>
 
@@ -9514,6 +10638,13 @@
   <p:clrMapOvr>
     <a:masterClrMapping/>
   </p:clrMapOvr>
+  <p:timing>
+    <p:tnLst>
+      <p:par>
+        <p:cTn id="1" dur="indefinite" restart="never" nodeType="tmRoot"/>
+      </p:par>
+    </p:tnLst>
+  </p:timing>
 </p:sld>
 </file>
 
@@ -9574,6 +10705,13 @@
   <p:clrMapOvr>
     <a:masterClrMapping/>
   </p:clrMapOvr>
+  <p:timing>
+    <p:tnLst>
+      <p:par>
+        <p:cTn id="1" dur="indefinite" restart="never" nodeType="tmRoot"/>
+      </p:par>
+    </p:tnLst>
+  </p:timing>
 </p:sld>
 </file>
 
@@ -9661,6 +10799,13 @@
   <p:clrMapOvr>
     <a:masterClrMapping/>
   </p:clrMapOvr>
+  <p:timing>
+    <p:tnLst>
+      <p:par>
+        <p:cTn id="1" dur="indefinite" restart="never" nodeType="tmRoot"/>
+      </p:par>
+    </p:tnLst>
+  </p:timing>
 </p:sld>
 </file>
 
@@ -9743,6 +10888,13 @@
   <p:clrMapOvr>
     <a:masterClrMapping/>
   </p:clrMapOvr>
+  <p:timing>
+    <p:tnLst>
+      <p:par>
+        <p:cTn id="1" dur="indefinite" restart="never" nodeType="tmRoot"/>
+      </p:par>
+    </p:tnLst>
+  </p:timing>
 </p:sld>
 </file>
 
@@ -9841,6 +10993,13 @@
   <p:clrMapOvr>
     <a:masterClrMapping/>
   </p:clrMapOvr>
+  <p:timing>
+    <p:tnLst>
+      <p:par>
+        <p:cTn id="1" dur="indefinite" restart="never" nodeType="tmRoot"/>
+      </p:par>
+    </p:tnLst>
+  </p:timing>
 </p:sld>
 </file>
 
@@ -9939,6 +11098,13 @@
   <p:clrMapOvr>
     <a:masterClrMapping/>
   </p:clrMapOvr>
+  <p:timing>
+    <p:tnLst>
+      <p:par>
+        <p:cTn id="1" dur="indefinite" restart="never" nodeType="tmRoot"/>
+      </p:par>
+    </p:tnLst>
+  </p:timing>
 </p:sld>
 </file>
 
@@ -9969,7 +11135,12 @@
             <p:ph type="title"/>
           </p:nvPr>
         </p:nvSpPr>
-        <p:spPr/>
+        <p:spPr>
+          <a:xfrm>
+            <a:off x="224448" y="0"/>
+            <a:ext cx="6347714" cy="1320800"/>
+          </a:xfrm>
+        </p:spPr>
         <p:txBody>
           <a:bodyPr/>
           <a:lstStyle/>
@@ -10000,12 +11171,16 @@
               </a:ext>
             </a:extLst>
           </a:blip>
-          <a:srcRect l="13680" r="13680"/>
           <a:stretch>
             <a:fillRect/>
           </a:stretch>
         </p:blipFill>
-        <p:spPr/>
+        <p:spPr>
+          <a:xfrm>
+            <a:off x="260278" y="671244"/>
+            <a:ext cx="4630220" cy="3472665"/>
+          </a:xfrm>
+        </p:spPr>
       </p:pic>
       <p:pic>
         <p:nvPicPr>
@@ -10025,12 +11200,16 @@
               </a:ext>
             </a:extLst>
           </a:blip>
-          <a:srcRect l="19057" r="19057"/>
           <a:stretch>
             <a:fillRect/>
           </a:stretch>
         </p:blipFill>
-        <p:spPr/>
+        <p:spPr>
+          <a:xfrm>
+            <a:off x="3920109" y="3468767"/>
+            <a:ext cx="5304106" cy="3389233"/>
+          </a:xfrm>
+        </p:spPr>
       </p:pic>
     </p:spTree>
     <p:extLst>
@@ -10042,6 +11221,13 @@
   <p:clrMapOvr>
     <a:masterClrMapping/>
   </p:clrMapOvr>
+  <p:timing>
+    <p:tnLst>
+      <p:par>
+        <p:cTn id="1" dur="indefinite" restart="never" nodeType="tmRoot"/>
+      </p:par>
+    </p:tnLst>
+  </p:timing>
 </p:sld>
 </file>
 
@@ -10140,6 +11326,13 @@
   <p:clrMapOvr>
     <a:masterClrMapping/>
   </p:clrMapOvr>
+  <p:timing>
+    <p:tnLst>
+      <p:par>
+        <p:cTn id="1" dur="indefinite" restart="never" nodeType="tmRoot"/>
+      </p:par>
+    </p:tnLst>
+  </p:timing>
 </p:sld>
 </file>
 
@@ -10238,6 +11431,13 @@
   <p:clrMapOvr>
     <a:masterClrMapping/>
   </p:clrMapOvr>
+  <p:timing>
+    <p:tnLst>
+      <p:par>
+        <p:cTn id="1" dur="indefinite" restart="never" nodeType="tmRoot"/>
+      </p:par>
+    </p:tnLst>
+  </p:timing>
 </p:sld>
 </file>
 
@@ -10275,7 +11475,15 @@
           <a:p>
             <a:r>
               <a:rPr lang="en-US" dirty="0" smtClean="0"/>
-              <a:t>Stepper Graphics	</a:t>
+              <a:t>Stepper </a:t>
+            </a:r>
+            <a:r>
+              <a:rPr lang="en-US" dirty="0" smtClean="0"/>
+              <a:t>or Scrolling Graphics</a:t>
+            </a:r>
+            <a:r>
+              <a:rPr lang="en-US" dirty="0" smtClean="0"/>
+              <a:t>	</a:t>
             </a:r>
             <a:endParaRPr lang="en-US" dirty="0"/>
           </a:p>
@@ -10310,8 +11518,50 @@
           <a:p>
             <a:r>
               <a:rPr lang="en-US" dirty="0" smtClean="0"/>
-              <a:t>Best when accompanied by context (Article)</a:t>
-            </a:r>
+              <a:t>Best when accompanied by context (Article</a:t>
+            </a:r>
+            <a:r>
+              <a:rPr lang="en-US" dirty="0" smtClean="0"/>
+              <a:t>)</a:t>
+            </a:r>
+          </a:p>
+          <a:p>
+            <a:endParaRPr lang="en-US" dirty="0" smtClean="0"/>
+          </a:p>
+          <a:p>
+            <a:r>
+              <a:rPr lang="en-US" dirty="0">
+                <a:hlinkClick r:id="rId2"/>
+              </a:rPr>
+              <a:t>https://</a:t>
+            </a:r>
+            <a:r>
+              <a:rPr lang="en-US" dirty="0" smtClean="0">
+                <a:hlinkClick r:id="rId2"/>
+              </a:rPr>
+              <a:t>www.nytimes.com/interactive/2016/07/14/world/europe/trail-of-terror-france.html</a:t>
+            </a:r>
+            <a:endParaRPr lang="en-US" dirty="0" smtClean="0"/>
+          </a:p>
+          <a:p>
+            <a:endParaRPr lang="en-US" dirty="0"/>
+          </a:p>
+          <a:p>
+            <a:r>
+              <a:rPr lang="en-US" dirty="0">
+                <a:hlinkClick r:id="rId3"/>
+              </a:rPr>
+              <a:t>https://</a:t>
+            </a:r>
+            <a:r>
+              <a:rPr lang="en-US" dirty="0" smtClean="0">
+                <a:hlinkClick r:id="rId3"/>
+              </a:rPr>
+              <a:t>www.nytimes.com/interactive/2016/08/02/business/dealbook/this-is-your-life-private-equity.html</a:t>
+            </a:r>
+            <a:endParaRPr lang="en-US" dirty="0" smtClean="0"/>
+          </a:p>
+          <a:p>
             <a:endParaRPr lang="en-US" dirty="0"/>
           </a:p>
         </p:txBody>
@@ -10326,6 +11576,13 @@
   <p:clrMapOvr>
     <a:masterClrMapping/>
   </p:clrMapOvr>
+  <p:timing>
+    <p:tnLst>
+      <p:par>
+        <p:cTn id="1" dur="indefinite" restart="never" nodeType="tmRoot"/>
+      </p:par>
+    </p:tnLst>
+  </p:timing>
 </p:sld>
 </file>
 
@@ -10385,17 +11642,21 @@
           <a:lstStyle/>
           <a:p>
             <a:r>
-              <a:rPr lang="en-US" dirty="0"/>
-              <a:t>http://</a:t>
-            </a:r>
-            <a:r>
-              <a:rPr lang="en-US" dirty="0" err="1"/>
-              <a:t>infographiclabs.com</a:t>
-            </a:r>
-            <a:r>
-              <a:rPr lang="en-US" dirty="0"/>
-              <a:t>/news/what-is-an-infographic/</a:t>
-            </a:r>
+              <a:rPr lang="en-US" dirty="0">
+                <a:hlinkClick r:id="rId2"/>
+              </a:rPr>
+              <a:t>https://venngage.com/blog/how-to-make-an-infographic-in-5-steps</a:t>
+            </a:r>
+            <a:r>
+              <a:rPr lang="en-US" dirty="0" smtClean="0">
+                <a:hlinkClick r:id="rId2"/>
+              </a:rPr>
+              <a:t>/</a:t>
+            </a:r>
+            <a:endParaRPr lang="en-US" dirty="0" smtClean="0"/>
+          </a:p>
+          <a:p>
+            <a:endParaRPr lang="en-US" dirty="0"/>
           </a:p>
         </p:txBody>
       </p:sp>
@@ -10409,6 +11670,13 @@
   <p:clrMapOvr>
     <a:masterClrMapping/>
   </p:clrMapOvr>
+  <p:timing>
+    <p:tnLst>
+      <p:par>
+        <p:cTn id="1" dur="indefinite" restart="never" nodeType="tmRoot"/>
+      </p:par>
+    </p:tnLst>
+  </p:timing>
 </p:sld>
 </file>
 
@@ -10530,6 +11798,13 @@
   <p:clrMapOvr>
     <a:masterClrMapping/>
   </p:clrMapOvr>
+  <p:timing>
+    <p:tnLst>
+      <p:par>
+        <p:cTn id="1" dur="indefinite" restart="never" nodeType="tmRoot"/>
+      </p:par>
+    </p:tnLst>
+  </p:timing>
 </p:sld>
 </file>
 
@@ -10557,7 +11832,7 @@
             <a:spLocks noGrp="1"/>
           </p:cNvSpPr>
           <p:nvPr>
-            <p:ph type="title"/>
+            <p:ph type="ctrTitle"/>
           </p:nvPr>
         </p:nvSpPr>
         <p:spPr/>
@@ -10567,7 +11842,11 @@
           <a:p>
             <a:r>
               <a:rPr lang="en-US" dirty="0" smtClean="0"/>
-              <a:t>Examples	</a:t>
+              <a:t>jQuery Plugins</a:t>
+            </a:r>
+            <a:r>
+              <a:rPr lang="en-US" dirty="0" smtClean="0"/>
+              <a:t>	</a:t>
             </a:r>
             <a:endParaRPr lang="en-US" dirty="0"/>
           </a:p>
@@ -10575,12 +11854,12 @@
       </p:sp>
       <p:sp>
         <p:nvSpPr>
-          <p:cNvPr id="3" name="Content Placeholder 2"/>
+          <p:cNvPr id="4" name="Subtitle 3"/>
           <p:cNvSpPr>
             <a:spLocks noGrp="1"/>
           </p:cNvSpPr>
           <p:nvPr>
-            <p:ph idx="1"/>
+            <p:ph type="subTitle" idx="1"/>
           </p:nvPr>
         </p:nvSpPr>
         <p:spPr/>
@@ -10589,54 +11868,8 @@
           <a:lstStyle/>
           <a:p>
             <a:r>
-              <a:rPr lang="en-US" dirty="0"/>
-              <a:t>http://</a:t>
-            </a:r>
-            <a:r>
-              <a:rPr lang="en-US" dirty="0" err="1"/>
-              <a:t>www.katherynmckee.com</a:t>
-            </a:r>
-            <a:r>
-              <a:rPr lang="en-US" dirty="0"/>
-              <a:t>/static2/project1/</a:t>
-            </a:r>
-            <a:r>
-              <a:rPr lang="en-US" dirty="0" err="1"/>
-              <a:t>dualSlider</a:t>
-            </a:r>
-            <a:r>
-              <a:rPr lang="en-US" dirty="0"/>
-              <a:t>/</a:t>
-            </a:r>
-          </a:p>
-          <a:p>
-            <a:r>
               <a:rPr lang="en-US" dirty="0" smtClean="0"/>
-              <a:t>http</a:t>
-            </a:r>
-            <a:r>
-              <a:rPr lang="en-US" dirty="0"/>
-              <a:t>://</a:t>
-            </a:r>
-            <a:r>
-              <a:rPr lang="en-US" dirty="0" err="1"/>
-              <a:t>www.nytimes.com</a:t>
-            </a:r>
-            <a:r>
-              <a:rPr lang="en-US" dirty="0"/>
-              <a:t>/interactive/2011/03/15/world/</a:t>
-            </a:r>
-            <a:r>
-              <a:rPr lang="en-US" dirty="0" err="1"/>
-              <a:t>asia</a:t>
-            </a:r>
-            <a:r>
-              <a:rPr lang="en-US" dirty="0"/>
-              <a:t>/</a:t>
-            </a:r>
-            <a:r>
-              <a:rPr lang="en-US" dirty="0" err="1"/>
-              <a:t>daiichi-graphic.html</a:t>
+              <a:t>Slider Graphics</a:t>
             </a:r>
             <a:endParaRPr lang="en-US" dirty="0"/>
           </a:p>
@@ -10652,6 +11885,13 @@
   <p:clrMapOvr>
     <a:masterClrMapping/>
   </p:clrMapOvr>
+  <p:timing>
+    <p:tnLst>
+      <p:par>
+        <p:cTn id="1" dur="indefinite" restart="never" nodeType="tmRoot"/>
+      </p:par>
+    </p:tnLst>
+  </p:timing>
 </p:sld>
 </file>
 
@@ -10755,6 +11995,13 @@
   <p:clrMapOvr>
     <a:masterClrMapping/>
   </p:clrMapOvr>
+  <p:timing>
+    <p:tnLst>
+      <p:par>
+        <p:cTn id="1" dur="indefinite" restart="never" nodeType="tmRoot"/>
+      </p:par>
+    </p:tnLst>
+  </p:timing>
 </p:sld>
 </file>
 
@@ -10885,6 +12132,13 @@
   <p:clrMapOvr>
     <a:masterClrMapping/>
   </p:clrMapOvr>
+  <p:timing>
+    <p:tnLst>
+      <p:par>
+        <p:cTn id="1" dur="indefinite" restart="never" nodeType="tmRoot"/>
+      </p:par>
+    </p:tnLst>
+  </p:timing>
 </p:sld>
 </file>
 
@@ -10918,7 +12172,7 @@
         <p:spPr/>
         <p:txBody>
           <a:bodyPr>
-            <a:normAutofit fontScale="90000"/>
+            <a:normAutofit/>
           </a:bodyPr>
           <a:lstStyle/>
           <a:p>
@@ -10977,6 +12231,13 @@
   <p:clrMapOvr>
     <a:masterClrMapping/>
   </p:clrMapOvr>
+  <p:timing>
+    <p:tnLst>
+      <p:par>
+        <p:cTn id="1" dur="indefinite" restart="never" nodeType="tmRoot"/>
+      </p:par>
+    </p:tnLst>
+  </p:timing>
 </p:sld>
 </file>
 
@@ -11036,8 +12297,8 @@
           </p:nvPr>
         </p:nvGraphicFramePr>
         <p:xfrm>
-          <a:off x="1114425" y="2595563"/>
-          <a:ext cx="7610475" cy="3670300"/>
+          <a:off x="609600" y="2160588"/>
+          <a:ext cx="6348413" cy="3881437"/>
         </p:xfrm>
         <a:graphic>
           <a:graphicData uri="http://schemas.openxmlformats.org/drawingml/2006/diagram">
@@ -11055,6 +12316,13 @@
   <p:clrMapOvr>
     <a:masterClrMapping/>
   </p:clrMapOvr>
+  <p:timing>
+    <p:tnLst>
+      <p:par>
+        <p:cTn id="1" dur="indefinite" restart="never" nodeType="tmRoot"/>
+      </p:par>
+    </p:tnLst>
+  </p:timing>
 </p:sld>
 </file>
 
@@ -11137,6 +12405,13 @@
   <p:clrMapOvr>
     <a:masterClrMapping/>
   </p:clrMapOvr>
+  <p:timing>
+    <p:tnLst>
+      <p:par>
+        <p:cTn id="1" dur="indefinite" restart="never" nodeType="tmRoot"/>
+      </p:par>
+    </p:tnLst>
+  </p:timing>
 </p:sld>
 </file>
 
@@ -11197,6 +12472,13 @@
   <p:clrMapOvr>
     <a:masterClrMapping/>
   </p:clrMapOvr>
+  <p:timing>
+    <p:tnLst>
+      <p:par>
+        <p:cTn id="1" dur="indefinite" restart="never" nodeType="tmRoot"/>
+      </p:par>
+    </p:tnLst>
+  </p:timing>
 </p:sld>
 </file>
 
@@ -11257,13 +12539,20 @@
   <p:clrMapOvr>
     <a:masterClrMapping/>
   </p:clrMapOvr>
+  <p:timing>
+    <p:tnLst>
+      <p:par>
+        <p:cTn id="1" dur="indefinite" restart="never" nodeType="tmRoot"/>
+      </p:par>
+    </p:tnLst>
+  </p:timing>
 </p:sld>
 </file>
 
 <file path=ppt/theme/theme1.xml><?xml version="1.0" encoding="utf-8"?>
-<a:theme xmlns:a="http://schemas.openxmlformats.org/drawingml/2006/main" name="SKlightblue">
+<a:theme xmlns:a="http://schemas.openxmlformats.org/drawingml/2006/main" name="Facet">
   <a:themeElements>
-    <a:clrScheme name="UNC Blue">
+    <a:clrScheme name="Facet">
       <a:dk1>
         <a:sysClr val="windowText" lastClr="000000"/>
       </a:dk1>
@@ -11271,90 +12560,163 @@
         <a:sysClr val="window" lastClr="FFFFFF"/>
       </a:lt1>
       <a:dk2>
-        <a:srgbClr val="004080"/>
+        <a:srgbClr val="2C3C43"/>
       </a:dk2>
       <a:lt2>
-        <a:srgbClr val="ACCBF9"/>
+        <a:srgbClr val="EBEBEB"/>
       </a:lt2>
       <a:accent1>
-        <a:srgbClr val="629DD1"/>
+        <a:srgbClr val="5FCBEF"/>
       </a:accent1>
       <a:accent2>
-        <a:srgbClr val="297FD5"/>
+        <a:srgbClr val="2E83C3"/>
       </a:accent2>
       <a:accent3>
-        <a:srgbClr val="7F8FA9"/>
+        <a:srgbClr val="42D0A2"/>
       </a:accent3>
       <a:accent4>
-        <a:srgbClr val="4A66AC"/>
+        <a:srgbClr val="2E946B"/>
       </a:accent4>
       <a:accent5>
-        <a:srgbClr val="5AA2AE"/>
+        <a:srgbClr val="42B051"/>
       </a:accent5>
       <a:accent6>
-        <a:srgbClr val="9D90A0"/>
+        <a:srgbClr val="96D141"/>
       </a:accent6>
       <a:hlink>
-        <a:srgbClr val="0080FF"/>
+        <a:srgbClr val="3FCDE7"/>
       </a:hlink>
       <a:folHlink>
-        <a:srgbClr val="3EBBF0"/>
+        <a:srgbClr val="A9D3E1"/>
       </a:folHlink>
     </a:clrScheme>
-    <a:fontScheme name="Perception">
+    <a:fontScheme name="Facet">
       <a:majorFont>
-        <a:latin typeface="Century Gothic"/>
+        <a:latin typeface="Trebuchet MS" panose="020B0603020202020204"/>
         <a:ea typeface=""/>
         <a:cs typeface=""/>
         <a:font script="Jpan" typeface="メイリオ"/>
-        <a:font script="Hans" typeface="宋体"/>
-        <a:font script="Hant" typeface="新細明體"/>
+        <a:font script="Hang" typeface="맑은 고딕"/>
+        <a:font script="Hans" typeface="方正姚体"/>
+        <a:font script="Hant" typeface="微軟正黑體"/>
+        <a:font script="Arab" typeface="Tahoma"/>
+        <a:font script="Hebr" typeface="Arial"/>
+        <a:font script="Thai" typeface="Cordia New"/>
+        <a:font script="Ethi" typeface="Nyala"/>
+        <a:font script="Beng" typeface="Vrinda"/>
+        <a:font script="Gujr" typeface="Shruti"/>
+        <a:font script="Khmr" typeface="DaunPenh"/>
+        <a:font script="Knda" typeface="Tunga"/>
+        <a:font script="Guru" typeface="Raavi"/>
+        <a:font script="Cans" typeface="Euphemia"/>
+        <a:font script="Cher" typeface="Plantagenet Cherokee"/>
+        <a:font script="Yiii" typeface="Microsoft Yi Baiti"/>
+        <a:font script="Tibt" typeface="Microsoft Himalaya"/>
+        <a:font script="Thaa" typeface="MV Boli"/>
+        <a:font script="Deva" typeface="Mangal"/>
+        <a:font script="Telu" typeface="Gautami"/>
+        <a:font script="Taml" typeface="Latha"/>
+        <a:font script="Syrc" typeface="Estrangelo Edessa"/>
+        <a:font script="Orya" typeface="Kalinga"/>
+        <a:font script="Mlym" typeface="Kartika"/>
+        <a:font script="Laoo" typeface="DokChampa"/>
+        <a:font script="Sinh" typeface="Iskoola Pota"/>
+        <a:font script="Mong" typeface="Mongolian Baiti"/>
+        <a:font script="Viet" typeface="Tahoma"/>
+        <a:font script="Uigh" typeface="Microsoft Uighur"/>
+        <a:font script="Geor" typeface="Sylfaen"/>
       </a:majorFont>
       <a:minorFont>
-        <a:latin typeface="Century Gothic"/>
+        <a:latin typeface="Trebuchet MS" panose="020B0603020202020204"/>
         <a:ea typeface=""/>
         <a:cs typeface=""/>
         <a:font script="Jpan" typeface="メイリオ"/>
-        <a:font script="Hans" typeface="宋体"/>
-        <a:font script="Hant" typeface="新細明體"/>
+        <a:font script="Hang" typeface="HY그래픽M"/>
+        <a:font script="Hans" typeface="华文新魏"/>
+        <a:font script="Hant" typeface="微軟正黑體"/>
+        <a:font script="Arab" typeface="Tahoma"/>
+        <a:font script="Hebr" typeface="Gisha"/>
+        <a:font script="Thai" typeface="IrisUPC"/>
+        <a:font script="Ethi" typeface="Nyala"/>
+        <a:font script="Beng" typeface="Vrinda"/>
+        <a:font script="Gujr" typeface="Shruti"/>
+        <a:font script="Khmr" typeface="DaunPenh"/>
+        <a:font script="Knda" typeface="Tunga"/>
+        <a:font script="Guru" typeface="Raavi"/>
+        <a:font script="Cans" typeface="Euphemia"/>
+        <a:font script="Cher" typeface="Plantagenet Cherokee"/>
+        <a:font script="Yiii" typeface="Microsoft Yi Baiti"/>
+        <a:font script="Tibt" typeface="Microsoft Himalaya"/>
+        <a:font script="Thaa" typeface="MV Boli"/>
+        <a:font script="Deva" typeface="Mangal"/>
+        <a:font script="Telu" typeface="Gautami"/>
+        <a:font script="Taml" typeface="Latha"/>
+        <a:font script="Syrc" typeface="Estrangelo Edessa"/>
+        <a:font script="Orya" typeface="Kalinga"/>
+        <a:font script="Mlym" typeface="Kartika"/>
+        <a:font script="Laoo" typeface="DokChampa"/>
+        <a:font script="Sinh" typeface="Iskoola Pota"/>
+        <a:font script="Mong" typeface="Mongolian Baiti"/>
+        <a:font script="Viet" typeface="Arial"/>
+        <a:font script="Uigh" typeface="Microsoft Uighur"/>
+        <a:font script="Geor" typeface="Sylfaen"/>
       </a:minorFont>
     </a:fontScheme>
-    <a:fmtScheme name="Perception">
+    <a:fmtScheme name="Facet">
       <a:fillStyleLst>
         <a:solidFill>
           <a:schemeClr val="phClr"/>
         </a:solidFill>
-        <a:solidFill>
-          <a:schemeClr val="phClr">
-            <a:shade val="90000"/>
-          </a:schemeClr>
-        </a:solidFill>
-        <a:solidFill>
-          <a:schemeClr val="phClr">
-            <a:shade val="80000"/>
-          </a:schemeClr>
-        </a:solidFill>
+        <a:gradFill rotWithShape="1">
+          <a:gsLst>
+            <a:gs pos="0">
+              <a:schemeClr val="phClr">
+                <a:tint val="65000"/>
+                <a:lumMod val="110000"/>
+              </a:schemeClr>
+            </a:gs>
+            <a:gs pos="88000">
+              <a:schemeClr val="phClr">
+                <a:tint val="90000"/>
+              </a:schemeClr>
+            </a:gs>
+          </a:gsLst>
+          <a:lin ang="5400000" scaled="0"/>
+        </a:gradFill>
+        <a:gradFill rotWithShape="1">
+          <a:gsLst>
+            <a:gs pos="0">
+              <a:schemeClr val="phClr">
+                <a:tint val="96000"/>
+                <a:lumMod val="100000"/>
+              </a:schemeClr>
+            </a:gs>
+            <a:gs pos="78000">
+              <a:schemeClr val="phClr">
+                <a:shade val="94000"/>
+                <a:lumMod val="94000"/>
+              </a:schemeClr>
+            </a:gs>
+          </a:gsLst>
+          <a:lin ang="5400000" scaled="0"/>
+        </a:gradFill>
       </a:fillStyleLst>
       <a:lnStyleLst>
-        <a:ln w="12700" cap="flat" cmpd="sng" algn="ctr">
-          <a:solidFill>
-            <a:schemeClr val="phClr">
-              <a:satMod val="105000"/>
-            </a:schemeClr>
-          </a:solidFill>
-          <a:prstDash val="solid"/>
-        </a:ln>
-        <a:ln w="25400" cap="flat" cmpd="sng" algn="ctr">
+        <a:ln w="12700" cap="rnd" cmpd="sng" algn="ctr">
           <a:solidFill>
             <a:schemeClr val="phClr"/>
           </a:solidFill>
           <a:prstDash val="solid"/>
         </a:ln>
-        <a:ln w="25400" cap="flat" cmpd="sng" algn="ctr">
+        <a:ln w="19050" cap="rnd" cmpd="sng" algn="ctr">
           <a:solidFill>
-            <a:schemeClr val="phClr">
-              <a:alpha val="80000"/>
-            </a:schemeClr>
+            <a:schemeClr val="phClr"/>
+          </a:solidFill>
+          <a:prstDash val="solid"/>
+        </a:ln>
+        <a:ln w="25400" cap="rnd" cmpd="sng" algn="ctr">
+          <a:solidFill>
+            <a:schemeClr val="phClr"/>
           </a:solidFill>
           <a:prstDash val="solid"/>
         </a:ln>
@@ -11364,92 +12726,83 @@
           <a:effectLst/>
         </a:effectStyle>
         <a:effectStyle>
-          <a:effectLst/>
+          <a:effectLst>
+            <a:outerShdw blurRad="38100" dist="25400" dir="5400000" rotWithShape="0">
+              <a:srgbClr val="000000">
+                <a:alpha val="35000"/>
+              </a:srgbClr>
+            </a:outerShdw>
+          </a:effectLst>
+        </a:effectStyle>
+        <a:effectStyle>
+          <a:effectLst>
+            <a:outerShdw blurRad="50800" dist="38100" dir="5400000" rotWithShape="0">
+              <a:srgbClr val="000000">
+                <a:alpha val="35000"/>
+              </a:srgbClr>
+            </a:outerShdw>
+          </a:effectLst>
           <a:scene3d>
-            <a:camera prst="obliqueTopRight"/>
+            <a:camera prst="orthographicFront">
+              <a:rot lat="0" lon="0" rev="0"/>
+            </a:camera>
             <a:lightRig rig="threePt" dir="tl"/>
           </a:scene3d>
-          <a:sp3d>
-            <a:bevelT w="25400" h="25400"/>
-          </a:sp3d>
-        </a:effectStyle>
-        <a:effectStyle>
-          <a:effectLst/>
-          <a:scene3d>
-            <a:camera prst="perspectiveFront" fov="4200000"/>
-            <a:lightRig rig="balanced" dir="tl">
-              <a:rot lat="0" lon="0" rev="18600000"/>
-            </a:lightRig>
-          </a:scene3d>
-          <a:sp3d prstMaterial="metal">
-            <a:bevelT w="63500" h="50800" prst="angle"/>
+          <a:sp3d prstMaterial="plastic">
+            <a:bevelT w="0" h="0"/>
           </a:sp3d>
         </a:effectStyle>
       </a:effectStyleLst>
       <a:bgFillStyleLst>
         <a:solidFill>
-          <a:schemeClr val="phClr">
-            <a:tint val="90000"/>
-          </a:schemeClr>
+          <a:schemeClr val="phClr"/>
         </a:solidFill>
-        <a:solidFill>
-          <a:schemeClr val="phClr">
-            <a:tint val="50000"/>
-          </a:schemeClr>
-        </a:solidFill>
-        <a:solidFill>
-          <a:schemeClr val="phClr">
-            <a:shade val="60000"/>
-          </a:schemeClr>
-        </a:solidFill>
+        <a:gradFill rotWithShape="1">
+          <a:gsLst>
+            <a:gs pos="0">
+              <a:schemeClr val="phClr">
+                <a:tint val="90000"/>
+                <a:lumMod val="104000"/>
+              </a:schemeClr>
+            </a:gs>
+            <a:gs pos="94000">
+              <a:schemeClr val="phClr">
+                <a:shade val="96000"/>
+                <a:lumMod val="82000"/>
+              </a:schemeClr>
+            </a:gs>
+          </a:gsLst>
+          <a:lin ang="5400000" scaled="0"/>
+        </a:gradFill>
+        <a:gradFill rotWithShape="1">
+          <a:gsLst>
+            <a:gs pos="0">
+              <a:schemeClr val="phClr">
+                <a:tint val="90000"/>
+                <a:lumMod val="110000"/>
+              </a:schemeClr>
+            </a:gs>
+            <a:gs pos="100000">
+              <a:schemeClr val="phClr">
+                <a:shade val="94000"/>
+                <a:lumMod val="96000"/>
+              </a:schemeClr>
+            </a:gs>
+          </a:gsLst>
+          <a:path path="circle">
+            <a:fillToRect l="50000" t="50000" r="100000" b="100000"/>
+          </a:path>
+        </a:gradFill>
       </a:bgFillStyleLst>
     </a:fmtScheme>
   </a:themeElements>
-  <a:objectDefaults>
-    <a:spDef>
-      <a:spPr/>
-      <a:bodyPr rtlCol="0" anchor="ctr"/>
-      <a:lstStyle>
-        <a:defPPr algn="ctr">
-          <a:defRPr/>
-        </a:defPPr>
-      </a:lstStyle>
-      <a:style>
-        <a:lnRef idx="1">
-          <a:schemeClr val="accent1"/>
-        </a:lnRef>
-        <a:fillRef idx="3">
-          <a:schemeClr val="accent1"/>
-        </a:fillRef>
-        <a:effectRef idx="2">
-          <a:schemeClr val="accent1"/>
-        </a:effectRef>
-        <a:fontRef idx="minor">
-          <a:schemeClr val="lt1"/>
-        </a:fontRef>
-      </a:style>
-    </a:spDef>
-    <a:lnDef>
-      <a:spPr/>
-      <a:bodyPr/>
-      <a:lstStyle/>
-      <a:style>
-        <a:lnRef idx="2">
-          <a:schemeClr val="accent1"/>
-        </a:lnRef>
-        <a:fillRef idx="0">
-          <a:schemeClr val="accent1"/>
-        </a:fillRef>
-        <a:effectRef idx="1">
-          <a:schemeClr val="accent1"/>
-        </a:effectRef>
-        <a:fontRef idx="minor">
-          <a:schemeClr val="tx1"/>
-        </a:fontRef>
-      </a:style>
-    </a:lnDef>
-  </a:objectDefaults>
+  <a:objectDefaults/>
   <a:extraClrSchemeLst/>
+  <a:extLst>
+    <a:ext uri="{05A4C25C-085E-4340-85A3-A5531E510DB2}">
+      <thm15:themeFamily xmlns:thm15="http://schemas.microsoft.com/office/thememl/2012/main" name="Facet" id="{C0C680CD-088A-49FC-A102-D699147F32B2}" vid="{0B5AB586-D108-4FC1-8368-649FE654B894}"/>
+    </a:ext>
+  </a:extLst>
 </a:theme>
 </file>
 
